--- a/DATASCI266 Final Presentation.pptx
+++ b/DATASCI266 Final Presentation.pptx
@@ -1,6 +1,6 @@
 
 <file path=ppt/presentation.xml><?xml version="1.0" encoding="utf-8"?>
-<p:presentation xmlns:a="http://schemas.openxmlformats.org/drawingml/2006/main" xmlns:r="http://schemas.openxmlformats.org/officeDocument/2006/relationships" xmlns:mc="http://schemas.openxmlformats.org/markup-compatibility/2006" xmlns:mv="urn:schemas-microsoft-com:mac:vml" xmlns:p="http://schemas.openxmlformats.org/presentationml/2006/main" xmlns:c="http://schemas.openxmlformats.org/drawingml/2006/chart" xmlns:dgm="http://schemas.openxmlformats.org/drawingml/2006/diagram" xmlns:o="urn:schemas-microsoft-com:office:office" xmlns:v="urn:schemas-microsoft-com:vml" xmlns:pvml="urn:schemas-microsoft-com:office:powerpoint" xmlns:com="http://schemas.openxmlformats.org/drawingml/2006/compatibility" xmlns:p14="http://schemas.microsoft.com/office/powerpoint/2010/main" xmlns:p15="http://schemas.microsoft.com/office/powerpoint/2012/main" xmlns:ahyp="http://schemas.microsoft.com/office/drawing/2018/hyperlinkcolor" autoCompressPictures="0" strictFirstAndLastChars="0" saveSubsetFonts="1">
+<p:presentation xmlns:a="http://schemas.openxmlformats.org/drawingml/2006/main" xmlns:r="http://schemas.openxmlformats.org/officeDocument/2006/relationships" xmlns:mc="http://schemas.openxmlformats.org/markup-compatibility/2006" xmlns:mv="urn:schemas-microsoft-com:mac:vml" xmlns:p="http://schemas.openxmlformats.org/presentationml/2006/main" xmlns:c="http://schemas.openxmlformats.org/drawingml/2006/chart" xmlns:dgm="http://schemas.openxmlformats.org/drawingml/2006/diagram" xmlns:o="urn:schemas-microsoft-com:office:office" xmlns:v="urn:schemas-microsoft-com:vml" xmlns:pvml="urn:schemas-microsoft-com:office:powerpoint" xmlns:com="http://schemas.openxmlformats.org/drawingml/2006/compatibility" xmlns:p14="http://schemas.microsoft.com/office/powerpoint/2010/main" xmlns:p15="http://schemas.microsoft.com/office/powerpoint/2012/main" xmlns:ahyp="http://schemas.microsoft.com/office/drawing/2018/hyperlinkcolor" autoCompressPictures="0" embedTrueTypeFonts="1" strictFirstAndLastChars="0" saveSubsetFonts="1">
   <p:sldMasterIdLst>
     <p:sldMasterId id="2147483659" r:id="rId4"/>
   </p:sldMasterIdLst>
@@ -9,9 +9,33 @@
   </p:notesMasterIdLst>
   <p:sldIdLst>
     <p:sldId id="256" r:id="rId6"/>
+    <p:sldId id="257" r:id="rId7"/>
+    <p:sldId id="258" r:id="rId8"/>
+    <p:sldId id="259" r:id="rId9"/>
+    <p:sldId id="260" r:id="rId10"/>
+    <p:sldId id="261" r:id="rId11"/>
+    <p:sldId id="262" r:id="rId12"/>
+    <p:sldId id="263" r:id="rId13"/>
+    <p:sldId id="264" r:id="rId14"/>
+    <p:sldId id="265" r:id="rId15"/>
+    <p:sldId id="266" r:id="rId16"/>
+    <p:sldId id="267" r:id="rId17"/>
+    <p:sldId id="268" r:id="rId18"/>
+    <p:sldId id="269" r:id="rId19"/>
   </p:sldIdLst>
   <p:sldSz cy="5143500" cx="9144000"/>
   <p:notesSz cx="6858000" cy="9144000"/>
+  <p:embeddedFontLst>
+    <p:embeddedFont>
+      <p:font typeface="Average"/>
+      <p:regular r:id="rId20"/>
+    </p:embeddedFont>
+    <p:embeddedFont>
+      <p:font typeface="Oswald"/>
+      <p:regular r:id="rId21"/>
+      <p:bold r:id="rId22"/>
+    </p:embeddedFont>
+  </p:embeddedFontLst>
   <p:defaultTextStyle>
     <a:defPPr lvl="0" marR="0" rtl="0" algn="l">
       <a:lnSpc>
@@ -691,7 +715,7 @@
   <p:cSld>
     <p:spTree>
       <p:nvGrpSpPr>
-        <p:cNvPr id="50" name="Shape 50"/>
+        <p:cNvPr id="55" name="Shape 55"/>
         <p:cNvGrpSpPr/>
         <p:nvPr/>
       </p:nvGrpSpPr>
@@ -705,7 +729,7 @@
       </p:grpSpPr>
       <p:sp>
         <p:nvSpPr>
-          <p:cNvPr id="51" name="Google Shape;51;p:notes"/>
+          <p:cNvPr id="56" name="Google Shape;56;p:notes"/>
           <p:cNvSpPr/>
           <p:nvPr>
             <p:ph idx="2" type="sldImg"/>
@@ -740,7 +764,1294 @@
       </p:sp>
       <p:sp>
         <p:nvSpPr>
-          <p:cNvPr id="52" name="Google Shape;52;p:notes"/>
+          <p:cNvPr id="57" name="Google Shape;57;p:notes"/>
+          <p:cNvSpPr txBox="1"/>
+          <p:nvPr>
+            <p:ph idx="1" type="body"/>
+          </p:nvPr>
+        </p:nvSpPr>
+        <p:spPr>
+          <a:xfrm>
+            <a:off x="685800" y="4343400"/>
+            <a:ext cx="5486400" cy="4114800"/>
+          </a:xfrm>
+          <a:prstGeom prst="rect">
+            <a:avLst/>
+          </a:prstGeom>
+        </p:spPr>
+        <p:txBody>
+          <a:bodyPr anchorCtr="0" anchor="t" bIns="91425" lIns="91425" spcFirstLastPara="1" rIns="91425" wrap="square" tIns="91425">
+            <a:noAutofit/>
+          </a:bodyPr>
+          <a:lstStyle/>
+          <a:p>
+            <a:pPr indent="0" lvl="0" marL="0" rtl="0" algn="l">
+              <a:spcBef>
+                <a:spcPts val="0"/>
+              </a:spcBef>
+              <a:spcAft>
+                <a:spcPts val="0"/>
+              </a:spcAft>
+              <a:buNone/>
+            </a:pPr>
+            <a:r>
+              <a:t/>
+            </a:r>
+            <a:endParaRPr/>
+          </a:p>
+        </p:txBody>
+      </p:sp>
+    </p:spTree>
+  </p:cSld>
+  <p:clrMapOvr>
+    <a:masterClrMapping/>
+  </p:clrMapOvr>
+</p:notes>
+</file>
+
+<file path=ppt/notesSlides/notesSlide10.xml><?xml version="1.0" encoding="utf-8"?>
+<p:notes xmlns:a="http://schemas.openxmlformats.org/drawingml/2006/main" xmlns:r="http://schemas.openxmlformats.org/officeDocument/2006/relationships" xmlns:mc="http://schemas.openxmlformats.org/markup-compatibility/2006" xmlns:mv="urn:schemas-microsoft-com:mac:vml" xmlns:p="http://schemas.openxmlformats.org/presentationml/2006/main" xmlns:c="http://schemas.openxmlformats.org/drawingml/2006/chart" xmlns:dgm="http://schemas.openxmlformats.org/drawingml/2006/diagram" xmlns:o="urn:schemas-microsoft-com:office:office" xmlns:v="urn:schemas-microsoft-com:vml" xmlns:pvml="urn:schemas-microsoft-com:office:powerpoint" xmlns:com="http://schemas.openxmlformats.org/drawingml/2006/compatibility" xmlns:p14="http://schemas.microsoft.com/office/powerpoint/2010/main" xmlns:p15="http://schemas.microsoft.com/office/powerpoint/2012/main" xmlns:ahyp="http://schemas.microsoft.com/office/drawing/2018/hyperlinkcolor" showMasterPhAnim="0" showMasterSp="0">
+  <p:cSld>
+    <p:spTree>
+      <p:nvGrpSpPr>
+        <p:cNvPr id="114" name="Shape 114"/>
+        <p:cNvGrpSpPr/>
+        <p:nvPr/>
+      </p:nvGrpSpPr>
+      <p:grpSpPr>
+        <a:xfrm>
+          <a:off x="0" y="0"/>
+          <a:ext cx="0" cy="0"/>
+          <a:chOff x="0" y="0"/>
+          <a:chExt cx="0" cy="0"/>
+        </a:xfrm>
+      </p:grpSpPr>
+      <p:sp>
+        <p:nvSpPr>
+          <p:cNvPr id="115" name="Google Shape;115;g320e44a88d0_0_132:notes"/>
+          <p:cNvSpPr/>
+          <p:nvPr>
+            <p:ph idx="2" type="sldImg"/>
+          </p:nvPr>
+        </p:nvSpPr>
+        <p:spPr>
+          <a:xfrm>
+            <a:off x="381300" y="685800"/>
+            <a:ext cx="6096000" cy="3429000"/>
+          </a:xfrm>
+          <a:custGeom>
+            <a:rect b="b" l="l" r="r" t="t"/>
+            <a:pathLst>
+              <a:path extrusionOk="0" h="120000" w="120000">
+                <a:moveTo>
+                  <a:pt x="0" y="0"/>
+                </a:moveTo>
+                <a:lnTo>
+                  <a:pt x="120000" y="0"/>
+                </a:lnTo>
+                <a:lnTo>
+                  <a:pt x="120000" y="120000"/>
+                </a:lnTo>
+                <a:lnTo>
+                  <a:pt x="0" y="120000"/>
+                </a:lnTo>
+                <a:close/>
+              </a:path>
+            </a:pathLst>
+          </a:custGeom>
+        </p:spPr>
+      </p:sp>
+      <p:sp>
+        <p:nvSpPr>
+          <p:cNvPr id="116" name="Google Shape;116;g320e44a88d0_0_132:notes"/>
+          <p:cNvSpPr txBox="1"/>
+          <p:nvPr>
+            <p:ph idx="1" type="body"/>
+          </p:nvPr>
+        </p:nvSpPr>
+        <p:spPr>
+          <a:xfrm>
+            <a:off x="685800" y="4343400"/>
+            <a:ext cx="5486400" cy="4114800"/>
+          </a:xfrm>
+          <a:prstGeom prst="rect">
+            <a:avLst/>
+          </a:prstGeom>
+        </p:spPr>
+        <p:txBody>
+          <a:bodyPr anchorCtr="0" anchor="t" bIns="91425" lIns="91425" spcFirstLastPara="1" rIns="91425" wrap="square" tIns="91425">
+            <a:noAutofit/>
+          </a:bodyPr>
+          <a:lstStyle/>
+          <a:p>
+            <a:pPr indent="0" lvl="0" marL="0" rtl="0" algn="l">
+              <a:spcBef>
+                <a:spcPts val="0"/>
+              </a:spcBef>
+              <a:spcAft>
+                <a:spcPts val="0"/>
+              </a:spcAft>
+              <a:buNone/>
+            </a:pPr>
+            <a:r>
+              <a:t/>
+            </a:r>
+            <a:endParaRPr/>
+          </a:p>
+        </p:txBody>
+      </p:sp>
+    </p:spTree>
+  </p:cSld>
+  <p:clrMapOvr>
+    <a:masterClrMapping/>
+  </p:clrMapOvr>
+</p:notes>
+</file>
+
+<file path=ppt/notesSlides/notesSlide11.xml><?xml version="1.0" encoding="utf-8"?>
+<p:notes xmlns:a="http://schemas.openxmlformats.org/drawingml/2006/main" xmlns:r="http://schemas.openxmlformats.org/officeDocument/2006/relationships" xmlns:mc="http://schemas.openxmlformats.org/markup-compatibility/2006" xmlns:mv="urn:schemas-microsoft-com:mac:vml" xmlns:p="http://schemas.openxmlformats.org/presentationml/2006/main" xmlns:c="http://schemas.openxmlformats.org/drawingml/2006/chart" xmlns:dgm="http://schemas.openxmlformats.org/drawingml/2006/diagram" xmlns:o="urn:schemas-microsoft-com:office:office" xmlns:v="urn:schemas-microsoft-com:vml" xmlns:pvml="urn:schemas-microsoft-com:office:powerpoint" xmlns:com="http://schemas.openxmlformats.org/drawingml/2006/compatibility" xmlns:p14="http://schemas.microsoft.com/office/powerpoint/2010/main" xmlns:p15="http://schemas.microsoft.com/office/powerpoint/2012/main" xmlns:ahyp="http://schemas.microsoft.com/office/drawing/2018/hyperlinkcolor" showMasterPhAnim="0" showMasterSp="0">
+  <p:cSld>
+    <p:spTree>
+      <p:nvGrpSpPr>
+        <p:cNvPr id="122" name="Shape 122"/>
+        <p:cNvGrpSpPr/>
+        <p:nvPr/>
+      </p:nvGrpSpPr>
+      <p:grpSpPr>
+        <a:xfrm>
+          <a:off x="0" y="0"/>
+          <a:ext cx="0" cy="0"/>
+          <a:chOff x="0" y="0"/>
+          <a:chExt cx="0" cy="0"/>
+        </a:xfrm>
+      </p:grpSpPr>
+      <p:sp>
+        <p:nvSpPr>
+          <p:cNvPr id="123" name="Google Shape;123;g320e44a88d0_0_67:notes"/>
+          <p:cNvSpPr/>
+          <p:nvPr>
+            <p:ph idx="2" type="sldImg"/>
+          </p:nvPr>
+        </p:nvSpPr>
+        <p:spPr>
+          <a:xfrm>
+            <a:off x="381300" y="685800"/>
+            <a:ext cx="6096000" cy="3429000"/>
+          </a:xfrm>
+          <a:custGeom>
+            <a:rect b="b" l="l" r="r" t="t"/>
+            <a:pathLst>
+              <a:path extrusionOk="0" h="120000" w="120000">
+                <a:moveTo>
+                  <a:pt x="0" y="0"/>
+                </a:moveTo>
+                <a:lnTo>
+                  <a:pt x="120000" y="0"/>
+                </a:lnTo>
+                <a:lnTo>
+                  <a:pt x="120000" y="120000"/>
+                </a:lnTo>
+                <a:lnTo>
+                  <a:pt x="0" y="120000"/>
+                </a:lnTo>
+                <a:close/>
+              </a:path>
+            </a:pathLst>
+          </a:custGeom>
+        </p:spPr>
+      </p:sp>
+      <p:sp>
+        <p:nvSpPr>
+          <p:cNvPr id="124" name="Google Shape;124;g320e44a88d0_0_67:notes"/>
+          <p:cNvSpPr txBox="1"/>
+          <p:nvPr>
+            <p:ph idx="1" type="body"/>
+          </p:nvPr>
+        </p:nvSpPr>
+        <p:spPr>
+          <a:xfrm>
+            <a:off x="685800" y="4343400"/>
+            <a:ext cx="5486400" cy="4114800"/>
+          </a:xfrm>
+          <a:prstGeom prst="rect">
+            <a:avLst/>
+          </a:prstGeom>
+        </p:spPr>
+        <p:txBody>
+          <a:bodyPr anchorCtr="0" anchor="t" bIns="91425" lIns="91425" spcFirstLastPara="1" rIns="91425" wrap="square" tIns="91425">
+            <a:noAutofit/>
+          </a:bodyPr>
+          <a:lstStyle/>
+          <a:p>
+            <a:pPr indent="0" lvl="0" marL="0" rtl="0" algn="l">
+              <a:spcBef>
+                <a:spcPts val="0"/>
+              </a:spcBef>
+              <a:spcAft>
+                <a:spcPts val="0"/>
+              </a:spcAft>
+              <a:buNone/>
+            </a:pPr>
+            <a:r>
+              <a:t/>
+            </a:r>
+            <a:endParaRPr/>
+          </a:p>
+        </p:txBody>
+      </p:sp>
+    </p:spTree>
+  </p:cSld>
+  <p:clrMapOvr>
+    <a:masterClrMapping/>
+  </p:clrMapOvr>
+</p:notes>
+</file>
+
+<file path=ppt/notesSlides/notesSlide12.xml><?xml version="1.0" encoding="utf-8"?>
+<p:notes xmlns:a="http://schemas.openxmlformats.org/drawingml/2006/main" xmlns:r="http://schemas.openxmlformats.org/officeDocument/2006/relationships" xmlns:mc="http://schemas.openxmlformats.org/markup-compatibility/2006" xmlns:mv="urn:schemas-microsoft-com:mac:vml" xmlns:p="http://schemas.openxmlformats.org/presentationml/2006/main" xmlns:c="http://schemas.openxmlformats.org/drawingml/2006/chart" xmlns:dgm="http://schemas.openxmlformats.org/drawingml/2006/diagram" xmlns:o="urn:schemas-microsoft-com:office:office" xmlns:v="urn:schemas-microsoft-com:vml" xmlns:pvml="urn:schemas-microsoft-com:office:powerpoint" xmlns:com="http://schemas.openxmlformats.org/drawingml/2006/compatibility" xmlns:p14="http://schemas.microsoft.com/office/powerpoint/2010/main" xmlns:p15="http://schemas.microsoft.com/office/powerpoint/2012/main" xmlns:ahyp="http://schemas.microsoft.com/office/drawing/2018/hyperlinkcolor" showMasterPhAnim="0" showMasterSp="0">
+  <p:cSld>
+    <p:spTree>
+      <p:nvGrpSpPr>
+        <p:cNvPr id="128" name="Shape 128"/>
+        <p:cNvGrpSpPr/>
+        <p:nvPr/>
+      </p:nvGrpSpPr>
+      <p:grpSpPr>
+        <a:xfrm>
+          <a:off x="0" y="0"/>
+          <a:ext cx="0" cy="0"/>
+          <a:chOff x="0" y="0"/>
+          <a:chExt cx="0" cy="0"/>
+        </a:xfrm>
+      </p:grpSpPr>
+      <p:sp>
+        <p:nvSpPr>
+          <p:cNvPr id="129" name="Google Shape;129;g320e44a88d0_0_77:notes"/>
+          <p:cNvSpPr/>
+          <p:nvPr>
+            <p:ph idx="2" type="sldImg"/>
+          </p:nvPr>
+        </p:nvSpPr>
+        <p:spPr>
+          <a:xfrm>
+            <a:off x="381300" y="685800"/>
+            <a:ext cx="6096000" cy="3429000"/>
+          </a:xfrm>
+          <a:custGeom>
+            <a:rect b="b" l="l" r="r" t="t"/>
+            <a:pathLst>
+              <a:path extrusionOk="0" h="120000" w="120000">
+                <a:moveTo>
+                  <a:pt x="0" y="0"/>
+                </a:moveTo>
+                <a:lnTo>
+                  <a:pt x="120000" y="0"/>
+                </a:lnTo>
+                <a:lnTo>
+                  <a:pt x="120000" y="120000"/>
+                </a:lnTo>
+                <a:lnTo>
+                  <a:pt x="0" y="120000"/>
+                </a:lnTo>
+                <a:close/>
+              </a:path>
+            </a:pathLst>
+          </a:custGeom>
+        </p:spPr>
+      </p:sp>
+      <p:sp>
+        <p:nvSpPr>
+          <p:cNvPr id="130" name="Google Shape;130;g320e44a88d0_0_77:notes"/>
+          <p:cNvSpPr txBox="1"/>
+          <p:nvPr>
+            <p:ph idx="1" type="body"/>
+          </p:nvPr>
+        </p:nvSpPr>
+        <p:spPr>
+          <a:xfrm>
+            <a:off x="685800" y="4343400"/>
+            <a:ext cx="5486400" cy="4114800"/>
+          </a:xfrm>
+          <a:prstGeom prst="rect">
+            <a:avLst/>
+          </a:prstGeom>
+        </p:spPr>
+        <p:txBody>
+          <a:bodyPr anchorCtr="0" anchor="t" bIns="91425" lIns="91425" spcFirstLastPara="1" rIns="91425" wrap="square" tIns="91425">
+            <a:noAutofit/>
+          </a:bodyPr>
+          <a:lstStyle/>
+          <a:p>
+            <a:pPr indent="0" lvl="0" marL="0" rtl="0" algn="l">
+              <a:spcBef>
+                <a:spcPts val="0"/>
+              </a:spcBef>
+              <a:spcAft>
+                <a:spcPts val="0"/>
+              </a:spcAft>
+              <a:buNone/>
+            </a:pPr>
+            <a:r>
+              <a:t/>
+            </a:r>
+            <a:endParaRPr/>
+          </a:p>
+        </p:txBody>
+      </p:sp>
+    </p:spTree>
+  </p:cSld>
+  <p:clrMapOvr>
+    <a:masterClrMapping/>
+  </p:clrMapOvr>
+</p:notes>
+</file>
+
+<file path=ppt/notesSlides/notesSlide13.xml><?xml version="1.0" encoding="utf-8"?>
+<p:notes xmlns:a="http://schemas.openxmlformats.org/drawingml/2006/main" xmlns:r="http://schemas.openxmlformats.org/officeDocument/2006/relationships" xmlns:mc="http://schemas.openxmlformats.org/markup-compatibility/2006" xmlns:mv="urn:schemas-microsoft-com:mac:vml" xmlns:p="http://schemas.openxmlformats.org/presentationml/2006/main" xmlns:c="http://schemas.openxmlformats.org/drawingml/2006/chart" xmlns:dgm="http://schemas.openxmlformats.org/drawingml/2006/diagram" xmlns:o="urn:schemas-microsoft-com:office:office" xmlns:v="urn:schemas-microsoft-com:vml" xmlns:pvml="urn:schemas-microsoft-com:office:powerpoint" xmlns:com="http://schemas.openxmlformats.org/drawingml/2006/compatibility" xmlns:p14="http://schemas.microsoft.com/office/powerpoint/2010/main" xmlns:p15="http://schemas.microsoft.com/office/powerpoint/2012/main" xmlns:ahyp="http://schemas.microsoft.com/office/drawing/2018/hyperlinkcolor" showMasterPhAnim="0" showMasterSp="0">
+  <p:cSld>
+    <p:spTree>
+      <p:nvGrpSpPr>
+        <p:cNvPr id="134" name="Shape 134"/>
+        <p:cNvGrpSpPr/>
+        <p:nvPr/>
+      </p:nvGrpSpPr>
+      <p:grpSpPr>
+        <a:xfrm>
+          <a:off x="0" y="0"/>
+          <a:ext cx="0" cy="0"/>
+          <a:chOff x="0" y="0"/>
+          <a:chExt cx="0" cy="0"/>
+        </a:xfrm>
+      </p:grpSpPr>
+      <p:sp>
+        <p:nvSpPr>
+          <p:cNvPr id="135" name="Google Shape;135;g320e44a88d0_0_82:notes"/>
+          <p:cNvSpPr/>
+          <p:nvPr>
+            <p:ph idx="2" type="sldImg"/>
+          </p:nvPr>
+        </p:nvSpPr>
+        <p:spPr>
+          <a:xfrm>
+            <a:off x="381300" y="685800"/>
+            <a:ext cx="6096000" cy="3429000"/>
+          </a:xfrm>
+          <a:custGeom>
+            <a:rect b="b" l="l" r="r" t="t"/>
+            <a:pathLst>
+              <a:path extrusionOk="0" h="120000" w="120000">
+                <a:moveTo>
+                  <a:pt x="0" y="0"/>
+                </a:moveTo>
+                <a:lnTo>
+                  <a:pt x="120000" y="0"/>
+                </a:lnTo>
+                <a:lnTo>
+                  <a:pt x="120000" y="120000"/>
+                </a:lnTo>
+                <a:lnTo>
+                  <a:pt x="0" y="120000"/>
+                </a:lnTo>
+                <a:close/>
+              </a:path>
+            </a:pathLst>
+          </a:custGeom>
+        </p:spPr>
+      </p:sp>
+      <p:sp>
+        <p:nvSpPr>
+          <p:cNvPr id="136" name="Google Shape;136;g320e44a88d0_0_82:notes"/>
+          <p:cNvSpPr txBox="1"/>
+          <p:nvPr>
+            <p:ph idx="1" type="body"/>
+          </p:nvPr>
+        </p:nvSpPr>
+        <p:spPr>
+          <a:xfrm>
+            <a:off x="685800" y="4343400"/>
+            <a:ext cx="5486400" cy="4114800"/>
+          </a:xfrm>
+          <a:prstGeom prst="rect">
+            <a:avLst/>
+          </a:prstGeom>
+        </p:spPr>
+        <p:txBody>
+          <a:bodyPr anchorCtr="0" anchor="t" bIns="91425" lIns="91425" spcFirstLastPara="1" rIns="91425" wrap="square" tIns="91425">
+            <a:noAutofit/>
+          </a:bodyPr>
+          <a:lstStyle/>
+          <a:p>
+            <a:pPr indent="0" lvl="0" marL="0" rtl="0" algn="l">
+              <a:spcBef>
+                <a:spcPts val="0"/>
+              </a:spcBef>
+              <a:spcAft>
+                <a:spcPts val="0"/>
+              </a:spcAft>
+              <a:buNone/>
+            </a:pPr>
+            <a:r>
+              <a:t/>
+            </a:r>
+            <a:endParaRPr/>
+          </a:p>
+        </p:txBody>
+      </p:sp>
+    </p:spTree>
+  </p:cSld>
+  <p:clrMapOvr>
+    <a:masterClrMapping/>
+  </p:clrMapOvr>
+</p:notes>
+</file>
+
+<file path=ppt/notesSlides/notesSlide14.xml><?xml version="1.0" encoding="utf-8"?>
+<p:notes xmlns:a="http://schemas.openxmlformats.org/drawingml/2006/main" xmlns:r="http://schemas.openxmlformats.org/officeDocument/2006/relationships" xmlns:mc="http://schemas.openxmlformats.org/markup-compatibility/2006" xmlns:mv="urn:schemas-microsoft-com:mac:vml" xmlns:p="http://schemas.openxmlformats.org/presentationml/2006/main" xmlns:c="http://schemas.openxmlformats.org/drawingml/2006/chart" xmlns:dgm="http://schemas.openxmlformats.org/drawingml/2006/diagram" xmlns:o="urn:schemas-microsoft-com:office:office" xmlns:v="urn:schemas-microsoft-com:vml" xmlns:pvml="urn:schemas-microsoft-com:office:powerpoint" xmlns:com="http://schemas.openxmlformats.org/drawingml/2006/compatibility" xmlns:p14="http://schemas.microsoft.com/office/powerpoint/2010/main" xmlns:p15="http://schemas.microsoft.com/office/powerpoint/2012/main" xmlns:ahyp="http://schemas.microsoft.com/office/drawing/2018/hyperlinkcolor" showMasterPhAnim="0" showMasterSp="0">
+  <p:cSld>
+    <p:spTree>
+      <p:nvGrpSpPr>
+        <p:cNvPr id="141" name="Shape 141"/>
+        <p:cNvGrpSpPr/>
+        <p:nvPr/>
+      </p:nvGrpSpPr>
+      <p:grpSpPr>
+        <a:xfrm>
+          <a:off x="0" y="0"/>
+          <a:ext cx="0" cy="0"/>
+          <a:chOff x="0" y="0"/>
+          <a:chExt cx="0" cy="0"/>
+        </a:xfrm>
+      </p:grpSpPr>
+      <p:sp>
+        <p:nvSpPr>
+          <p:cNvPr id="142" name="Google Shape;142;g320e44a88d0_0_147:notes"/>
+          <p:cNvSpPr/>
+          <p:nvPr>
+            <p:ph idx="2" type="sldImg"/>
+          </p:nvPr>
+        </p:nvSpPr>
+        <p:spPr>
+          <a:xfrm>
+            <a:off x="381300" y="685800"/>
+            <a:ext cx="6096000" cy="3429000"/>
+          </a:xfrm>
+          <a:custGeom>
+            <a:rect b="b" l="l" r="r" t="t"/>
+            <a:pathLst>
+              <a:path extrusionOk="0" h="120000" w="120000">
+                <a:moveTo>
+                  <a:pt x="0" y="0"/>
+                </a:moveTo>
+                <a:lnTo>
+                  <a:pt x="120000" y="0"/>
+                </a:lnTo>
+                <a:lnTo>
+                  <a:pt x="120000" y="120000"/>
+                </a:lnTo>
+                <a:lnTo>
+                  <a:pt x="0" y="120000"/>
+                </a:lnTo>
+                <a:close/>
+              </a:path>
+            </a:pathLst>
+          </a:custGeom>
+        </p:spPr>
+      </p:sp>
+      <p:sp>
+        <p:nvSpPr>
+          <p:cNvPr id="143" name="Google Shape;143;g320e44a88d0_0_147:notes"/>
+          <p:cNvSpPr txBox="1"/>
+          <p:nvPr>
+            <p:ph idx="1" type="body"/>
+          </p:nvPr>
+        </p:nvSpPr>
+        <p:spPr>
+          <a:xfrm>
+            <a:off x="685800" y="4343400"/>
+            <a:ext cx="5486400" cy="4114800"/>
+          </a:xfrm>
+          <a:prstGeom prst="rect">
+            <a:avLst/>
+          </a:prstGeom>
+        </p:spPr>
+        <p:txBody>
+          <a:bodyPr anchorCtr="0" anchor="t" bIns="91425" lIns="91425" spcFirstLastPara="1" rIns="91425" wrap="square" tIns="91425">
+            <a:noAutofit/>
+          </a:bodyPr>
+          <a:lstStyle/>
+          <a:p>
+            <a:pPr indent="0" lvl="0" marL="0" rtl="0" algn="l">
+              <a:spcBef>
+                <a:spcPts val="0"/>
+              </a:spcBef>
+              <a:spcAft>
+                <a:spcPts val="0"/>
+              </a:spcAft>
+              <a:buNone/>
+            </a:pPr>
+            <a:r>
+              <a:t/>
+            </a:r>
+            <a:endParaRPr/>
+          </a:p>
+        </p:txBody>
+      </p:sp>
+    </p:spTree>
+  </p:cSld>
+  <p:clrMapOvr>
+    <a:masterClrMapping/>
+  </p:clrMapOvr>
+</p:notes>
+</file>
+
+<file path=ppt/notesSlides/notesSlide2.xml><?xml version="1.0" encoding="utf-8"?>
+<p:notes xmlns:a="http://schemas.openxmlformats.org/drawingml/2006/main" xmlns:r="http://schemas.openxmlformats.org/officeDocument/2006/relationships" xmlns:mc="http://schemas.openxmlformats.org/markup-compatibility/2006" xmlns:mv="urn:schemas-microsoft-com:mac:vml" xmlns:p="http://schemas.openxmlformats.org/presentationml/2006/main" xmlns:c="http://schemas.openxmlformats.org/drawingml/2006/chart" xmlns:dgm="http://schemas.openxmlformats.org/drawingml/2006/diagram" xmlns:o="urn:schemas-microsoft-com:office:office" xmlns:v="urn:schemas-microsoft-com:vml" xmlns:pvml="urn:schemas-microsoft-com:office:powerpoint" xmlns:com="http://schemas.openxmlformats.org/drawingml/2006/compatibility" xmlns:p14="http://schemas.microsoft.com/office/powerpoint/2010/main" xmlns:p15="http://schemas.microsoft.com/office/powerpoint/2012/main" xmlns:ahyp="http://schemas.microsoft.com/office/drawing/2018/hyperlinkcolor" showMasterPhAnim="0" showMasterSp="0">
+  <p:cSld>
+    <p:spTree>
+      <p:nvGrpSpPr>
+        <p:cNvPr id="61" name="Shape 61"/>
+        <p:cNvGrpSpPr/>
+        <p:nvPr/>
+      </p:nvGrpSpPr>
+      <p:grpSpPr>
+        <a:xfrm>
+          <a:off x="0" y="0"/>
+          <a:ext cx="0" cy="0"/>
+          <a:chOff x="0" y="0"/>
+          <a:chExt cx="0" cy="0"/>
+        </a:xfrm>
+      </p:grpSpPr>
+      <p:sp>
+        <p:nvSpPr>
+          <p:cNvPr id="62" name="Google Shape;62;g320e44a88d0_0_52:notes"/>
+          <p:cNvSpPr/>
+          <p:nvPr>
+            <p:ph idx="2" type="sldImg"/>
+          </p:nvPr>
+        </p:nvSpPr>
+        <p:spPr>
+          <a:xfrm>
+            <a:off x="381300" y="685800"/>
+            <a:ext cx="6096000" cy="3429000"/>
+          </a:xfrm>
+          <a:custGeom>
+            <a:rect b="b" l="l" r="r" t="t"/>
+            <a:pathLst>
+              <a:path extrusionOk="0" h="120000" w="120000">
+                <a:moveTo>
+                  <a:pt x="0" y="0"/>
+                </a:moveTo>
+                <a:lnTo>
+                  <a:pt x="120000" y="0"/>
+                </a:lnTo>
+                <a:lnTo>
+                  <a:pt x="120000" y="120000"/>
+                </a:lnTo>
+                <a:lnTo>
+                  <a:pt x="0" y="120000"/>
+                </a:lnTo>
+                <a:close/>
+              </a:path>
+            </a:pathLst>
+          </a:custGeom>
+        </p:spPr>
+      </p:sp>
+      <p:sp>
+        <p:nvSpPr>
+          <p:cNvPr id="63" name="Google Shape;63;g320e44a88d0_0_52:notes"/>
+          <p:cNvSpPr txBox="1"/>
+          <p:nvPr>
+            <p:ph idx="1" type="body"/>
+          </p:nvPr>
+        </p:nvSpPr>
+        <p:spPr>
+          <a:xfrm>
+            <a:off x="685800" y="4343400"/>
+            <a:ext cx="5486400" cy="4114800"/>
+          </a:xfrm>
+          <a:prstGeom prst="rect">
+            <a:avLst/>
+          </a:prstGeom>
+        </p:spPr>
+        <p:txBody>
+          <a:bodyPr anchorCtr="0" anchor="t" bIns="91425" lIns="91425" spcFirstLastPara="1" rIns="91425" wrap="square" tIns="91425">
+            <a:noAutofit/>
+          </a:bodyPr>
+          <a:lstStyle/>
+          <a:p>
+            <a:pPr indent="0" lvl="0" marL="457200" rtl="0" algn="l">
+              <a:spcBef>
+                <a:spcPts val="0"/>
+              </a:spcBef>
+              <a:spcAft>
+                <a:spcPts val="0"/>
+              </a:spcAft>
+              <a:buNone/>
+            </a:pPr>
+            <a:r>
+              <a:t/>
+            </a:r>
+            <a:endParaRPr/>
+          </a:p>
+        </p:txBody>
+      </p:sp>
+    </p:spTree>
+  </p:cSld>
+  <p:clrMapOvr>
+    <a:masterClrMapping/>
+  </p:clrMapOvr>
+</p:notes>
+</file>
+
+<file path=ppt/notesSlides/notesSlide3.xml><?xml version="1.0" encoding="utf-8"?>
+<p:notes xmlns:a="http://schemas.openxmlformats.org/drawingml/2006/main" xmlns:r="http://schemas.openxmlformats.org/officeDocument/2006/relationships" xmlns:mc="http://schemas.openxmlformats.org/markup-compatibility/2006" xmlns:mv="urn:schemas-microsoft-com:mac:vml" xmlns:p="http://schemas.openxmlformats.org/presentationml/2006/main" xmlns:c="http://schemas.openxmlformats.org/drawingml/2006/chart" xmlns:dgm="http://schemas.openxmlformats.org/drawingml/2006/diagram" xmlns:o="urn:schemas-microsoft-com:office:office" xmlns:v="urn:schemas-microsoft-com:vml" xmlns:pvml="urn:schemas-microsoft-com:office:powerpoint" xmlns:com="http://schemas.openxmlformats.org/drawingml/2006/compatibility" xmlns:p14="http://schemas.microsoft.com/office/powerpoint/2010/main" xmlns:p15="http://schemas.microsoft.com/office/powerpoint/2012/main" xmlns:ahyp="http://schemas.microsoft.com/office/drawing/2018/hyperlinkcolor" showMasterPhAnim="0" showMasterSp="0">
+  <p:cSld>
+    <p:spTree>
+      <p:nvGrpSpPr>
+        <p:cNvPr id="67" name="Shape 67"/>
+        <p:cNvGrpSpPr/>
+        <p:nvPr/>
+      </p:nvGrpSpPr>
+      <p:grpSpPr>
+        <a:xfrm>
+          <a:off x="0" y="0"/>
+          <a:ext cx="0" cy="0"/>
+          <a:chOff x="0" y="0"/>
+          <a:chExt cx="0" cy="0"/>
+        </a:xfrm>
+      </p:grpSpPr>
+      <p:sp>
+        <p:nvSpPr>
+          <p:cNvPr id="68" name="Google Shape;68;g320e44a88d0_0_92:notes"/>
+          <p:cNvSpPr/>
+          <p:nvPr>
+            <p:ph idx="2" type="sldImg"/>
+          </p:nvPr>
+        </p:nvSpPr>
+        <p:spPr>
+          <a:xfrm>
+            <a:off x="381300" y="685800"/>
+            <a:ext cx="6096000" cy="3429000"/>
+          </a:xfrm>
+          <a:custGeom>
+            <a:rect b="b" l="l" r="r" t="t"/>
+            <a:pathLst>
+              <a:path extrusionOk="0" h="120000" w="120000">
+                <a:moveTo>
+                  <a:pt x="0" y="0"/>
+                </a:moveTo>
+                <a:lnTo>
+                  <a:pt x="120000" y="0"/>
+                </a:lnTo>
+                <a:lnTo>
+                  <a:pt x="120000" y="120000"/>
+                </a:lnTo>
+                <a:lnTo>
+                  <a:pt x="0" y="120000"/>
+                </a:lnTo>
+                <a:close/>
+              </a:path>
+            </a:pathLst>
+          </a:custGeom>
+        </p:spPr>
+      </p:sp>
+      <p:sp>
+        <p:nvSpPr>
+          <p:cNvPr id="69" name="Google Shape;69;g320e44a88d0_0_92:notes"/>
+          <p:cNvSpPr txBox="1"/>
+          <p:nvPr>
+            <p:ph idx="1" type="body"/>
+          </p:nvPr>
+        </p:nvSpPr>
+        <p:spPr>
+          <a:xfrm>
+            <a:off x="685800" y="4343400"/>
+            <a:ext cx="5486400" cy="4114800"/>
+          </a:xfrm>
+          <a:prstGeom prst="rect">
+            <a:avLst/>
+          </a:prstGeom>
+        </p:spPr>
+        <p:txBody>
+          <a:bodyPr anchorCtr="0" anchor="t" bIns="91425" lIns="91425" spcFirstLastPara="1" rIns="91425" wrap="square" tIns="91425">
+            <a:noAutofit/>
+          </a:bodyPr>
+          <a:lstStyle/>
+          <a:p>
+            <a:pPr indent="0" lvl="0" marL="0" rtl="0" algn="l">
+              <a:spcBef>
+                <a:spcPts val="0"/>
+              </a:spcBef>
+              <a:spcAft>
+                <a:spcPts val="0"/>
+              </a:spcAft>
+              <a:buNone/>
+            </a:pPr>
+            <a:r>
+              <a:t/>
+            </a:r>
+            <a:endParaRPr/>
+          </a:p>
+        </p:txBody>
+      </p:sp>
+    </p:spTree>
+  </p:cSld>
+  <p:clrMapOvr>
+    <a:masterClrMapping/>
+  </p:clrMapOvr>
+</p:notes>
+</file>
+
+<file path=ppt/notesSlides/notesSlide4.xml><?xml version="1.0" encoding="utf-8"?>
+<p:notes xmlns:a="http://schemas.openxmlformats.org/drawingml/2006/main" xmlns:r="http://schemas.openxmlformats.org/officeDocument/2006/relationships" xmlns:mc="http://schemas.openxmlformats.org/markup-compatibility/2006" xmlns:mv="urn:schemas-microsoft-com:mac:vml" xmlns:p="http://schemas.openxmlformats.org/presentationml/2006/main" xmlns:c="http://schemas.openxmlformats.org/drawingml/2006/chart" xmlns:dgm="http://schemas.openxmlformats.org/drawingml/2006/diagram" xmlns:o="urn:schemas-microsoft-com:office:office" xmlns:v="urn:schemas-microsoft-com:vml" xmlns:pvml="urn:schemas-microsoft-com:office:powerpoint" xmlns:com="http://schemas.openxmlformats.org/drawingml/2006/compatibility" xmlns:p14="http://schemas.microsoft.com/office/powerpoint/2010/main" xmlns:p15="http://schemas.microsoft.com/office/powerpoint/2012/main" xmlns:ahyp="http://schemas.microsoft.com/office/drawing/2018/hyperlinkcolor" showMasterPhAnim="0" showMasterSp="0">
+  <p:cSld>
+    <p:spTree>
+      <p:nvGrpSpPr>
+        <p:cNvPr id="73" name="Shape 73"/>
+        <p:cNvGrpSpPr/>
+        <p:nvPr/>
+      </p:nvGrpSpPr>
+      <p:grpSpPr>
+        <a:xfrm>
+          <a:off x="0" y="0"/>
+          <a:ext cx="0" cy="0"/>
+          <a:chOff x="0" y="0"/>
+          <a:chExt cx="0" cy="0"/>
+        </a:xfrm>
+      </p:grpSpPr>
+      <p:sp>
+        <p:nvSpPr>
+          <p:cNvPr id="74" name="Google Shape;74;g320e44a88d0_0_102:notes"/>
+          <p:cNvSpPr/>
+          <p:nvPr>
+            <p:ph idx="2" type="sldImg"/>
+          </p:nvPr>
+        </p:nvSpPr>
+        <p:spPr>
+          <a:xfrm>
+            <a:off x="381300" y="685800"/>
+            <a:ext cx="6096000" cy="3429000"/>
+          </a:xfrm>
+          <a:custGeom>
+            <a:rect b="b" l="l" r="r" t="t"/>
+            <a:pathLst>
+              <a:path extrusionOk="0" h="120000" w="120000">
+                <a:moveTo>
+                  <a:pt x="0" y="0"/>
+                </a:moveTo>
+                <a:lnTo>
+                  <a:pt x="120000" y="0"/>
+                </a:lnTo>
+                <a:lnTo>
+                  <a:pt x="120000" y="120000"/>
+                </a:lnTo>
+                <a:lnTo>
+                  <a:pt x="0" y="120000"/>
+                </a:lnTo>
+                <a:close/>
+              </a:path>
+            </a:pathLst>
+          </a:custGeom>
+        </p:spPr>
+      </p:sp>
+      <p:sp>
+        <p:nvSpPr>
+          <p:cNvPr id="75" name="Google Shape;75;g320e44a88d0_0_102:notes"/>
+          <p:cNvSpPr txBox="1"/>
+          <p:nvPr>
+            <p:ph idx="1" type="body"/>
+          </p:nvPr>
+        </p:nvSpPr>
+        <p:spPr>
+          <a:xfrm>
+            <a:off x="685800" y="4343400"/>
+            <a:ext cx="5486400" cy="4114800"/>
+          </a:xfrm>
+          <a:prstGeom prst="rect">
+            <a:avLst/>
+          </a:prstGeom>
+        </p:spPr>
+        <p:txBody>
+          <a:bodyPr anchorCtr="0" anchor="t" bIns="91425" lIns="91425" spcFirstLastPara="1" rIns="91425" wrap="square" tIns="91425">
+            <a:noAutofit/>
+          </a:bodyPr>
+          <a:lstStyle/>
+          <a:p>
+            <a:pPr indent="0" lvl="0" marL="0" rtl="0" algn="l">
+              <a:spcBef>
+                <a:spcPts val="0"/>
+              </a:spcBef>
+              <a:spcAft>
+                <a:spcPts val="0"/>
+              </a:spcAft>
+              <a:buNone/>
+            </a:pPr>
+            <a:r>
+              <a:t/>
+            </a:r>
+            <a:endParaRPr/>
+          </a:p>
+        </p:txBody>
+      </p:sp>
+    </p:spTree>
+  </p:cSld>
+  <p:clrMapOvr>
+    <a:masterClrMapping/>
+  </p:clrMapOvr>
+</p:notes>
+</file>
+
+<file path=ppt/notesSlides/notesSlide5.xml><?xml version="1.0" encoding="utf-8"?>
+<p:notes xmlns:a="http://schemas.openxmlformats.org/drawingml/2006/main" xmlns:r="http://schemas.openxmlformats.org/officeDocument/2006/relationships" xmlns:mc="http://schemas.openxmlformats.org/markup-compatibility/2006" xmlns:mv="urn:schemas-microsoft-com:mac:vml" xmlns:p="http://schemas.openxmlformats.org/presentationml/2006/main" xmlns:c="http://schemas.openxmlformats.org/drawingml/2006/chart" xmlns:dgm="http://schemas.openxmlformats.org/drawingml/2006/diagram" xmlns:o="urn:schemas-microsoft-com:office:office" xmlns:v="urn:schemas-microsoft-com:vml" xmlns:pvml="urn:schemas-microsoft-com:office:powerpoint" xmlns:com="http://schemas.openxmlformats.org/drawingml/2006/compatibility" xmlns:p14="http://schemas.microsoft.com/office/powerpoint/2010/main" xmlns:p15="http://schemas.microsoft.com/office/powerpoint/2012/main" xmlns:ahyp="http://schemas.microsoft.com/office/drawing/2018/hyperlinkcolor" showMasterPhAnim="0" showMasterSp="0">
+  <p:cSld>
+    <p:spTree>
+      <p:nvGrpSpPr>
+        <p:cNvPr id="80" name="Shape 80"/>
+        <p:cNvGrpSpPr/>
+        <p:nvPr/>
+      </p:nvGrpSpPr>
+      <p:grpSpPr>
+        <a:xfrm>
+          <a:off x="0" y="0"/>
+          <a:ext cx="0" cy="0"/>
+          <a:chOff x="0" y="0"/>
+          <a:chExt cx="0" cy="0"/>
+        </a:xfrm>
+      </p:grpSpPr>
+      <p:sp>
+        <p:nvSpPr>
+          <p:cNvPr id="81" name="Google Shape;81;g320e44a88d0_0_108:notes"/>
+          <p:cNvSpPr/>
+          <p:nvPr>
+            <p:ph idx="2" type="sldImg"/>
+          </p:nvPr>
+        </p:nvSpPr>
+        <p:spPr>
+          <a:xfrm>
+            <a:off x="381300" y="685800"/>
+            <a:ext cx="6096000" cy="3429000"/>
+          </a:xfrm>
+          <a:custGeom>
+            <a:rect b="b" l="l" r="r" t="t"/>
+            <a:pathLst>
+              <a:path extrusionOk="0" h="120000" w="120000">
+                <a:moveTo>
+                  <a:pt x="0" y="0"/>
+                </a:moveTo>
+                <a:lnTo>
+                  <a:pt x="120000" y="0"/>
+                </a:lnTo>
+                <a:lnTo>
+                  <a:pt x="120000" y="120000"/>
+                </a:lnTo>
+                <a:lnTo>
+                  <a:pt x="0" y="120000"/>
+                </a:lnTo>
+                <a:close/>
+              </a:path>
+            </a:pathLst>
+          </a:custGeom>
+        </p:spPr>
+      </p:sp>
+      <p:sp>
+        <p:nvSpPr>
+          <p:cNvPr id="82" name="Google Shape;82;g320e44a88d0_0_108:notes"/>
+          <p:cNvSpPr txBox="1"/>
+          <p:nvPr>
+            <p:ph idx="1" type="body"/>
+          </p:nvPr>
+        </p:nvSpPr>
+        <p:spPr>
+          <a:xfrm>
+            <a:off x="685800" y="4343400"/>
+            <a:ext cx="5486400" cy="4114800"/>
+          </a:xfrm>
+          <a:prstGeom prst="rect">
+            <a:avLst/>
+          </a:prstGeom>
+        </p:spPr>
+        <p:txBody>
+          <a:bodyPr anchorCtr="0" anchor="t" bIns="91425" lIns="91425" spcFirstLastPara="1" rIns="91425" wrap="square" tIns="91425">
+            <a:noAutofit/>
+          </a:bodyPr>
+          <a:lstStyle/>
+          <a:p>
+            <a:pPr indent="0" lvl="0" marL="0" rtl="0" algn="l">
+              <a:spcBef>
+                <a:spcPts val="0"/>
+              </a:spcBef>
+              <a:spcAft>
+                <a:spcPts val="0"/>
+              </a:spcAft>
+              <a:buNone/>
+            </a:pPr>
+            <a:r>
+              <a:t/>
+            </a:r>
+            <a:endParaRPr/>
+          </a:p>
+        </p:txBody>
+      </p:sp>
+    </p:spTree>
+  </p:cSld>
+  <p:clrMapOvr>
+    <a:masterClrMapping/>
+  </p:clrMapOvr>
+</p:notes>
+</file>
+
+<file path=ppt/notesSlides/notesSlide6.xml><?xml version="1.0" encoding="utf-8"?>
+<p:notes xmlns:a="http://schemas.openxmlformats.org/drawingml/2006/main" xmlns:r="http://schemas.openxmlformats.org/officeDocument/2006/relationships" xmlns:mc="http://schemas.openxmlformats.org/markup-compatibility/2006" xmlns:mv="urn:schemas-microsoft-com:mac:vml" xmlns:p="http://schemas.openxmlformats.org/presentationml/2006/main" xmlns:c="http://schemas.openxmlformats.org/drawingml/2006/chart" xmlns:dgm="http://schemas.openxmlformats.org/drawingml/2006/diagram" xmlns:o="urn:schemas-microsoft-com:office:office" xmlns:v="urn:schemas-microsoft-com:vml" xmlns:pvml="urn:schemas-microsoft-com:office:powerpoint" xmlns:com="http://schemas.openxmlformats.org/drawingml/2006/compatibility" xmlns:p14="http://schemas.microsoft.com/office/powerpoint/2010/main" xmlns:p15="http://schemas.microsoft.com/office/powerpoint/2012/main" xmlns:ahyp="http://schemas.microsoft.com/office/drawing/2018/hyperlinkcolor" showMasterPhAnim="0" showMasterSp="0">
+  <p:cSld>
+    <p:spTree>
+      <p:nvGrpSpPr>
+        <p:cNvPr id="88" name="Shape 88"/>
+        <p:cNvGrpSpPr/>
+        <p:nvPr/>
+      </p:nvGrpSpPr>
+      <p:grpSpPr>
+        <a:xfrm>
+          <a:off x="0" y="0"/>
+          <a:ext cx="0" cy="0"/>
+          <a:chOff x="0" y="0"/>
+          <a:chExt cx="0" cy="0"/>
+        </a:xfrm>
+      </p:grpSpPr>
+      <p:sp>
+        <p:nvSpPr>
+          <p:cNvPr id="89" name="Google Shape;89;g320e44a88d0_0_87:notes"/>
+          <p:cNvSpPr/>
+          <p:nvPr>
+            <p:ph idx="2" type="sldImg"/>
+          </p:nvPr>
+        </p:nvSpPr>
+        <p:spPr>
+          <a:xfrm>
+            <a:off x="381300" y="685800"/>
+            <a:ext cx="6096000" cy="3429000"/>
+          </a:xfrm>
+          <a:custGeom>
+            <a:rect b="b" l="l" r="r" t="t"/>
+            <a:pathLst>
+              <a:path extrusionOk="0" h="120000" w="120000">
+                <a:moveTo>
+                  <a:pt x="0" y="0"/>
+                </a:moveTo>
+                <a:lnTo>
+                  <a:pt x="120000" y="0"/>
+                </a:lnTo>
+                <a:lnTo>
+                  <a:pt x="120000" y="120000"/>
+                </a:lnTo>
+                <a:lnTo>
+                  <a:pt x="0" y="120000"/>
+                </a:lnTo>
+                <a:close/>
+              </a:path>
+            </a:pathLst>
+          </a:custGeom>
+        </p:spPr>
+      </p:sp>
+      <p:sp>
+        <p:nvSpPr>
+          <p:cNvPr id="90" name="Google Shape;90;g320e44a88d0_0_87:notes"/>
+          <p:cNvSpPr txBox="1"/>
+          <p:nvPr>
+            <p:ph idx="1" type="body"/>
+          </p:nvPr>
+        </p:nvSpPr>
+        <p:spPr>
+          <a:xfrm>
+            <a:off x="685800" y="4343400"/>
+            <a:ext cx="5486400" cy="4114800"/>
+          </a:xfrm>
+          <a:prstGeom prst="rect">
+            <a:avLst/>
+          </a:prstGeom>
+        </p:spPr>
+        <p:txBody>
+          <a:bodyPr anchorCtr="0" anchor="t" bIns="91425" lIns="91425" spcFirstLastPara="1" rIns="91425" wrap="square" tIns="91425">
+            <a:noAutofit/>
+          </a:bodyPr>
+          <a:lstStyle/>
+          <a:p>
+            <a:pPr indent="0" lvl="0" marL="0" rtl="0" algn="l">
+              <a:spcBef>
+                <a:spcPts val="0"/>
+              </a:spcBef>
+              <a:spcAft>
+                <a:spcPts val="0"/>
+              </a:spcAft>
+              <a:buNone/>
+            </a:pPr>
+            <a:r>
+              <a:t/>
+            </a:r>
+            <a:endParaRPr/>
+          </a:p>
+        </p:txBody>
+      </p:sp>
+    </p:spTree>
+  </p:cSld>
+  <p:clrMapOvr>
+    <a:masterClrMapping/>
+  </p:clrMapOvr>
+</p:notes>
+</file>
+
+<file path=ppt/notesSlides/notesSlide7.xml><?xml version="1.0" encoding="utf-8"?>
+<p:notes xmlns:a="http://schemas.openxmlformats.org/drawingml/2006/main" xmlns:r="http://schemas.openxmlformats.org/officeDocument/2006/relationships" xmlns:mc="http://schemas.openxmlformats.org/markup-compatibility/2006" xmlns:mv="urn:schemas-microsoft-com:mac:vml" xmlns:p="http://schemas.openxmlformats.org/presentationml/2006/main" xmlns:c="http://schemas.openxmlformats.org/drawingml/2006/chart" xmlns:dgm="http://schemas.openxmlformats.org/drawingml/2006/diagram" xmlns:o="urn:schemas-microsoft-com:office:office" xmlns:v="urn:schemas-microsoft-com:vml" xmlns:pvml="urn:schemas-microsoft-com:office:powerpoint" xmlns:com="http://schemas.openxmlformats.org/drawingml/2006/compatibility" xmlns:p14="http://schemas.microsoft.com/office/powerpoint/2010/main" xmlns:p15="http://schemas.microsoft.com/office/powerpoint/2012/main" xmlns:ahyp="http://schemas.microsoft.com/office/drawing/2018/hyperlinkcolor" showMasterPhAnim="0" showMasterSp="0">
+  <p:cSld>
+    <p:spTree>
+      <p:nvGrpSpPr>
+        <p:cNvPr id="94" name="Shape 94"/>
+        <p:cNvGrpSpPr/>
+        <p:nvPr/>
+      </p:nvGrpSpPr>
+      <p:grpSpPr>
+        <a:xfrm>
+          <a:off x="0" y="0"/>
+          <a:ext cx="0" cy="0"/>
+          <a:chOff x="0" y="0"/>
+          <a:chExt cx="0" cy="0"/>
+        </a:xfrm>
+      </p:grpSpPr>
+      <p:sp>
+        <p:nvSpPr>
+          <p:cNvPr id="95" name="Google Shape;95;g320e44a88d0_0_121:notes"/>
+          <p:cNvSpPr/>
+          <p:nvPr>
+            <p:ph idx="2" type="sldImg"/>
+          </p:nvPr>
+        </p:nvSpPr>
+        <p:spPr>
+          <a:xfrm>
+            <a:off x="381300" y="685800"/>
+            <a:ext cx="6096000" cy="3429000"/>
+          </a:xfrm>
+          <a:custGeom>
+            <a:rect b="b" l="l" r="r" t="t"/>
+            <a:pathLst>
+              <a:path extrusionOk="0" h="120000" w="120000">
+                <a:moveTo>
+                  <a:pt x="0" y="0"/>
+                </a:moveTo>
+                <a:lnTo>
+                  <a:pt x="120000" y="0"/>
+                </a:lnTo>
+                <a:lnTo>
+                  <a:pt x="120000" y="120000"/>
+                </a:lnTo>
+                <a:lnTo>
+                  <a:pt x="0" y="120000"/>
+                </a:lnTo>
+                <a:close/>
+              </a:path>
+            </a:pathLst>
+          </a:custGeom>
+        </p:spPr>
+      </p:sp>
+      <p:sp>
+        <p:nvSpPr>
+          <p:cNvPr id="96" name="Google Shape;96;g320e44a88d0_0_121:notes"/>
+          <p:cNvSpPr txBox="1"/>
+          <p:nvPr>
+            <p:ph idx="1" type="body"/>
+          </p:nvPr>
+        </p:nvSpPr>
+        <p:spPr>
+          <a:xfrm>
+            <a:off x="685800" y="4343400"/>
+            <a:ext cx="5486400" cy="4114800"/>
+          </a:xfrm>
+          <a:prstGeom prst="rect">
+            <a:avLst/>
+          </a:prstGeom>
+        </p:spPr>
+        <p:txBody>
+          <a:bodyPr anchorCtr="0" anchor="t" bIns="91425" lIns="91425" spcFirstLastPara="1" rIns="91425" wrap="square" tIns="91425">
+            <a:noAutofit/>
+          </a:bodyPr>
+          <a:lstStyle/>
+          <a:p>
+            <a:pPr indent="0" lvl="0" marL="0" rtl="0" algn="l">
+              <a:spcBef>
+                <a:spcPts val="0"/>
+              </a:spcBef>
+              <a:spcAft>
+                <a:spcPts val="0"/>
+              </a:spcAft>
+              <a:buNone/>
+            </a:pPr>
+            <a:r>
+              <a:t/>
+            </a:r>
+            <a:endParaRPr/>
+          </a:p>
+        </p:txBody>
+      </p:sp>
+    </p:spTree>
+  </p:cSld>
+  <p:clrMapOvr>
+    <a:masterClrMapping/>
+  </p:clrMapOvr>
+</p:notes>
+</file>
+
+<file path=ppt/notesSlides/notesSlide8.xml><?xml version="1.0" encoding="utf-8"?>
+<p:notes xmlns:a="http://schemas.openxmlformats.org/drawingml/2006/main" xmlns:r="http://schemas.openxmlformats.org/officeDocument/2006/relationships" xmlns:mc="http://schemas.openxmlformats.org/markup-compatibility/2006" xmlns:mv="urn:schemas-microsoft-com:mac:vml" xmlns:p="http://schemas.openxmlformats.org/presentationml/2006/main" xmlns:c="http://schemas.openxmlformats.org/drawingml/2006/chart" xmlns:dgm="http://schemas.openxmlformats.org/drawingml/2006/diagram" xmlns:o="urn:schemas-microsoft-com:office:office" xmlns:v="urn:schemas-microsoft-com:vml" xmlns:pvml="urn:schemas-microsoft-com:office:powerpoint" xmlns:com="http://schemas.openxmlformats.org/drawingml/2006/compatibility" xmlns:p14="http://schemas.microsoft.com/office/powerpoint/2010/main" xmlns:p15="http://schemas.microsoft.com/office/powerpoint/2012/main" xmlns:ahyp="http://schemas.microsoft.com/office/drawing/2018/hyperlinkcolor" showMasterPhAnim="0" showMasterSp="0">
+  <p:cSld>
+    <p:spTree>
+      <p:nvGrpSpPr>
+        <p:cNvPr id="101" name="Shape 101"/>
+        <p:cNvGrpSpPr/>
+        <p:nvPr/>
+      </p:nvGrpSpPr>
+      <p:grpSpPr>
+        <a:xfrm>
+          <a:off x="0" y="0"/>
+          <a:ext cx="0" cy="0"/>
+          <a:chOff x="0" y="0"/>
+          <a:chExt cx="0" cy="0"/>
+        </a:xfrm>
+      </p:grpSpPr>
+      <p:sp>
+        <p:nvSpPr>
+          <p:cNvPr id="102" name="Google Shape;102;g320e44a88d0_0_62:notes"/>
+          <p:cNvSpPr/>
+          <p:nvPr>
+            <p:ph idx="2" type="sldImg"/>
+          </p:nvPr>
+        </p:nvSpPr>
+        <p:spPr>
+          <a:xfrm>
+            <a:off x="381300" y="685800"/>
+            <a:ext cx="6096000" cy="3429000"/>
+          </a:xfrm>
+          <a:custGeom>
+            <a:rect b="b" l="l" r="r" t="t"/>
+            <a:pathLst>
+              <a:path extrusionOk="0" h="120000" w="120000">
+                <a:moveTo>
+                  <a:pt x="0" y="0"/>
+                </a:moveTo>
+                <a:lnTo>
+                  <a:pt x="120000" y="0"/>
+                </a:lnTo>
+                <a:lnTo>
+                  <a:pt x="120000" y="120000"/>
+                </a:lnTo>
+                <a:lnTo>
+                  <a:pt x="0" y="120000"/>
+                </a:lnTo>
+                <a:close/>
+              </a:path>
+            </a:pathLst>
+          </a:custGeom>
+        </p:spPr>
+      </p:sp>
+      <p:sp>
+        <p:nvSpPr>
+          <p:cNvPr id="103" name="Google Shape;103;g320e44a88d0_0_62:notes"/>
+          <p:cNvSpPr txBox="1"/>
+          <p:nvPr>
+            <p:ph idx="1" type="body"/>
+          </p:nvPr>
+        </p:nvSpPr>
+        <p:spPr>
+          <a:xfrm>
+            <a:off x="685800" y="4343400"/>
+            <a:ext cx="5486400" cy="4114800"/>
+          </a:xfrm>
+          <a:prstGeom prst="rect">
+            <a:avLst/>
+          </a:prstGeom>
+        </p:spPr>
+        <p:txBody>
+          <a:bodyPr anchorCtr="0" anchor="t" bIns="91425" lIns="91425" spcFirstLastPara="1" rIns="91425" wrap="square" tIns="91425">
+            <a:noAutofit/>
+          </a:bodyPr>
+          <a:lstStyle/>
+          <a:p>
+            <a:pPr indent="0" lvl="0" marL="0" rtl="0" algn="l">
+              <a:spcBef>
+                <a:spcPts val="0"/>
+              </a:spcBef>
+              <a:spcAft>
+                <a:spcPts val="0"/>
+              </a:spcAft>
+              <a:buNone/>
+            </a:pPr>
+            <a:r>
+              <a:t/>
+            </a:r>
+            <a:endParaRPr/>
+          </a:p>
+        </p:txBody>
+      </p:sp>
+    </p:spTree>
+  </p:cSld>
+  <p:clrMapOvr>
+    <a:masterClrMapping/>
+  </p:clrMapOvr>
+</p:notes>
+</file>
+
+<file path=ppt/notesSlides/notesSlide9.xml><?xml version="1.0" encoding="utf-8"?>
+<p:notes xmlns:a="http://schemas.openxmlformats.org/drawingml/2006/main" xmlns:r="http://schemas.openxmlformats.org/officeDocument/2006/relationships" xmlns:mc="http://schemas.openxmlformats.org/markup-compatibility/2006" xmlns:mv="urn:schemas-microsoft-com:mac:vml" xmlns:p="http://schemas.openxmlformats.org/presentationml/2006/main" xmlns:c="http://schemas.openxmlformats.org/drawingml/2006/chart" xmlns:dgm="http://schemas.openxmlformats.org/drawingml/2006/diagram" xmlns:o="urn:schemas-microsoft-com:office:office" xmlns:v="urn:schemas-microsoft-com:vml" xmlns:pvml="urn:schemas-microsoft-com:office:powerpoint" xmlns:com="http://schemas.openxmlformats.org/drawingml/2006/compatibility" xmlns:p14="http://schemas.microsoft.com/office/powerpoint/2010/main" xmlns:p15="http://schemas.microsoft.com/office/powerpoint/2012/main" xmlns:ahyp="http://schemas.microsoft.com/office/drawing/2018/hyperlinkcolor" showMasterPhAnim="0" showMasterSp="0">
+  <p:cSld>
+    <p:spTree>
+      <p:nvGrpSpPr>
+        <p:cNvPr id="108" name="Shape 108"/>
+        <p:cNvGrpSpPr/>
+        <p:nvPr/>
+      </p:nvGrpSpPr>
+      <p:grpSpPr>
+        <a:xfrm>
+          <a:off x="0" y="0"/>
+          <a:ext cx="0" cy="0"/>
+          <a:chOff x="0" y="0"/>
+          <a:chExt cx="0" cy="0"/>
+        </a:xfrm>
+      </p:grpSpPr>
+      <p:sp>
+        <p:nvSpPr>
+          <p:cNvPr id="109" name="Google Shape;109;g320e44a88d0_0_72:notes"/>
+          <p:cNvSpPr/>
+          <p:nvPr>
+            <p:ph idx="2" type="sldImg"/>
+          </p:nvPr>
+        </p:nvSpPr>
+        <p:spPr>
+          <a:xfrm>
+            <a:off x="381300" y="685800"/>
+            <a:ext cx="6096000" cy="3429000"/>
+          </a:xfrm>
+          <a:custGeom>
+            <a:rect b="b" l="l" r="r" t="t"/>
+            <a:pathLst>
+              <a:path extrusionOk="0" h="120000" w="120000">
+                <a:moveTo>
+                  <a:pt x="0" y="0"/>
+                </a:moveTo>
+                <a:lnTo>
+                  <a:pt x="120000" y="0"/>
+                </a:lnTo>
+                <a:lnTo>
+                  <a:pt x="120000" y="120000"/>
+                </a:lnTo>
+                <a:lnTo>
+                  <a:pt x="0" y="120000"/>
+                </a:lnTo>
+                <a:close/>
+              </a:path>
+            </a:pathLst>
+          </a:custGeom>
+        </p:spPr>
+      </p:sp>
+      <p:sp>
+        <p:nvSpPr>
+          <p:cNvPr id="110" name="Google Shape;110;g320e44a88d0_0_72:notes"/>
           <p:cNvSpPr txBox="1"/>
           <p:nvPr>
             <p:ph idx="1" type="body"/>
@@ -802,9 +2113,153 @@
           <a:chExt cx="0" cy="0"/>
         </a:xfrm>
       </p:grpSpPr>
+      <p:grpSp>
+        <p:nvGrpSpPr>
+          <p:cNvPr id="10" name="Google Shape;10;p2"/>
+          <p:cNvGrpSpPr/>
+          <p:nvPr/>
+        </p:nvGrpSpPr>
+        <p:grpSpPr>
+          <a:xfrm>
+            <a:off x="4350279" y="2855377"/>
+            <a:ext cx="443589" cy="105632"/>
+            <a:chOff x="4137525" y="2915950"/>
+            <a:chExt cx="869100" cy="207000"/>
+          </a:xfrm>
+        </p:grpSpPr>
+        <p:sp>
+          <p:nvSpPr>
+            <p:cNvPr id="11" name="Google Shape;11;p2"/>
+            <p:cNvSpPr/>
+            <p:nvPr/>
+          </p:nvSpPr>
+          <p:spPr>
+            <a:xfrm>
+              <a:off x="4468575" y="2915950"/>
+              <a:ext cx="207000" cy="207000"/>
+            </a:xfrm>
+            <a:prstGeom prst="ellipse">
+              <a:avLst/>
+            </a:prstGeom>
+            <a:solidFill>
+              <a:schemeClr val="dk1"/>
+            </a:solidFill>
+            <a:ln>
+              <a:noFill/>
+            </a:ln>
+          </p:spPr>
+          <p:txBody>
+            <a:bodyPr anchorCtr="0" anchor="ctr" bIns="91425" lIns="91425" spcFirstLastPara="1" rIns="91425" wrap="square" tIns="91425">
+              <a:noAutofit/>
+            </a:bodyPr>
+            <a:lstStyle/>
+            <a:p>
+              <a:pPr indent="0" lvl="0" marL="0" rtl="0" algn="l">
+                <a:spcBef>
+                  <a:spcPts val="0"/>
+                </a:spcBef>
+                <a:spcAft>
+                  <a:spcPts val="0"/>
+                </a:spcAft>
+                <a:buNone/>
+              </a:pPr>
+              <a:r>
+                <a:t/>
+              </a:r>
+              <a:endParaRPr/>
+            </a:p>
+          </p:txBody>
+        </p:sp>
+        <p:sp>
+          <p:nvSpPr>
+            <p:cNvPr id="12" name="Google Shape;12;p2"/>
+            <p:cNvSpPr/>
+            <p:nvPr/>
+          </p:nvSpPr>
+          <p:spPr>
+            <a:xfrm>
+              <a:off x="4799625" y="2915950"/>
+              <a:ext cx="207000" cy="207000"/>
+            </a:xfrm>
+            <a:prstGeom prst="ellipse">
+              <a:avLst/>
+            </a:prstGeom>
+            <a:solidFill>
+              <a:schemeClr val="dk1"/>
+            </a:solidFill>
+            <a:ln>
+              <a:noFill/>
+            </a:ln>
+          </p:spPr>
+          <p:txBody>
+            <a:bodyPr anchorCtr="0" anchor="ctr" bIns="91425" lIns="91425" spcFirstLastPara="1" rIns="91425" wrap="square" tIns="91425">
+              <a:noAutofit/>
+            </a:bodyPr>
+            <a:lstStyle/>
+            <a:p>
+              <a:pPr indent="0" lvl="0" marL="0" rtl="0" algn="l">
+                <a:spcBef>
+                  <a:spcPts val="0"/>
+                </a:spcBef>
+                <a:spcAft>
+                  <a:spcPts val="0"/>
+                </a:spcAft>
+                <a:buNone/>
+              </a:pPr>
+              <a:r>
+                <a:t/>
+              </a:r>
+              <a:endParaRPr/>
+            </a:p>
+          </p:txBody>
+        </p:sp>
+        <p:sp>
+          <p:nvSpPr>
+            <p:cNvPr id="13" name="Google Shape;13;p2"/>
+            <p:cNvSpPr/>
+            <p:nvPr/>
+          </p:nvSpPr>
+          <p:spPr>
+            <a:xfrm>
+              <a:off x="4137525" y="2915950"/>
+              <a:ext cx="207000" cy="207000"/>
+            </a:xfrm>
+            <a:prstGeom prst="ellipse">
+              <a:avLst/>
+            </a:prstGeom>
+            <a:solidFill>
+              <a:schemeClr val="dk1"/>
+            </a:solidFill>
+            <a:ln>
+              <a:noFill/>
+            </a:ln>
+          </p:spPr>
+          <p:txBody>
+            <a:bodyPr anchorCtr="0" anchor="ctr" bIns="91425" lIns="91425" spcFirstLastPara="1" rIns="91425" wrap="square" tIns="91425">
+              <a:noAutofit/>
+            </a:bodyPr>
+            <a:lstStyle/>
+            <a:p>
+              <a:pPr indent="0" lvl="0" marL="0" rtl="0" algn="l">
+                <a:spcBef>
+                  <a:spcPts val="0"/>
+                </a:spcBef>
+                <a:spcAft>
+                  <a:spcPts val="0"/>
+                </a:spcAft>
+                <a:buNone/>
+              </a:pPr>
+              <a:r>
+                <a:t/>
+              </a:r>
+              <a:endParaRPr/>
+            </a:p>
+          </p:txBody>
+        </p:sp>
+      </p:grpSp>
       <p:sp>
         <p:nvSpPr>
-          <p:cNvPr id="10" name="Google Shape;10;p2"/>
+          <p:cNvPr id="14" name="Google Shape;14;p2"/>
           <p:cNvSpPr txBox="1"/>
           <p:nvPr>
             <p:ph type="ctrTitle"/>
@@ -812,8 +2267,8 @@
         </p:nvSpPr>
         <p:spPr>
           <a:xfrm>
-            <a:off x="311708" y="744575"/>
-            <a:ext cx="8520600" cy="2052600"/>
+            <a:off x="671258" y="990800"/>
+            <a:ext cx="7801500" cy="1730100"/>
           </a:xfrm>
           <a:prstGeom prst="rect">
             <a:avLst/>
@@ -831,9 +2286,9 @@
               <a:spcAft>
                 <a:spcPts val="0"/>
               </a:spcAft>
-              <a:buSzPts val="5200"/>
-              <a:buNone/>
-              <a:defRPr sz="5200"/>
+              <a:buSzPts val="4800"/>
+              <a:buNone/>
+              <a:defRPr sz="4800"/>
             </a:lvl1pPr>
             <a:lvl2pPr lvl="1" algn="ctr">
               <a:spcBef>
@@ -842,9 +2297,9 @@
               <a:spcAft>
                 <a:spcPts val="0"/>
               </a:spcAft>
-              <a:buSzPts val="5200"/>
-              <a:buNone/>
-              <a:defRPr sz="5200"/>
+              <a:buSzPts val="4800"/>
+              <a:buNone/>
+              <a:defRPr sz="4800"/>
             </a:lvl2pPr>
             <a:lvl3pPr lvl="2" algn="ctr">
               <a:spcBef>
@@ -853,9 +2308,9 @@
               <a:spcAft>
                 <a:spcPts val="0"/>
               </a:spcAft>
-              <a:buSzPts val="5200"/>
-              <a:buNone/>
-              <a:defRPr sz="5200"/>
+              <a:buSzPts val="4800"/>
+              <a:buNone/>
+              <a:defRPr sz="4800"/>
             </a:lvl3pPr>
             <a:lvl4pPr lvl="3" algn="ctr">
               <a:spcBef>
@@ -864,9 +2319,9 @@
               <a:spcAft>
                 <a:spcPts val="0"/>
               </a:spcAft>
-              <a:buSzPts val="5200"/>
-              <a:buNone/>
-              <a:defRPr sz="5200"/>
+              <a:buSzPts val="4800"/>
+              <a:buNone/>
+              <a:defRPr sz="4800"/>
             </a:lvl4pPr>
             <a:lvl5pPr lvl="4" algn="ctr">
               <a:spcBef>
@@ -875,9 +2330,9 @@
               <a:spcAft>
                 <a:spcPts val="0"/>
               </a:spcAft>
-              <a:buSzPts val="5200"/>
-              <a:buNone/>
-              <a:defRPr sz="5200"/>
+              <a:buSzPts val="4800"/>
+              <a:buNone/>
+              <a:defRPr sz="4800"/>
             </a:lvl5pPr>
             <a:lvl6pPr lvl="5" algn="ctr">
               <a:spcBef>
@@ -886,9 +2341,9 @@
               <a:spcAft>
                 <a:spcPts val="0"/>
               </a:spcAft>
-              <a:buSzPts val="5200"/>
-              <a:buNone/>
-              <a:defRPr sz="5200"/>
+              <a:buSzPts val="4800"/>
+              <a:buNone/>
+              <a:defRPr sz="4800"/>
             </a:lvl6pPr>
             <a:lvl7pPr lvl="6" algn="ctr">
               <a:spcBef>
@@ -897,9 +2352,9 @@
               <a:spcAft>
                 <a:spcPts val="0"/>
               </a:spcAft>
-              <a:buSzPts val="5200"/>
-              <a:buNone/>
-              <a:defRPr sz="5200"/>
+              <a:buSzPts val="4800"/>
+              <a:buNone/>
+              <a:defRPr sz="4800"/>
             </a:lvl7pPr>
             <a:lvl8pPr lvl="7" algn="ctr">
               <a:spcBef>
@@ -908,9 +2363,9 @@
               <a:spcAft>
                 <a:spcPts val="0"/>
               </a:spcAft>
-              <a:buSzPts val="5200"/>
-              <a:buNone/>
-              <a:defRPr sz="5200"/>
+              <a:buSzPts val="4800"/>
+              <a:buNone/>
+              <a:defRPr sz="4800"/>
             </a:lvl8pPr>
             <a:lvl9pPr lvl="8" algn="ctr">
               <a:spcBef>
@@ -919,9 +2374,9 @@
               <a:spcAft>
                 <a:spcPts val="0"/>
               </a:spcAft>
-              <a:buSzPts val="5200"/>
-              <a:buNone/>
-              <a:defRPr sz="5200"/>
+              <a:buSzPts val="4800"/>
+              <a:buNone/>
+              <a:defRPr sz="4800"/>
             </a:lvl9pPr>
           </a:lstStyle>
           <a:p/>
@@ -929,7 +2384,7 @@
       </p:sp>
       <p:sp>
         <p:nvSpPr>
-          <p:cNvPr id="11" name="Google Shape;11;p2"/>
+          <p:cNvPr id="15" name="Google Shape;15;p2"/>
           <p:cNvSpPr txBox="1"/>
           <p:nvPr>
             <p:ph idx="1" type="subTitle"/>
@@ -937,8 +2392,8 @@
         </p:nvSpPr>
         <p:spPr>
           <a:xfrm>
-            <a:off x="311700" y="2834125"/>
-            <a:ext cx="8520600" cy="792600"/>
+            <a:off x="671250" y="3174876"/>
+            <a:ext cx="7801500" cy="792600"/>
           </a:xfrm>
           <a:prstGeom prst="rect">
             <a:avLst/>
@@ -959,9 +2414,9 @@
               <a:spcAft>
                 <a:spcPts val="0"/>
               </a:spcAft>
-              <a:buSzPts val="2800"/>
-              <a:buNone/>
-              <a:defRPr sz="2800"/>
+              <a:buSzPts val="2100"/>
+              <a:buNone/>
+              <a:defRPr sz="2100"/>
             </a:lvl1pPr>
             <a:lvl2pPr lvl="1" algn="ctr">
               <a:lnSpc>
@@ -973,9 +2428,9 @@
               <a:spcAft>
                 <a:spcPts val="0"/>
               </a:spcAft>
-              <a:buSzPts val="2800"/>
-              <a:buNone/>
-              <a:defRPr sz="2800"/>
+              <a:buSzPts val="2100"/>
+              <a:buNone/>
+              <a:defRPr sz="2100"/>
             </a:lvl2pPr>
             <a:lvl3pPr lvl="2" algn="ctr">
               <a:lnSpc>
@@ -987,9 +2442,9 @@
               <a:spcAft>
                 <a:spcPts val="0"/>
               </a:spcAft>
-              <a:buSzPts val="2800"/>
-              <a:buNone/>
-              <a:defRPr sz="2800"/>
+              <a:buSzPts val="2100"/>
+              <a:buNone/>
+              <a:defRPr sz="2100"/>
             </a:lvl3pPr>
             <a:lvl4pPr lvl="3" algn="ctr">
               <a:lnSpc>
@@ -1001,9 +2456,9 @@
               <a:spcAft>
                 <a:spcPts val="0"/>
               </a:spcAft>
-              <a:buSzPts val="2800"/>
-              <a:buNone/>
-              <a:defRPr sz="2800"/>
+              <a:buSzPts val="2100"/>
+              <a:buNone/>
+              <a:defRPr sz="2100"/>
             </a:lvl4pPr>
             <a:lvl5pPr lvl="4" algn="ctr">
               <a:lnSpc>
@@ -1015,9 +2470,9 @@
               <a:spcAft>
                 <a:spcPts val="0"/>
               </a:spcAft>
-              <a:buSzPts val="2800"/>
-              <a:buNone/>
-              <a:defRPr sz="2800"/>
+              <a:buSzPts val="2100"/>
+              <a:buNone/>
+              <a:defRPr sz="2100"/>
             </a:lvl5pPr>
             <a:lvl6pPr lvl="5" algn="ctr">
               <a:lnSpc>
@@ -1029,9 +2484,9 @@
               <a:spcAft>
                 <a:spcPts val="0"/>
               </a:spcAft>
-              <a:buSzPts val="2800"/>
-              <a:buNone/>
-              <a:defRPr sz="2800"/>
+              <a:buSzPts val="2100"/>
+              <a:buNone/>
+              <a:defRPr sz="2100"/>
             </a:lvl6pPr>
             <a:lvl7pPr lvl="6" algn="ctr">
               <a:lnSpc>
@@ -1043,9 +2498,9 @@
               <a:spcAft>
                 <a:spcPts val="0"/>
               </a:spcAft>
-              <a:buSzPts val="2800"/>
-              <a:buNone/>
-              <a:defRPr sz="2800"/>
+              <a:buSzPts val="2100"/>
+              <a:buNone/>
+              <a:defRPr sz="2100"/>
             </a:lvl7pPr>
             <a:lvl8pPr lvl="7" algn="ctr">
               <a:lnSpc>
@@ -1057,9 +2512,9 @@
               <a:spcAft>
                 <a:spcPts val="0"/>
               </a:spcAft>
-              <a:buSzPts val="2800"/>
-              <a:buNone/>
-              <a:defRPr sz="2800"/>
+              <a:buSzPts val="2100"/>
+              <a:buNone/>
+              <a:defRPr sz="2100"/>
             </a:lvl8pPr>
             <a:lvl9pPr lvl="8" algn="ctr">
               <a:lnSpc>
@@ -1071,9 +2526,9 @@
               <a:spcAft>
                 <a:spcPts val="0"/>
               </a:spcAft>
-              <a:buSzPts val="2800"/>
-              <a:buNone/>
-              <a:defRPr sz="2800"/>
+              <a:buSzPts val="2100"/>
+              <a:buNone/>
+              <a:defRPr sz="2100"/>
             </a:lvl9pPr>
           </a:lstStyle>
           <a:p/>
@@ -1081,7 +2536,7 @@
       </p:sp>
       <p:sp>
         <p:nvSpPr>
-          <p:cNvPr id="12" name="Google Shape;12;p2"/>
+          <p:cNvPr id="16" name="Google Shape;16;p2"/>
           <p:cNvSpPr txBox="1"/>
           <p:nvPr>
             <p:ph idx="12" type="sldNum"/>
@@ -1089,7 +2544,7 @@
         </p:nvSpPr>
         <p:spPr>
           <a:xfrm>
-            <a:off x="8472458" y="4663217"/>
+            <a:off x="8490250" y="4681009"/>
             <a:ext cx="548700" cy="393600"/>
           </a:xfrm>
           <a:prstGeom prst="rect">
@@ -1169,7 +2624,7 @@
   <p:cSld name="BIG_NUMBER">
     <p:spTree>
       <p:nvGrpSpPr>
-        <p:cNvPr id="44" name="Shape 44"/>
+        <p:cNvPr id="49" name="Shape 49"/>
         <p:cNvGrpSpPr/>
         <p:nvPr/>
       </p:nvGrpSpPr>
@@ -1183,7 +2638,7 @@
       </p:grpSpPr>
       <p:sp>
         <p:nvSpPr>
-          <p:cNvPr id="45" name="Google Shape;45;p11"/>
+          <p:cNvPr id="50" name="Google Shape;50;p11"/>
           <p:cNvSpPr txBox="1"/>
           <p:nvPr>
             <p:ph hasCustomPrompt="1" type="title"/>
@@ -1191,8 +2646,8 @@
         </p:nvSpPr>
         <p:spPr>
           <a:xfrm>
-            <a:off x="311700" y="1106125"/>
-            <a:ext cx="8520600" cy="1963500"/>
+            <a:off x="311700" y="1255275"/>
+            <a:ext cx="8520600" cy="1890600"/>
           </a:xfrm>
           <a:prstGeom prst="rect">
             <a:avLst/>
@@ -1312,7 +2767,7 @@
       </p:sp>
       <p:sp>
         <p:nvSpPr>
-          <p:cNvPr id="46" name="Google Shape;46;p11"/>
+          <p:cNvPr id="51" name="Google Shape;51;p11"/>
           <p:cNvSpPr txBox="1"/>
           <p:nvPr>
             <p:ph idx="1" type="body"/>
@@ -1320,7 +2775,7 @@
         </p:nvSpPr>
         <p:spPr>
           <a:xfrm>
-            <a:off x="311700" y="3152225"/>
+            <a:off x="311700" y="3228425"/>
             <a:ext cx="8520600" cy="1300800"/>
           </a:xfrm>
           <a:prstGeom prst="rect">
@@ -1437,7 +2892,7 @@
       </p:sp>
       <p:sp>
         <p:nvSpPr>
-          <p:cNvPr id="47" name="Google Shape;47;p11"/>
+          <p:cNvPr id="52" name="Google Shape;52;p11"/>
           <p:cNvSpPr txBox="1"/>
           <p:nvPr>
             <p:ph idx="12" type="sldNum"/>
@@ -1445,7 +2900,7 @@
         </p:nvSpPr>
         <p:spPr>
           <a:xfrm>
-            <a:off x="8472458" y="4663217"/>
+            <a:off x="8490250" y="4681009"/>
             <a:ext cx="548700" cy="393600"/>
           </a:xfrm>
           <a:prstGeom prst="rect">
@@ -1525,7 +2980,7 @@
   <p:cSld name="BLANK">
     <p:spTree>
       <p:nvGrpSpPr>
-        <p:cNvPr id="48" name="Shape 48"/>
+        <p:cNvPr id="53" name="Shape 53"/>
         <p:cNvGrpSpPr/>
         <p:nvPr/>
       </p:nvGrpSpPr>
@@ -1539,7 +2994,7 @@
       </p:grpSpPr>
       <p:sp>
         <p:nvSpPr>
-          <p:cNvPr id="49" name="Google Shape;49;p12"/>
+          <p:cNvPr id="54" name="Google Shape;54;p12"/>
           <p:cNvSpPr txBox="1"/>
           <p:nvPr>
             <p:ph idx="12" type="sldNum"/>
@@ -1547,7 +3002,7 @@
         </p:nvSpPr>
         <p:spPr>
           <a:xfrm>
-            <a:off x="8472458" y="4663217"/>
+            <a:off x="8490250" y="4681009"/>
             <a:ext cx="548700" cy="393600"/>
           </a:xfrm>
           <a:prstGeom prst="rect">
@@ -1627,7 +3082,7 @@
   <p:cSld name="SECTION_HEADER">
     <p:spTree>
       <p:nvGrpSpPr>
-        <p:cNvPr id="13" name="Shape 13"/>
+        <p:cNvPr id="17" name="Shape 17"/>
         <p:cNvGrpSpPr/>
         <p:nvPr/>
       </p:nvGrpSpPr>
@@ -1641,7 +3096,7 @@
       </p:grpSpPr>
       <p:sp>
         <p:nvSpPr>
-          <p:cNvPr id="14" name="Google Shape;14;p3"/>
+          <p:cNvPr id="18" name="Google Shape;18;p3"/>
           <p:cNvSpPr txBox="1"/>
           <p:nvPr>
             <p:ph type="title"/>
@@ -1649,8 +3104,8 @@
         </p:nvSpPr>
         <p:spPr>
           <a:xfrm>
-            <a:off x="311700" y="2150850"/>
-            <a:ext cx="8520600" cy="841800"/>
+            <a:off x="671250" y="2141250"/>
+            <a:ext cx="7852200" cy="861000"/>
           </a:xfrm>
           <a:prstGeom prst="rect">
             <a:avLst/>
@@ -1766,7 +3221,7 @@
       </p:sp>
       <p:sp>
         <p:nvSpPr>
-          <p:cNvPr id="15" name="Google Shape;15;p3"/>
+          <p:cNvPr id="19" name="Google Shape;19;p3"/>
           <p:cNvSpPr txBox="1"/>
           <p:nvPr>
             <p:ph idx="12" type="sldNum"/>
@@ -1774,7 +3229,7 @@
         </p:nvSpPr>
         <p:spPr>
           <a:xfrm>
-            <a:off x="8472458" y="4663217"/>
+            <a:off x="8490250" y="4681009"/>
             <a:ext cx="548700" cy="393600"/>
           </a:xfrm>
           <a:prstGeom prst="rect">
@@ -1854,7 +3309,7 @@
   <p:cSld name="TITLE_AND_BODY">
     <p:spTree>
       <p:nvGrpSpPr>
-        <p:cNvPr id="16" name="Shape 16"/>
+        <p:cNvPr id="20" name="Shape 20"/>
         <p:cNvGrpSpPr/>
         <p:nvPr/>
       </p:nvGrpSpPr>
@@ -1868,7 +3323,7 @@
       </p:grpSpPr>
       <p:sp>
         <p:nvSpPr>
-          <p:cNvPr id="17" name="Google Shape;17;p4"/>
+          <p:cNvPr id="21" name="Google Shape;21;p4"/>
           <p:cNvSpPr txBox="1"/>
           <p:nvPr>
             <p:ph type="title"/>
@@ -1895,7 +3350,7 @@
               <a:spcAft>
                 <a:spcPts val="0"/>
               </a:spcAft>
-              <a:buSzPts val="2800"/>
+              <a:buSzPts val="3000"/>
               <a:buNone/>
               <a:defRPr/>
             </a:lvl1pPr>
@@ -1906,7 +3361,7 @@
               <a:spcAft>
                 <a:spcPts val="0"/>
               </a:spcAft>
-              <a:buSzPts val="2800"/>
+              <a:buSzPts val="3000"/>
               <a:buNone/>
               <a:defRPr/>
             </a:lvl2pPr>
@@ -1917,7 +3372,7 @@
               <a:spcAft>
                 <a:spcPts val="0"/>
               </a:spcAft>
-              <a:buSzPts val="2800"/>
+              <a:buSzPts val="3000"/>
               <a:buNone/>
               <a:defRPr/>
             </a:lvl3pPr>
@@ -1928,7 +3383,7 @@
               <a:spcAft>
                 <a:spcPts val="0"/>
               </a:spcAft>
-              <a:buSzPts val="2800"/>
+              <a:buSzPts val="3000"/>
               <a:buNone/>
               <a:defRPr/>
             </a:lvl4pPr>
@@ -1939,7 +3394,7 @@
               <a:spcAft>
                 <a:spcPts val="0"/>
               </a:spcAft>
-              <a:buSzPts val="2800"/>
+              <a:buSzPts val="3000"/>
               <a:buNone/>
               <a:defRPr/>
             </a:lvl5pPr>
@@ -1950,7 +3405,7 @@
               <a:spcAft>
                 <a:spcPts val="0"/>
               </a:spcAft>
-              <a:buSzPts val="2800"/>
+              <a:buSzPts val="3000"/>
               <a:buNone/>
               <a:defRPr/>
             </a:lvl6pPr>
@@ -1961,7 +3416,7 @@
               <a:spcAft>
                 <a:spcPts val="0"/>
               </a:spcAft>
-              <a:buSzPts val="2800"/>
+              <a:buSzPts val="3000"/>
               <a:buNone/>
               <a:defRPr/>
             </a:lvl7pPr>
@@ -1972,7 +3427,7 @@
               <a:spcAft>
                 <a:spcPts val="0"/>
               </a:spcAft>
-              <a:buSzPts val="2800"/>
+              <a:buSzPts val="3000"/>
               <a:buNone/>
               <a:defRPr/>
             </a:lvl8pPr>
@@ -1983,7 +3438,7 @@
               <a:spcAft>
                 <a:spcPts val="0"/>
               </a:spcAft>
-              <a:buSzPts val="2800"/>
+              <a:buSzPts val="3000"/>
               <a:buNone/>
               <a:defRPr/>
             </a:lvl9pPr>
@@ -1993,7 +3448,7 @@
       </p:sp>
       <p:sp>
         <p:nvSpPr>
-          <p:cNvPr id="18" name="Google Shape;18;p4"/>
+          <p:cNvPr id="22" name="Google Shape;22;p4"/>
           <p:cNvSpPr txBox="1"/>
           <p:nvPr>
             <p:ph idx="1" type="body"/>
@@ -2118,7 +3573,7 @@
       </p:sp>
       <p:sp>
         <p:nvSpPr>
-          <p:cNvPr id="19" name="Google Shape;19;p4"/>
+          <p:cNvPr id="23" name="Google Shape;23;p4"/>
           <p:cNvSpPr txBox="1"/>
           <p:nvPr>
             <p:ph idx="12" type="sldNum"/>
@@ -2126,7 +3581,7 @@
         </p:nvSpPr>
         <p:spPr>
           <a:xfrm>
-            <a:off x="8472458" y="4663217"/>
+            <a:off x="8490250" y="4681009"/>
             <a:ext cx="548700" cy="393600"/>
           </a:xfrm>
           <a:prstGeom prst="rect">
@@ -2206,7 +3661,7 @@
   <p:cSld name="TITLE_AND_TWO_COLUMNS">
     <p:spTree>
       <p:nvGrpSpPr>
-        <p:cNvPr id="20" name="Shape 20"/>
+        <p:cNvPr id="24" name="Shape 24"/>
         <p:cNvGrpSpPr/>
         <p:nvPr/>
       </p:nvGrpSpPr>
@@ -2220,7 +3675,7 @@
       </p:grpSpPr>
       <p:sp>
         <p:nvSpPr>
-          <p:cNvPr id="21" name="Google Shape;21;p5"/>
+          <p:cNvPr id="25" name="Google Shape;25;p5"/>
           <p:cNvSpPr txBox="1"/>
           <p:nvPr>
             <p:ph type="title"/>
@@ -2247,7 +3702,7 @@
               <a:spcAft>
                 <a:spcPts val="0"/>
               </a:spcAft>
-              <a:buSzPts val="2800"/>
+              <a:buSzPts val="3000"/>
               <a:buNone/>
               <a:defRPr/>
             </a:lvl1pPr>
@@ -2258,7 +3713,7 @@
               <a:spcAft>
                 <a:spcPts val="0"/>
               </a:spcAft>
-              <a:buSzPts val="2800"/>
+              <a:buSzPts val="3000"/>
               <a:buNone/>
               <a:defRPr/>
             </a:lvl2pPr>
@@ -2269,7 +3724,7 @@
               <a:spcAft>
                 <a:spcPts val="0"/>
               </a:spcAft>
-              <a:buSzPts val="2800"/>
+              <a:buSzPts val="3000"/>
               <a:buNone/>
               <a:defRPr/>
             </a:lvl3pPr>
@@ -2280,7 +3735,7 @@
               <a:spcAft>
                 <a:spcPts val="0"/>
               </a:spcAft>
-              <a:buSzPts val="2800"/>
+              <a:buSzPts val="3000"/>
               <a:buNone/>
               <a:defRPr/>
             </a:lvl4pPr>
@@ -2291,7 +3746,7 @@
               <a:spcAft>
                 <a:spcPts val="0"/>
               </a:spcAft>
-              <a:buSzPts val="2800"/>
+              <a:buSzPts val="3000"/>
               <a:buNone/>
               <a:defRPr/>
             </a:lvl5pPr>
@@ -2302,7 +3757,7 @@
               <a:spcAft>
                 <a:spcPts val="0"/>
               </a:spcAft>
-              <a:buSzPts val="2800"/>
+              <a:buSzPts val="3000"/>
               <a:buNone/>
               <a:defRPr/>
             </a:lvl6pPr>
@@ -2313,7 +3768,7 @@
               <a:spcAft>
                 <a:spcPts val="0"/>
               </a:spcAft>
-              <a:buSzPts val="2800"/>
+              <a:buSzPts val="3000"/>
               <a:buNone/>
               <a:defRPr/>
             </a:lvl7pPr>
@@ -2324,7 +3779,7 @@
               <a:spcAft>
                 <a:spcPts val="0"/>
               </a:spcAft>
-              <a:buSzPts val="2800"/>
+              <a:buSzPts val="3000"/>
               <a:buNone/>
               <a:defRPr/>
             </a:lvl8pPr>
@@ -2335,7 +3790,7 @@
               <a:spcAft>
                 <a:spcPts val="0"/>
               </a:spcAft>
-              <a:buSzPts val="2800"/>
+              <a:buSzPts val="3000"/>
               <a:buNone/>
               <a:defRPr/>
             </a:lvl9pPr>
@@ -2345,7 +3800,7 @@
       </p:sp>
       <p:sp>
         <p:nvSpPr>
-          <p:cNvPr id="22" name="Google Shape;22;p5"/>
+          <p:cNvPr id="26" name="Google Shape;26;p5"/>
           <p:cNvSpPr txBox="1"/>
           <p:nvPr>
             <p:ph idx="1" type="body"/>
@@ -2470,7 +3925,7 @@
       </p:sp>
       <p:sp>
         <p:nvSpPr>
-          <p:cNvPr id="23" name="Google Shape;23;p5"/>
+          <p:cNvPr id="27" name="Google Shape;27;p5"/>
           <p:cNvSpPr txBox="1"/>
           <p:nvPr>
             <p:ph idx="2" type="body"/>
@@ -2595,7 +4050,7 @@
       </p:sp>
       <p:sp>
         <p:nvSpPr>
-          <p:cNvPr id="24" name="Google Shape;24;p5"/>
+          <p:cNvPr id="28" name="Google Shape;28;p5"/>
           <p:cNvSpPr txBox="1"/>
           <p:nvPr>
             <p:ph idx="12" type="sldNum"/>
@@ -2603,7 +4058,7 @@
         </p:nvSpPr>
         <p:spPr>
           <a:xfrm>
-            <a:off x="8472458" y="4663217"/>
+            <a:off x="8490250" y="4681009"/>
             <a:ext cx="548700" cy="393600"/>
           </a:xfrm>
           <a:prstGeom prst="rect">
@@ -2683,7 +4138,7 @@
   <p:cSld name="TITLE_ONLY">
     <p:spTree>
       <p:nvGrpSpPr>
-        <p:cNvPr id="25" name="Shape 25"/>
+        <p:cNvPr id="29" name="Shape 29"/>
         <p:cNvGrpSpPr/>
         <p:nvPr/>
       </p:nvGrpSpPr>
@@ -2697,7 +4152,7 @@
       </p:grpSpPr>
       <p:sp>
         <p:nvSpPr>
-          <p:cNvPr id="26" name="Google Shape;26;p6"/>
+          <p:cNvPr id="30" name="Google Shape;30;p6"/>
           <p:cNvSpPr txBox="1"/>
           <p:nvPr>
             <p:ph type="title"/>
@@ -2724,7 +4179,7 @@
               <a:spcAft>
                 <a:spcPts val="0"/>
               </a:spcAft>
-              <a:buSzPts val="2800"/>
+              <a:buSzPts val="3000"/>
               <a:buNone/>
               <a:defRPr/>
             </a:lvl1pPr>
@@ -2735,7 +4190,7 @@
               <a:spcAft>
                 <a:spcPts val="0"/>
               </a:spcAft>
-              <a:buSzPts val="2800"/>
+              <a:buSzPts val="3000"/>
               <a:buNone/>
               <a:defRPr/>
             </a:lvl2pPr>
@@ -2746,7 +4201,7 @@
               <a:spcAft>
                 <a:spcPts val="0"/>
               </a:spcAft>
-              <a:buSzPts val="2800"/>
+              <a:buSzPts val="3000"/>
               <a:buNone/>
               <a:defRPr/>
             </a:lvl3pPr>
@@ -2757,7 +4212,7 @@
               <a:spcAft>
                 <a:spcPts val="0"/>
               </a:spcAft>
-              <a:buSzPts val="2800"/>
+              <a:buSzPts val="3000"/>
               <a:buNone/>
               <a:defRPr/>
             </a:lvl4pPr>
@@ -2768,7 +4223,7 @@
               <a:spcAft>
                 <a:spcPts val="0"/>
               </a:spcAft>
-              <a:buSzPts val="2800"/>
+              <a:buSzPts val="3000"/>
               <a:buNone/>
               <a:defRPr/>
             </a:lvl5pPr>
@@ -2779,7 +4234,7 @@
               <a:spcAft>
                 <a:spcPts val="0"/>
               </a:spcAft>
-              <a:buSzPts val="2800"/>
+              <a:buSzPts val="3000"/>
               <a:buNone/>
               <a:defRPr/>
             </a:lvl6pPr>
@@ -2790,7 +4245,7 @@
               <a:spcAft>
                 <a:spcPts val="0"/>
               </a:spcAft>
-              <a:buSzPts val="2800"/>
+              <a:buSzPts val="3000"/>
               <a:buNone/>
               <a:defRPr/>
             </a:lvl7pPr>
@@ -2801,7 +4256,7 @@
               <a:spcAft>
                 <a:spcPts val="0"/>
               </a:spcAft>
-              <a:buSzPts val="2800"/>
+              <a:buSzPts val="3000"/>
               <a:buNone/>
               <a:defRPr/>
             </a:lvl8pPr>
@@ -2812,7 +4267,7 @@
               <a:spcAft>
                 <a:spcPts val="0"/>
               </a:spcAft>
-              <a:buSzPts val="2800"/>
+              <a:buSzPts val="3000"/>
               <a:buNone/>
               <a:defRPr/>
             </a:lvl9pPr>
@@ -2822,7 +4277,7 @@
       </p:sp>
       <p:sp>
         <p:nvSpPr>
-          <p:cNvPr id="27" name="Google Shape;27;p6"/>
+          <p:cNvPr id="31" name="Google Shape;31;p6"/>
           <p:cNvSpPr txBox="1"/>
           <p:nvPr>
             <p:ph idx="12" type="sldNum"/>
@@ -2830,7 +4285,7 @@
         </p:nvSpPr>
         <p:spPr>
           <a:xfrm>
-            <a:off x="8472458" y="4663217"/>
+            <a:off x="8490250" y="4681009"/>
             <a:ext cx="548700" cy="393600"/>
           </a:xfrm>
           <a:prstGeom prst="rect">
@@ -2910,7 +4365,7 @@
   <p:cSld name="ONE_COLUMN_TEXT">
     <p:spTree>
       <p:nvGrpSpPr>
-        <p:cNvPr id="28" name="Shape 28"/>
+        <p:cNvPr id="32" name="Shape 32"/>
         <p:cNvGrpSpPr/>
         <p:nvPr/>
       </p:nvGrpSpPr>
@@ -2924,7 +4379,7 @@
       </p:grpSpPr>
       <p:sp>
         <p:nvSpPr>
-          <p:cNvPr id="29" name="Google Shape;29;p7"/>
+          <p:cNvPr id="33" name="Google Shape;33;p7"/>
           <p:cNvSpPr txBox="1"/>
           <p:nvPr>
             <p:ph type="title"/>
@@ -3049,7 +4504,7 @@
       </p:sp>
       <p:sp>
         <p:nvSpPr>
-          <p:cNvPr id="30" name="Google Shape;30;p7"/>
+          <p:cNvPr id="34" name="Google Shape;34;p7"/>
           <p:cNvSpPr txBox="1"/>
           <p:nvPr>
             <p:ph idx="1" type="body"/>
@@ -3174,7 +4629,7 @@
       </p:sp>
       <p:sp>
         <p:nvSpPr>
-          <p:cNvPr id="31" name="Google Shape;31;p7"/>
+          <p:cNvPr id="35" name="Google Shape;35;p7"/>
           <p:cNvSpPr txBox="1"/>
           <p:nvPr>
             <p:ph idx="12" type="sldNum"/>
@@ -3182,7 +4637,7 @@
         </p:nvSpPr>
         <p:spPr>
           <a:xfrm>
-            <a:off x="8472458" y="4663217"/>
+            <a:off x="8490250" y="4681009"/>
             <a:ext cx="548700" cy="393600"/>
           </a:xfrm>
           <a:prstGeom prst="rect">
@@ -3260,9 +4715,16 @@
 <file path=ppt/slideLayouts/slideLayout7.xml><?xml version="1.0" encoding="utf-8"?>
 <p:sldLayout xmlns:a="http://schemas.openxmlformats.org/drawingml/2006/main" xmlns:r="http://schemas.openxmlformats.org/officeDocument/2006/relationships" xmlns:mc="http://schemas.openxmlformats.org/markup-compatibility/2006" xmlns:mv="urn:schemas-microsoft-com:mac:vml" xmlns:p="http://schemas.openxmlformats.org/presentationml/2006/main" xmlns:c="http://schemas.openxmlformats.org/drawingml/2006/chart" xmlns:dgm="http://schemas.openxmlformats.org/drawingml/2006/diagram" xmlns:o="urn:schemas-microsoft-com:office:office" xmlns:v="urn:schemas-microsoft-com:vml" xmlns:pvml="urn:schemas-microsoft-com:office:powerpoint" xmlns:com="http://schemas.openxmlformats.org/drawingml/2006/compatibility" xmlns:p14="http://schemas.microsoft.com/office/powerpoint/2010/main" xmlns:p15="http://schemas.microsoft.com/office/powerpoint/2012/main" xmlns:ahyp="http://schemas.microsoft.com/office/drawing/2018/hyperlinkcolor" matchingName="Main point">
   <p:cSld name="MAIN_POINT">
+    <p:bg>
+      <p:bgPr>
+        <a:solidFill>
+          <a:schemeClr val="lt2"/>
+        </a:solidFill>
+      </p:bgPr>
+    </p:bg>
     <p:spTree>
       <p:nvGrpSpPr>
-        <p:cNvPr id="32" name="Shape 32"/>
+        <p:cNvPr id="36" name="Shape 36"/>
         <p:cNvGrpSpPr/>
         <p:nvPr/>
       </p:nvGrpSpPr>
@@ -3276,7 +4738,7 @@
       </p:grpSpPr>
       <p:sp>
         <p:nvSpPr>
-          <p:cNvPr id="33" name="Google Shape;33;p8"/>
+          <p:cNvPr id="37" name="Google Shape;37;p8"/>
           <p:cNvSpPr txBox="1"/>
           <p:nvPr>
             <p:ph type="title"/>
@@ -3284,8 +4746,8 @@
         </p:nvSpPr>
         <p:spPr>
           <a:xfrm>
-            <a:off x="490250" y="450150"/>
-            <a:ext cx="6367800" cy="4090800"/>
+            <a:off x="490250" y="526350"/>
+            <a:ext cx="6227100" cy="4090800"/>
           </a:xfrm>
           <a:prstGeom prst="rect">
             <a:avLst/>
@@ -3303,9 +4765,16 @@
               <a:spcAft>
                 <a:spcPts val="0"/>
               </a:spcAft>
+              <a:buClr>
+                <a:schemeClr val="lt1"/>
+              </a:buClr>
               <a:buSzPts val="4800"/>
               <a:buNone/>
-              <a:defRPr sz="4800"/>
+              <a:defRPr sz="4800">
+                <a:solidFill>
+                  <a:schemeClr val="lt1"/>
+                </a:solidFill>
+              </a:defRPr>
             </a:lvl1pPr>
             <a:lvl2pPr lvl="1">
               <a:spcBef>
@@ -3314,9 +4783,16 @@
               <a:spcAft>
                 <a:spcPts val="0"/>
               </a:spcAft>
+              <a:buClr>
+                <a:schemeClr val="lt1"/>
+              </a:buClr>
               <a:buSzPts val="4800"/>
               <a:buNone/>
-              <a:defRPr sz="4800"/>
+              <a:defRPr sz="4800">
+                <a:solidFill>
+                  <a:schemeClr val="lt1"/>
+                </a:solidFill>
+              </a:defRPr>
             </a:lvl2pPr>
             <a:lvl3pPr lvl="2">
               <a:spcBef>
@@ -3325,9 +4801,16 @@
               <a:spcAft>
                 <a:spcPts val="0"/>
               </a:spcAft>
+              <a:buClr>
+                <a:schemeClr val="lt1"/>
+              </a:buClr>
               <a:buSzPts val="4800"/>
               <a:buNone/>
-              <a:defRPr sz="4800"/>
+              <a:defRPr sz="4800">
+                <a:solidFill>
+                  <a:schemeClr val="lt1"/>
+                </a:solidFill>
+              </a:defRPr>
             </a:lvl3pPr>
             <a:lvl4pPr lvl="3">
               <a:spcBef>
@@ -3336,9 +4819,16 @@
               <a:spcAft>
                 <a:spcPts val="0"/>
               </a:spcAft>
+              <a:buClr>
+                <a:schemeClr val="lt1"/>
+              </a:buClr>
               <a:buSzPts val="4800"/>
               <a:buNone/>
-              <a:defRPr sz="4800"/>
+              <a:defRPr sz="4800">
+                <a:solidFill>
+                  <a:schemeClr val="lt1"/>
+                </a:solidFill>
+              </a:defRPr>
             </a:lvl4pPr>
             <a:lvl5pPr lvl="4">
               <a:spcBef>
@@ -3347,9 +4837,16 @@
               <a:spcAft>
                 <a:spcPts val="0"/>
               </a:spcAft>
+              <a:buClr>
+                <a:schemeClr val="lt1"/>
+              </a:buClr>
               <a:buSzPts val="4800"/>
               <a:buNone/>
-              <a:defRPr sz="4800"/>
+              <a:defRPr sz="4800">
+                <a:solidFill>
+                  <a:schemeClr val="lt1"/>
+                </a:solidFill>
+              </a:defRPr>
             </a:lvl5pPr>
             <a:lvl6pPr lvl="5">
               <a:spcBef>
@@ -3358,9 +4855,16 @@
               <a:spcAft>
                 <a:spcPts val="0"/>
               </a:spcAft>
+              <a:buClr>
+                <a:schemeClr val="lt1"/>
+              </a:buClr>
               <a:buSzPts val="4800"/>
               <a:buNone/>
-              <a:defRPr sz="4800"/>
+              <a:defRPr sz="4800">
+                <a:solidFill>
+                  <a:schemeClr val="lt1"/>
+                </a:solidFill>
+              </a:defRPr>
             </a:lvl6pPr>
             <a:lvl7pPr lvl="6">
               <a:spcBef>
@@ -3369,9 +4873,16 @@
               <a:spcAft>
                 <a:spcPts val="0"/>
               </a:spcAft>
+              <a:buClr>
+                <a:schemeClr val="lt1"/>
+              </a:buClr>
               <a:buSzPts val="4800"/>
               <a:buNone/>
-              <a:defRPr sz="4800"/>
+              <a:defRPr sz="4800">
+                <a:solidFill>
+                  <a:schemeClr val="lt1"/>
+                </a:solidFill>
+              </a:defRPr>
             </a:lvl7pPr>
             <a:lvl8pPr lvl="7">
               <a:spcBef>
@@ -3380,9 +4891,16 @@
               <a:spcAft>
                 <a:spcPts val="0"/>
               </a:spcAft>
+              <a:buClr>
+                <a:schemeClr val="lt1"/>
+              </a:buClr>
               <a:buSzPts val="4800"/>
               <a:buNone/>
-              <a:defRPr sz="4800"/>
+              <a:defRPr sz="4800">
+                <a:solidFill>
+                  <a:schemeClr val="lt1"/>
+                </a:solidFill>
+              </a:defRPr>
             </a:lvl8pPr>
             <a:lvl9pPr lvl="8">
               <a:spcBef>
@@ -3391,9 +4909,16 @@
               <a:spcAft>
                 <a:spcPts val="0"/>
               </a:spcAft>
+              <a:buClr>
+                <a:schemeClr val="lt1"/>
+              </a:buClr>
               <a:buSzPts val="4800"/>
               <a:buNone/>
-              <a:defRPr sz="4800"/>
+              <a:defRPr sz="4800">
+                <a:solidFill>
+                  <a:schemeClr val="lt1"/>
+                </a:solidFill>
+              </a:defRPr>
             </a:lvl9pPr>
           </a:lstStyle>
           <a:p/>
@@ -3401,7 +4926,7 @@
       </p:sp>
       <p:sp>
         <p:nvSpPr>
-          <p:cNvPr id="34" name="Google Shape;34;p8"/>
+          <p:cNvPr id="38" name="Google Shape;38;p8"/>
           <p:cNvSpPr txBox="1"/>
           <p:nvPr>
             <p:ph idx="12" type="sldNum"/>
@@ -3409,7 +4934,7 @@
         </p:nvSpPr>
         <p:spPr>
           <a:xfrm>
-            <a:off x="8472458" y="4663217"/>
+            <a:off x="8490250" y="4681009"/>
             <a:ext cx="548700" cy="393600"/>
           </a:xfrm>
           <a:prstGeom prst="rect">
@@ -3423,39 +4948,75 @@
           <a:lstStyle>
             <a:lvl1pPr lvl="0">
               <a:buNone/>
-              <a:defRPr/>
+              <a:defRPr>
+                <a:solidFill>
+                  <a:schemeClr val="lt1"/>
+                </a:solidFill>
+              </a:defRPr>
             </a:lvl1pPr>
             <a:lvl2pPr lvl="1">
               <a:buNone/>
-              <a:defRPr/>
+              <a:defRPr>
+                <a:solidFill>
+                  <a:schemeClr val="lt1"/>
+                </a:solidFill>
+              </a:defRPr>
             </a:lvl2pPr>
             <a:lvl3pPr lvl="2">
               <a:buNone/>
-              <a:defRPr/>
+              <a:defRPr>
+                <a:solidFill>
+                  <a:schemeClr val="lt1"/>
+                </a:solidFill>
+              </a:defRPr>
             </a:lvl3pPr>
             <a:lvl4pPr lvl="3">
               <a:buNone/>
-              <a:defRPr/>
+              <a:defRPr>
+                <a:solidFill>
+                  <a:schemeClr val="lt1"/>
+                </a:solidFill>
+              </a:defRPr>
             </a:lvl4pPr>
             <a:lvl5pPr lvl="4">
               <a:buNone/>
-              <a:defRPr/>
+              <a:defRPr>
+                <a:solidFill>
+                  <a:schemeClr val="lt1"/>
+                </a:solidFill>
+              </a:defRPr>
             </a:lvl5pPr>
             <a:lvl6pPr lvl="5">
               <a:buNone/>
-              <a:defRPr/>
+              <a:defRPr>
+                <a:solidFill>
+                  <a:schemeClr val="lt1"/>
+                </a:solidFill>
+              </a:defRPr>
             </a:lvl6pPr>
             <a:lvl7pPr lvl="6">
               <a:buNone/>
-              <a:defRPr/>
+              <a:defRPr>
+                <a:solidFill>
+                  <a:schemeClr val="lt1"/>
+                </a:solidFill>
+              </a:defRPr>
             </a:lvl7pPr>
             <a:lvl8pPr lvl="7">
               <a:buNone/>
-              <a:defRPr/>
+              <a:defRPr>
+                <a:solidFill>
+                  <a:schemeClr val="lt1"/>
+                </a:solidFill>
+              </a:defRPr>
             </a:lvl8pPr>
             <a:lvl9pPr lvl="8">
               <a:buNone/>
-              <a:defRPr/>
+              <a:defRPr>
+                <a:solidFill>
+                  <a:schemeClr val="lt1"/>
+                </a:solidFill>
+              </a:defRPr>
             </a:lvl9pPr>
           </a:lstStyle>
           <a:p>
@@ -3489,7 +5050,7 @@
   <p:cSld name="SECTION_TITLE_AND_DESCRIPTION">
     <p:spTree>
       <p:nvGrpSpPr>
-        <p:cNvPr id="35" name="Shape 35"/>
+        <p:cNvPr id="39" name="Shape 39"/>
         <p:cNvGrpSpPr/>
         <p:nvPr/>
       </p:nvGrpSpPr>
@@ -3503,20 +5064,20 @@
       </p:grpSpPr>
       <p:sp>
         <p:nvSpPr>
-          <p:cNvPr id="36" name="Google Shape;36;p9"/>
+          <p:cNvPr id="40" name="Google Shape;40;p9"/>
           <p:cNvSpPr/>
           <p:nvPr/>
         </p:nvSpPr>
         <p:spPr>
           <a:xfrm>
-            <a:off x="4572000" y="-125"/>
+            <a:off x="4572000" y="0"/>
             <a:ext cx="4572000" cy="5143500"/>
           </a:xfrm>
           <a:prstGeom prst="rect">
             <a:avLst/>
           </a:prstGeom>
           <a:solidFill>
-            <a:schemeClr val="lt2"/>
+            <a:schemeClr val="dk1"/>
           </a:solidFill>
           <a:ln>
             <a:noFill/>
@@ -3544,9 +5105,35 @@
           </a:p>
         </p:txBody>
       </p:sp>
+      <p:cxnSp>
+        <p:nvCxnSpPr>
+          <p:cNvPr id="41" name="Google Shape;41;p9"/>
+          <p:cNvCxnSpPr/>
+          <p:nvPr/>
+        </p:nvCxnSpPr>
+        <p:spPr>
+          <a:xfrm>
+            <a:off x="5029675" y="4495500"/>
+            <a:ext cx="468300" cy="0"/>
+          </a:xfrm>
+          <a:prstGeom prst="straightConnector1">
+            <a:avLst/>
+          </a:prstGeom>
+          <a:noFill/>
+          <a:ln cap="flat" cmpd="sng" w="19050">
+            <a:solidFill>
+              <a:schemeClr val="lt1"/>
+            </a:solidFill>
+            <a:prstDash val="solid"/>
+            <a:round/>
+            <a:headEnd len="sm" w="sm" type="none"/>
+            <a:tailEnd len="sm" w="sm" type="none"/>
+          </a:ln>
+        </p:spPr>
+      </p:cxnSp>
       <p:sp>
         <p:nvSpPr>
-          <p:cNvPr id="37" name="Google Shape;37;p9"/>
+          <p:cNvPr id="42" name="Google Shape;42;p9"/>
           <p:cNvSpPr txBox="1"/>
           <p:nvPr>
             <p:ph type="title"/>
@@ -3554,8 +5141,8 @@
         </p:nvSpPr>
         <p:spPr>
           <a:xfrm>
-            <a:off x="265500" y="1233175"/>
-            <a:ext cx="4045200" cy="1482300"/>
+            <a:off x="265500" y="1081400"/>
+            <a:ext cx="4045200" cy="1710300"/>
           </a:xfrm>
           <a:prstGeom prst="rect">
             <a:avLst/>
@@ -3671,7 +5258,7 @@
       </p:sp>
       <p:sp>
         <p:nvSpPr>
-          <p:cNvPr id="38" name="Google Shape;38;p9"/>
+          <p:cNvPr id="43" name="Google Shape;43;p9"/>
           <p:cNvSpPr txBox="1"/>
           <p:nvPr>
             <p:ph idx="1" type="subTitle"/>
@@ -3679,8 +5266,8 @@
         </p:nvSpPr>
         <p:spPr>
           <a:xfrm>
-            <a:off x="265500" y="2803075"/>
-            <a:ext cx="4045200" cy="1235100"/>
+            <a:off x="265500" y="2845201"/>
+            <a:ext cx="4045200" cy="1345500"/>
           </a:xfrm>
           <a:prstGeom prst="rect">
             <a:avLst/>
@@ -3701,9 +5288,16 @@
               <a:spcAft>
                 <a:spcPts val="0"/>
               </a:spcAft>
+              <a:buClr>
+                <a:schemeClr val="dk1"/>
+              </a:buClr>
               <a:buSzPts val="2100"/>
               <a:buNone/>
-              <a:defRPr sz="2100"/>
+              <a:defRPr sz="2100">
+                <a:solidFill>
+                  <a:schemeClr val="dk1"/>
+                </a:solidFill>
+              </a:defRPr>
             </a:lvl1pPr>
             <a:lvl2pPr lvl="1" algn="ctr">
               <a:lnSpc>
@@ -3715,9 +5309,16 @@
               <a:spcAft>
                 <a:spcPts val="0"/>
               </a:spcAft>
+              <a:buClr>
+                <a:schemeClr val="dk1"/>
+              </a:buClr>
               <a:buSzPts val="2100"/>
               <a:buNone/>
-              <a:defRPr sz="2100"/>
+              <a:defRPr sz="2100">
+                <a:solidFill>
+                  <a:schemeClr val="dk1"/>
+                </a:solidFill>
+              </a:defRPr>
             </a:lvl2pPr>
             <a:lvl3pPr lvl="2" algn="ctr">
               <a:lnSpc>
@@ -3729,9 +5330,16 @@
               <a:spcAft>
                 <a:spcPts val="0"/>
               </a:spcAft>
+              <a:buClr>
+                <a:schemeClr val="dk1"/>
+              </a:buClr>
               <a:buSzPts val="2100"/>
               <a:buNone/>
-              <a:defRPr sz="2100"/>
+              <a:defRPr sz="2100">
+                <a:solidFill>
+                  <a:schemeClr val="dk1"/>
+                </a:solidFill>
+              </a:defRPr>
             </a:lvl3pPr>
             <a:lvl4pPr lvl="3" algn="ctr">
               <a:lnSpc>
@@ -3743,9 +5351,16 @@
               <a:spcAft>
                 <a:spcPts val="0"/>
               </a:spcAft>
+              <a:buClr>
+                <a:schemeClr val="dk1"/>
+              </a:buClr>
               <a:buSzPts val="2100"/>
               <a:buNone/>
-              <a:defRPr sz="2100"/>
+              <a:defRPr sz="2100">
+                <a:solidFill>
+                  <a:schemeClr val="dk1"/>
+                </a:solidFill>
+              </a:defRPr>
             </a:lvl4pPr>
             <a:lvl5pPr lvl="4" algn="ctr">
               <a:lnSpc>
@@ -3757,9 +5372,16 @@
               <a:spcAft>
                 <a:spcPts val="0"/>
               </a:spcAft>
+              <a:buClr>
+                <a:schemeClr val="dk1"/>
+              </a:buClr>
               <a:buSzPts val="2100"/>
               <a:buNone/>
-              <a:defRPr sz="2100"/>
+              <a:defRPr sz="2100">
+                <a:solidFill>
+                  <a:schemeClr val="dk1"/>
+                </a:solidFill>
+              </a:defRPr>
             </a:lvl5pPr>
             <a:lvl6pPr lvl="5" algn="ctr">
               <a:lnSpc>
@@ -3771,9 +5393,16 @@
               <a:spcAft>
                 <a:spcPts val="0"/>
               </a:spcAft>
+              <a:buClr>
+                <a:schemeClr val="dk1"/>
+              </a:buClr>
               <a:buSzPts val="2100"/>
               <a:buNone/>
-              <a:defRPr sz="2100"/>
+              <a:defRPr sz="2100">
+                <a:solidFill>
+                  <a:schemeClr val="dk1"/>
+                </a:solidFill>
+              </a:defRPr>
             </a:lvl6pPr>
             <a:lvl7pPr lvl="6" algn="ctr">
               <a:lnSpc>
@@ -3785,9 +5414,16 @@
               <a:spcAft>
                 <a:spcPts val="0"/>
               </a:spcAft>
+              <a:buClr>
+                <a:schemeClr val="dk1"/>
+              </a:buClr>
               <a:buSzPts val="2100"/>
               <a:buNone/>
-              <a:defRPr sz="2100"/>
+              <a:defRPr sz="2100">
+                <a:solidFill>
+                  <a:schemeClr val="dk1"/>
+                </a:solidFill>
+              </a:defRPr>
             </a:lvl7pPr>
             <a:lvl8pPr lvl="7" algn="ctr">
               <a:lnSpc>
@@ -3799,9 +5435,16 @@
               <a:spcAft>
                 <a:spcPts val="0"/>
               </a:spcAft>
+              <a:buClr>
+                <a:schemeClr val="dk1"/>
+              </a:buClr>
               <a:buSzPts val="2100"/>
               <a:buNone/>
-              <a:defRPr sz="2100"/>
+              <a:defRPr sz="2100">
+                <a:solidFill>
+                  <a:schemeClr val="dk1"/>
+                </a:solidFill>
+              </a:defRPr>
             </a:lvl8pPr>
             <a:lvl9pPr lvl="8" algn="ctr">
               <a:lnSpc>
@@ -3813,9 +5456,16 @@
               <a:spcAft>
                 <a:spcPts val="0"/>
               </a:spcAft>
+              <a:buClr>
+                <a:schemeClr val="dk1"/>
+              </a:buClr>
               <a:buSzPts val="2100"/>
               <a:buNone/>
-              <a:defRPr sz="2100"/>
+              <a:defRPr sz="2100">
+                <a:solidFill>
+                  <a:schemeClr val="dk1"/>
+                </a:solidFill>
+              </a:defRPr>
             </a:lvl9pPr>
           </a:lstStyle>
           <a:p/>
@@ -3823,7 +5473,7 @@
       </p:sp>
       <p:sp>
         <p:nvSpPr>
-          <p:cNvPr id="39" name="Google Shape;39;p9"/>
+          <p:cNvPr id="44" name="Google Shape;44;p9"/>
           <p:cNvSpPr txBox="1"/>
           <p:nvPr>
             <p:ph idx="2" type="body"/>
@@ -3831,7 +5481,7 @@
         </p:nvSpPr>
         <p:spPr>
           <a:xfrm>
-            <a:off x="4939500" y="724075"/>
+            <a:off x="4939500" y="724200"/>
             <a:ext cx="3837000" cy="3695100"/>
           </a:xfrm>
           <a:prstGeom prst="rect">
@@ -3850,9 +5500,16 @@
               <a:spcAft>
                 <a:spcPts val="0"/>
               </a:spcAft>
+              <a:buClr>
+                <a:schemeClr val="lt1"/>
+              </a:buClr>
               <a:buSzPts val="1800"/>
               <a:buChar char="●"/>
-              <a:defRPr/>
+              <a:defRPr>
+                <a:solidFill>
+                  <a:schemeClr val="lt1"/>
+                </a:solidFill>
+              </a:defRPr>
             </a:lvl1pPr>
             <a:lvl2pPr indent="-317500" lvl="1" marL="914400">
               <a:spcBef>
@@ -3861,9 +5518,16 @@
               <a:spcAft>
                 <a:spcPts val="0"/>
               </a:spcAft>
+              <a:buClr>
+                <a:schemeClr val="lt1"/>
+              </a:buClr>
               <a:buSzPts val="1400"/>
               <a:buChar char="○"/>
-              <a:defRPr/>
+              <a:defRPr>
+                <a:solidFill>
+                  <a:schemeClr val="lt1"/>
+                </a:solidFill>
+              </a:defRPr>
             </a:lvl2pPr>
             <a:lvl3pPr indent="-317500" lvl="2" marL="1371600">
               <a:spcBef>
@@ -3872,9 +5536,16 @@
               <a:spcAft>
                 <a:spcPts val="0"/>
               </a:spcAft>
+              <a:buClr>
+                <a:schemeClr val="lt1"/>
+              </a:buClr>
               <a:buSzPts val="1400"/>
               <a:buChar char="■"/>
-              <a:defRPr/>
+              <a:defRPr>
+                <a:solidFill>
+                  <a:schemeClr val="lt1"/>
+                </a:solidFill>
+              </a:defRPr>
             </a:lvl3pPr>
             <a:lvl4pPr indent="-317500" lvl="3" marL="1828800">
               <a:spcBef>
@@ -3883,9 +5554,16 @@
               <a:spcAft>
                 <a:spcPts val="0"/>
               </a:spcAft>
+              <a:buClr>
+                <a:schemeClr val="lt1"/>
+              </a:buClr>
               <a:buSzPts val="1400"/>
               <a:buChar char="●"/>
-              <a:defRPr/>
+              <a:defRPr>
+                <a:solidFill>
+                  <a:schemeClr val="lt1"/>
+                </a:solidFill>
+              </a:defRPr>
             </a:lvl4pPr>
             <a:lvl5pPr indent="-317500" lvl="4" marL="2286000">
               <a:spcBef>
@@ -3894,9 +5572,16 @@
               <a:spcAft>
                 <a:spcPts val="0"/>
               </a:spcAft>
+              <a:buClr>
+                <a:schemeClr val="lt1"/>
+              </a:buClr>
               <a:buSzPts val="1400"/>
               <a:buChar char="○"/>
-              <a:defRPr/>
+              <a:defRPr>
+                <a:solidFill>
+                  <a:schemeClr val="lt1"/>
+                </a:solidFill>
+              </a:defRPr>
             </a:lvl5pPr>
             <a:lvl6pPr indent="-317500" lvl="5" marL="2743200">
               <a:spcBef>
@@ -3905,9 +5590,16 @@
               <a:spcAft>
                 <a:spcPts val="0"/>
               </a:spcAft>
+              <a:buClr>
+                <a:schemeClr val="lt1"/>
+              </a:buClr>
               <a:buSzPts val="1400"/>
               <a:buChar char="■"/>
-              <a:defRPr/>
+              <a:defRPr>
+                <a:solidFill>
+                  <a:schemeClr val="lt1"/>
+                </a:solidFill>
+              </a:defRPr>
             </a:lvl6pPr>
             <a:lvl7pPr indent="-317500" lvl="6" marL="3200400">
               <a:spcBef>
@@ -3916,9 +5608,16 @@
               <a:spcAft>
                 <a:spcPts val="0"/>
               </a:spcAft>
+              <a:buClr>
+                <a:schemeClr val="lt1"/>
+              </a:buClr>
               <a:buSzPts val="1400"/>
               <a:buChar char="●"/>
-              <a:defRPr/>
+              <a:defRPr>
+                <a:solidFill>
+                  <a:schemeClr val="lt1"/>
+                </a:solidFill>
+              </a:defRPr>
             </a:lvl7pPr>
             <a:lvl8pPr indent="-317500" lvl="7" marL="3657600">
               <a:spcBef>
@@ -3927,9 +5626,16 @@
               <a:spcAft>
                 <a:spcPts val="0"/>
               </a:spcAft>
+              <a:buClr>
+                <a:schemeClr val="lt1"/>
+              </a:buClr>
               <a:buSzPts val="1400"/>
               <a:buChar char="○"/>
-              <a:defRPr/>
+              <a:defRPr>
+                <a:solidFill>
+                  <a:schemeClr val="lt1"/>
+                </a:solidFill>
+              </a:defRPr>
             </a:lvl8pPr>
             <a:lvl9pPr indent="-317500" lvl="8" marL="4114800">
               <a:spcBef>
@@ -3938,9 +5644,16 @@
               <a:spcAft>
                 <a:spcPts val="0"/>
               </a:spcAft>
+              <a:buClr>
+                <a:schemeClr val="lt1"/>
+              </a:buClr>
               <a:buSzPts val="1400"/>
               <a:buChar char="■"/>
-              <a:defRPr/>
+              <a:defRPr>
+                <a:solidFill>
+                  <a:schemeClr val="lt1"/>
+                </a:solidFill>
+              </a:defRPr>
             </a:lvl9pPr>
           </a:lstStyle>
           <a:p/>
@@ -3948,7 +5661,7 @@
       </p:sp>
       <p:sp>
         <p:nvSpPr>
-          <p:cNvPr id="40" name="Google Shape;40;p9"/>
+          <p:cNvPr id="45" name="Google Shape;45;p9"/>
           <p:cNvSpPr txBox="1"/>
           <p:nvPr>
             <p:ph idx="12" type="sldNum"/>
@@ -3956,7 +5669,7 @@
         </p:nvSpPr>
         <p:spPr>
           <a:xfrm>
-            <a:off x="8472458" y="4663217"/>
+            <a:off x="8490250" y="4681009"/>
             <a:ext cx="548700" cy="393600"/>
           </a:xfrm>
           <a:prstGeom prst="rect">
@@ -3970,39 +5683,75 @@
           <a:lstStyle>
             <a:lvl1pPr lvl="0">
               <a:buNone/>
-              <a:defRPr/>
+              <a:defRPr>
+                <a:solidFill>
+                  <a:schemeClr val="lt1"/>
+                </a:solidFill>
+              </a:defRPr>
             </a:lvl1pPr>
             <a:lvl2pPr lvl="1">
               <a:buNone/>
-              <a:defRPr/>
+              <a:defRPr>
+                <a:solidFill>
+                  <a:schemeClr val="lt1"/>
+                </a:solidFill>
+              </a:defRPr>
             </a:lvl2pPr>
             <a:lvl3pPr lvl="2">
               <a:buNone/>
-              <a:defRPr/>
+              <a:defRPr>
+                <a:solidFill>
+                  <a:schemeClr val="lt1"/>
+                </a:solidFill>
+              </a:defRPr>
             </a:lvl3pPr>
             <a:lvl4pPr lvl="3">
               <a:buNone/>
-              <a:defRPr/>
+              <a:defRPr>
+                <a:solidFill>
+                  <a:schemeClr val="lt1"/>
+                </a:solidFill>
+              </a:defRPr>
             </a:lvl4pPr>
             <a:lvl5pPr lvl="4">
               <a:buNone/>
-              <a:defRPr/>
+              <a:defRPr>
+                <a:solidFill>
+                  <a:schemeClr val="lt1"/>
+                </a:solidFill>
+              </a:defRPr>
             </a:lvl5pPr>
             <a:lvl6pPr lvl="5">
               <a:buNone/>
-              <a:defRPr/>
+              <a:defRPr>
+                <a:solidFill>
+                  <a:schemeClr val="lt1"/>
+                </a:solidFill>
+              </a:defRPr>
             </a:lvl6pPr>
             <a:lvl7pPr lvl="6">
               <a:buNone/>
-              <a:defRPr/>
+              <a:defRPr>
+                <a:solidFill>
+                  <a:schemeClr val="lt1"/>
+                </a:solidFill>
+              </a:defRPr>
             </a:lvl7pPr>
             <a:lvl8pPr lvl="7">
               <a:buNone/>
-              <a:defRPr/>
+              <a:defRPr>
+                <a:solidFill>
+                  <a:schemeClr val="lt1"/>
+                </a:solidFill>
+              </a:defRPr>
             </a:lvl8pPr>
             <a:lvl9pPr lvl="8">
               <a:buNone/>
-              <a:defRPr/>
+              <a:defRPr>
+                <a:solidFill>
+                  <a:schemeClr val="lt1"/>
+                </a:solidFill>
+              </a:defRPr>
             </a:lvl9pPr>
           </a:lstStyle>
           <a:p>
@@ -4036,7 +5785,7 @@
   <p:cSld name="CAPTION_ONLY">
     <p:spTree>
       <p:nvGrpSpPr>
-        <p:cNvPr id="41" name="Shape 41"/>
+        <p:cNvPr id="46" name="Shape 46"/>
         <p:cNvGrpSpPr/>
         <p:nvPr/>
       </p:nvGrpSpPr>
@@ -4050,7 +5799,7 @@
       </p:grpSpPr>
       <p:sp>
         <p:nvSpPr>
-          <p:cNvPr id="42" name="Google Shape;42;p10"/>
+          <p:cNvPr id="47" name="Google Shape;47;p10"/>
           <p:cNvSpPr txBox="1"/>
           <p:nvPr>
             <p:ph idx="1" type="body"/>
@@ -4080,9 +5829,21 @@
               <a:spcAft>
                 <a:spcPts val="0"/>
               </a:spcAft>
-              <a:buSzPts val="1800"/>
-              <a:buNone/>
-              <a:defRPr/>
+              <a:buClr>
+                <a:schemeClr val="dk1"/>
+              </a:buClr>
+              <a:buSzPts val="2100"/>
+              <a:buFont typeface="Oswald"/>
+              <a:buNone/>
+              <a:defRPr sz="2100">
+                <a:solidFill>
+                  <a:schemeClr val="dk1"/>
+                </a:solidFill>
+                <a:latin typeface="Oswald"/>
+                <a:ea typeface="Oswald"/>
+                <a:cs typeface="Oswald"/>
+                <a:sym typeface="Oswald"/>
+              </a:defRPr>
             </a:lvl1pPr>
           </a:lstStyle>
           <a:p/>
@@ -4090,7 +5851,7 @@
       </p:sp>
       <p:sp>
         <p:nvSpPr>
-          <p:cNvPr id="43" name="Google Shape;43;p10"/>
+          <p:cNvPr id="48" name="Google Shape;48;p10"/>
           <p:cNvSpPr txBox="1"/>
           <p:nvPr>
             <p:ph idx="12" type="sldNum"/>
@@ -4098,7 +5859,7 @@
         </p:nvSpPr>
         <p:spPr>
           <a:xfrm>
-            <a:off x="8472458" y="4663217"/>
+            <a:off x="8490250" y="4681009"/>
             <a:ext cx="548700" cy="393600"/>
           </a:xfrm>
           <a:prstGeom prst="rect">
@@ -4175,7 +5936,7 @@
 
 <file path=ppt/slideMasters/slideMaster1.xml><?xml version="1.0" encoding="utf-8"?>
 <p:sldMaster xmlns:a="http://schemas.openxmlformats.org/drawingml/2006/main" xmlns:r="http://schemas.openxmlformats.org/officeDocument/2006/relationships" xmlns:mc="http://schemas.openxmlformats.org/markup-compatibility/2006" xmlns:mv="urn:schemas-microsoft-com:mac:vml" xmlns:p="http://schemas.openxmlformats.org/presentationml/2006/main" xmlns:c="http://schemas.openxmlformats.org/drawingml/2006/chart" xmlns:dgm="http://schemas.openxmlformats.org/drawingml/2006/diagram" xmlns:o="urn:schemas-microsoft-com:office:office" xmlns:v="urn:schemas-microsoft-com:vml" xmlns:pvml="urn:schemas-microsoft-com:office:powerpoint" xmlns:com="http://schemas.openxmlformats.org/drawingml/2006/compatibility" xmlns:p14="http://schemas.microsoft.com/office/powerpoint/2010/main" xmlns:p15="http://schemas.microsoft.com/office/powerpoint/2012/main" xmlns:ahyp="http://schemas.microsoft.com/office/drawing/2018/hyperlinkcolor">
-  <p:cSld name="simple-light-2">
+  <p:cSld name="slate">
     <p:bg>
       <p:bgPr>
         <a:solidFill>
@@ -4233,12 +5994,17 @@
               <a:buClr>
                 <a:schemeClr val="dk1"/>
               </a:buClr>
-              <a:buSzPts val="2800"/>
-              <a:buNone/>
-              <a:defRPr sz="2800">
+              <a:buSzPts val="3000"/>
+              <a:buFont typeface="Oswald"/>
+              <a:buNone/>
+              <a:defRPr sz="3000">
                 <a:solidFill>
                   <a:schemeClr val="dk1"/>
                 </a:solidFill>
+                <a:latin typeface="Oswald"/>
+                <a:ea typeface="Oswald"/>
+                <a:cs typeface="Oswald"/>
+                <a:sym typeface="Oswald"/>
               </a:defRPr>
             </a:lvl1pPr>
             <a:lvl2pPr lvl="1">
@@ -4251,12 +6017,17 @@
               <a:buClr>
                 <a:schemeClr val="dk1"/>
               </a:buClr>
-              <a:buSzPts val="2800"/>
-              <a:buNone/>
-              <a:defRPr sz="2800">
+              <a:buSzPts val="3000"/>
+              <a:buFont typeface="Oswald"/>
+              <a:buNone/>
+              <a:defRPr sz="3000">
                 <a:solidFill>
                   <a:schemeClr val="dk1"/>
                 </a:solidFill>
+                <a:latin typeface="Oswald"/>
+                <a:ea typeface="Oswald"/>
+                <a:cs typeface="Oswald"/>
+                <a:sym typeface="Oswald"/>
               </a:defRPr>
             </a:lvl2pPr>
             <a:lvl3pPr lvl="2">
@@ -4269,12 +6040,17 @@
               <a:buClr>
                 <a:schemeClr val="dk1"/>
               </a:buClr>
-              <a:buSzPts val="2800"/>
-              <a:buNone/>
-              <a:defRPr sz="2800">
+              <a:buSzPts val="3000"/>
+              <a:buFont typeface="Oswald"/>
+              <a:buNone/>
+              <a:defRPr sz="3000">
                 <a:solidFill>
                   <a:schemeClr val="dk1"/>
                 </a:solidFill>
+                <a:latin typeface="Oswald"/>
+                <a:ea typeface="Oswald"/>
+                <a:cs typeface="Oswald"/>
+                <a:sym typeface="Oswald"/>
               </a:defRPr>
             </a:lvl3pPr>
             <a:lvl4pPr lvl="3">
@@ -4287,12 +6063,17 @@
               <a:buClr>
                 <a:schemeClr val="dk1"/>
               </a:buClr>
-              <a:buSzPts val="2800"/>
-              <a:buNone/>
-              <a:defRPr sz="2800">
+              <a:buSzPts val="3000"/>
+              <a:buFont typeface="Oswald"/>
+              <a:buNone/>
+              <a:defRPr sz="3000">
                 <a:solidFill>
                   <a:schemeClr val="dk1"/>
                 </a:solidFill>
+                <a:latin typeface="Oswald"/>
+                <a:ea typeface="Oswald"/>
+                <a:cs typeface="Oswald"/>
+                <a:sym typeface="Oswald"/>
               </a:defRPr>
             </a:lvl4pPr>
             <a:lvl5pPr lvl="4">
@@ -4305,12 +6086,17 @@
               <a:buClr>
                 <a:schemeClr val="dk1"/>
               </a:buClr>
-              <a:buSzPts val="2800"/>
-              <a:buNone/>
-              <a:defRPr sz="2800">
+              <a:buSzPts val="3000"/>
+              <a:buFont typeface="Oswald"/>
+              <a:buNone/>
+              <a:defRPr sz="3000">
                 <a:solidFill>
                   <a:schemeClr val="dk1"/>
                 </a:solidFill>
+                <a:latin typeface="Oswald"/>
+                <a:ea typeface="Oswald"/>
+                <a:cs typeface="Oswald"/>
+                <a:sym typeface="Oswald"/>
               </a:defRPr>
             </a:lvl5pPr>
             <a:lvl6pPr lvl="5">
@@ -4323,12 +6109,17 @@
               <a:buClr>
                 <a:schemeClr val="dk1"/>
               </a:buClr>
-              <a:buSzPts val="2800"/>
-              <a:buNone/>
-              <a:defRPr sz="2800">
+              <a:buSzPts val="3000"/>
+              <a:buFont typeface="Oswald"/>
+              <a:buNone/>
+              <a:defRPr sz="3000">
                 <a:solidFill>
                   <a:schemeClr val="dk1"/>
                 </a:solidFill>
+                <a:latin typeface="Oswald"/>
+                <a:ea typeface="Oswald"/>
+                <a:cs typeface="Oswald"/>
+                <a:sym typeface="Oswald"/>
               </a:defRPr>
             </a:lvl6pPr>
             <a:lvl7pPr lvl="6">
@@ -4341,12 +6132,17 @@
               <a:buClr>
                 <a:schemeClr val="dk1"/>
               </a:buClr>
-              <a:buSzPts val="2800"/>
-              <a:buNone/>
-              <a:defRPr sz="2800">
+              <a:buSzPts val="3000"/>
+              <a:buFont typeface="Oswald"/>
+              <a:buNone/>
+              <a:defRPr sz="3000">
                 <a:solidFill>
                   <a:schemeClr val="dk1"/>
                 </a:solidFill>
+                <a:latin typeface="Oswald"/>
+                <a:ea typeface="Oswald"/>
+                <a:cs typeface="Oswald"/>
+                <a:sym typeface="Oswald"/>
               </a:defRPr>
             </a:lvl7pPr>
             <a:lvl8pPr lvl="7">
@@ -4359,12 +6155,17 @@
               <a:buClr>
                 <a:schemeClr val="dk1"/>
               </a:buClr>
-              <a:buSzPts val="2800"/>
-              <a:buNone/>
-              <a:defRPr sz="2800">
+              <a:buSzPts val="3000"/>
+              <a:buFont typeface="Oswald"/>
+              <a:buNone/>
+              <a:defRPr sz="3000">
                 <a:solidFill>
                   <a:schemeClr val="dk1"/>
                 </a:solidFill>
+                <a:latin typeface="Oswald"/>
+                <a:ea typeface="Oswald"/>
+                <a:cs typeface="Oswald"/>
+                <a:sym typeface="Oswald"/>
               </a:defRPr>
             </a:lvl8pPr>
             <a:lvl9pPr lvl="8">
@@ -4377,12 +6178,17 @@
               <a:buClr>
                 <a:schemeClr val="dk1"/>
               </a:buClr>
-              <a:buSzPts val="2800"/>
-              <a:buNone/>
-              <a:defRPr sz="2800">
+              <a:buSzPts val="3000"/>
+              <a:buFont typeface="Oswald"/>
+              <a:buNone/>
+              <a:defRPr sz="3000">
                 <a:solidFill>
                   <a:schemeClr val="dk1"/>
                 </a:solidFill>
+                <a:latin typeface="Oswald"/>
+                <a:ea typeface="Oswald"/>
+                <a:cs typeface="Oswald"/>
+                <a:sym typeface="Oswald"/>
               </a:defRPr>
             </a:lvl9pPr>
           </a:lstStyle>
@@ -4426,14 +6232,19 @@
                 <a:spcPts val="0"/>
               </a:spcAft>
               <a:buClr>
-                <a:schemeClr val="dk2"/>
+                <a:schemeClr val="accent3"/>
               </a:buClr>
               <a:buSzPts val="1800"/>
+              <a:buFont typeface="Average"/>
               <a:buChar char="●"/>
               <a:defRPr sz="1800">
                 <a:solidFill>
-                  <a:schemeClr val="dk2"/>
+                  <a:schemeClr val="accent3"/>
                 </a:solidFill>
+                <a:latin typeface="Average"/>
+                <a:ea typeface="Average"/>
+                <a:cs typeface="Average"/>
+                <a:sym typeface="Average"/>
               </a:defRPr>
             </a:lvl1pPr>
             <a:lvl2pPr indent="-317500" lvl="1" marL="914400">
@@ -4447,14 +6258,19 @@
                 <a:spcPts val="0"/>
               </a:spcAft>
               <a:buClr>
-                <a:schemeClr val="dk2"/>
+                <a:schemeClr val="accent3"/>
               </a:buClr>
               <a:buSzPts val="1400"/>
+              <a:buFont typeface="Average"/>
               <a:buChar char="○"/>
               <a:defRPr>
                 <a:solidFill>
-                  <a:schemeClr val="dk2"/>
+                  <a:schemeClr val="accent3"/>
                 </a:solidFill>
+                <a:latin typeface="Average"/>
+                <a:ea typeface="Average"/>
+                <a:cs typeface="Average"/>
+                <a:sym typeface="Average"/>
               </a:defRPr>
             </a:lvl2pPr>
             <a:lvl3pPr indent="-317500" lvl="2" marL="1371600">
@@ -4468,14 +6284,19 @@
                 <a:spcPts val="0"/>
               </a:spcAft>
               <a:buClr>
-                <a:schemeClr val="dk2"/>
+                <a:schemeClr val="accent3"/>
               </a:buClr>
               <a:buSzPts val="1400"/>
+              <a:buFont typeface="Average"/>
               <a:buChar char="■"/>
               <a:defRPr>
                 <a:solidFill>
-                  <a:schemeClr val="dk2"/>
+                  <a:schemeClr val="accent3"/>
                 </a:solidFill>
+                <a:latin typeface="Average"/>
+                <a:ea typeface="Average"/>
+                <a:cs typeface="Average"/>
+                <a:sym typeface="Average"/>
               </a:defRPr>
             </a:lvl3pPr>
             <a:lvl4pPr indent="-317500" lvl="3" marL="1828800">
@@ -4489,14 +6310,19 @@
                 <a:spcPts val="0"/>
               </a:spcAft>
               <a:buClr>
-                <a:schemeClr val="dk2"/>
+                <a:schemeClr val="accent3"/>
               </a:buClr>
               <a:buSzPts val="1400"/>
+              <a:buFont typeface="Average"/>
               <a:buChar char="●"/>
               <a:defRPr>
                 <a:solidFill>
-                  <a:schemeClr val="dk2"/>
+                  <a:schemeClr val="accent3"/>
                 </a:solidFill>
+                <a:latin typeface="Average"/>
+                <a:ea typeface="Average"/>
+                <a:cs typeface="Average"/>
+                <a:sym typeface="Average"/>
               </a:defRPr>
             </a:lvl4pPr>
             <a:lvl5pPr indent="-317500" lvl="4" marL="2286000">
@@ -4510,14 +6336,19 @@
                 <a:spcPts val="0"/>
               </a:spcAft>
               <a:buClr>
-                <a:schemeClr val="dk2"/>
+                <a:schemeClr val="accent3"/>
               </a:buClr>
               <a:buSzPts val="1400"/>
+              <a:buFont typeface="Average"/>
               <a:buChar char="○"/>
               <a:defRPr>
                 <a:solidFill>
-                  <a:schemeClr val="dk2"/>
+                  <a:schemeClr val="accent3"/>
                 </a:solidFill>
+                <a:latin typeface="Average"/>
+                <a:ea typeface="Average"/>
+                <a:cs typeface="Average"/>
+                <a:sym typeface="Average"/>
               </a:defRPr>
             </a:lvl5pPr>
             <a:lvl6pPr indent="-317500" lvl="5" marL="2743200">
@@ -4531,14 +6362,19 @@
                 <a:spcPts val="0"/>
               </a:spcAft>
               <a:buClr>
-                <a:schemeClr val="dk2"/>
+                <a:schemeClr val="accent3"/>
               </a:buClr>
               <a:buSzPts val="1400"/>
+              <a:buFont typeface="Average"/>
               <a:buChar char="■"/>
               <a:defRPr>
                 <a:solidFill>
-                  <a:schemeClr val="dk2"/>
+                  <a:schemeClr val="accent3"/>
                 </a:solidFill>
+                <a:latin typeface="Average"/>
+                <a:ea typeface="Average"/>
+                <a:cs typeface="Average"/>
+                <a:sym typeface="Average"/>
               </a:defRPr>
             </a:lvl6pPr>
             <a:lvl7pPr indent="-317500" lvl="6" marL="3200400">
@@ -4552,14 +6388,19 @@
                 <a:spcPts val="0"/>
               </a:spcAft>
               <a:buClr>
-                <a:schemeClr val="dk2"/>
+                <a:schemeClr val="accent3"/>
               </a:buClr>
               <a:buSzPts val="1400"/>
+              <a:buFont typeface="Average"/>
               <a:buChar char="●"/>
               <a:defRPr>
                 <a:solidFill>
-                  <a:schemeClr val="dk2"/>
+                  <a:schemeClr val="accent3"/>
                 </a:solidFill>
+                <a:latin typeface="Average"/>
+                <a:ea typeface="Average"/>
+                <a:cs typeface="Average"/>
+                <a:sym typeface="Average"/>
               </a:defRPr>
             </a:lvl7pPr>
             <a:lvl8pPr indent="-317500" lvl="7" marL="3657600">
@@ -4573,14 +6414,19 @@
                 <a:spcPts val="0"/>
               </a:spcAft>
               <a:buClr>
-                <a:schemeClr val="dk2"/>
+                <a:schemeClr val="accent3"/>
               </a:buClr>
               <a:buSzPts val="1400"/>
+              <a:buFont typeface="Average"/>
               <a:buChar char="○"/>
               <a:defRPr>
                 <a:solidFill>
-                  <a:schemeClr val="dk2"/>
+                  <a:schemeClr val="accent3"/>
                 </a:solidFill>
+                <a:latin typeface="Average"/>
+                <a:ea typeface="Average"/>
+                <a:cs typeface="Average"/>
+                <a:sym typeface="Average"/>
               </a:defRPr>
             </a:lvl8pPr>
             <a:lvl9pPr indent="-317500" lvl="8" marL="4114800">
@@ -4594,14 +6440,19 @@
                 <a:spcPts val="0"/>
               </a:spcAft>
               <a:buClr>
-                <a:schemeClr val="dk2"/>
+                <a:schemeClr val="accent3"/>
               </a:buClr>
               <a:buSzPts val="1400"/>
+              <a:buFont typeface="Average"/>
               <a:buChar char="■"/>
               <a:defRPr>
                 <a:solidFill>
-                  <a:schemeClr val="dk2"/>
+                  <a:schemeClr val="accent3"/>
                 </a:solidFill>
+                <a:latin typeface="Average"/>
+                <a:ea typeface="Average"/>
+                <a:cs typeface="Average"/>
+                <a:sym typeface="Average"/>
               </a:defRPr>
             </a:lvl9pPr>
           </a:lstStyle>
@@ -4618,7 +6469,7 @@
         </p:nvSpPr>
         <p:spPr>
           <a:xfrm>
-            <a:off x="8472458" y="4663217"/>
+            <a:off x="8490250" y="4681009"/>
             <a:ext cx="548700" cy="393600"/>
           </a:xfrm>
           <a:prstGeom prst="rect">
@@ -4638,72 +6489,108 @@
               <a:buNone/>
               <a:defRPr sz="1000">
                 <a:solidFill>
-                  <a:schemeClr val="dk2"/>
+                  <a:schemeClr val="accent3"/>
                 </a:solidFill>
+                <a:latin typeface="Average"/>
+                <a:ea typeface="Average"/>
+                <a:cs typeface="Average"/>
+                <a:sym typeface="Average"/>
               </a:defRPr>
             </a:lvl1pPr>
             <a:lvl2pPr lvl="1" algn="r">
               <a:buNone/>
               <a:defRPr sz="1000">
                 <a:solidFill>
-                  <a:schemeClr val="dk2"/>
+                  <a:schemeClr val="accent3"/>
                 </a:solidFill>
+                <a:latin typeface="Average"/>
+                <a:ea typeface="Average"/>
+                <a:cs typeface="Average"/>
+                <a:sym typeface="Average"/>
               </a:defRPr>
             </a:lvl2pPr>
             <a:lvl3pPr lvl="2" algn="r">
               <a:buNone/>
               <a:defRPr sz="1000">
                 <a:solidFill>
-                  <a:schemeClr val="dk2"/>
+                  <a:schemeClr val="accent3"/>
                 </a:solidFill>
+                <a:latin typeface="Average"/>
+                <a:ea typeface="Average"/>
+                <a:cs typeface="Average"/>
+                <a:sym typeface="Average"/>
               </a:defRPr>
             </a:lvl3pPr>
             <a:lvl4pPr lvl="3" algn="r">
               <a:buNone/>
               <a:defRPr sz="1000">
                 <a:solidFill>
-                  <a:schemeClr val="dk2"/>
+                  <a:schemeClr val="accent3"/>
                 </a:solidFill>
+                <a:latin typeface="Average"/>
+                <a:ea typeface="Average"/>
+                <a:cs typeface="Average"/>
+                <a:sym typeface="Average"/>
               </a:defRPr>
             </a:lvl4pPr>
             <a:lvl5pPr lvl="4" algn="r">
               <a:buNone/>
               <a:defRPr sz="1000">
                 <a:solidFill>
-                  <a:schemeClr val="dk2"/>
+                  <a:schemeClr val="accent3"/>
                 </a:solidFill>
+                <a:latin typeface="Average"/>
+                <a:ea typeface="Average"/>
+                <a:cs typeface="Average"/>
+                <a:sym typeface="Average"/>
               </a:defRPr>
             </a:lvl5pPr>
             <a:lvl6pPr lvl="5" algn="r">
               <a:buNone/>
               <a:defRPr sz="1000">
                 <a:solidFill>
-                  <a:schemeClr val="dk2"/>
+                  <a:schemeClr val="accent3"/>
                 </a:solidFill>
+                <a:latin typeface="Average"/>
+                <a:ea typeface="Average"/>
+                <a:cs typeface="Average"/>
+                <a:sym typeface="Average"/>
               </a:defRPr>
             </a:lvl6pPr>
             <a:lvl7pPr lvl="6" algn="r">
               <a:buNone/>
               <a:defRPr sz="1000">
                 <a:solidFill>
-                  <a:schemeClr val="dk2"/>
+                  <a:schemeClr val="accent3"/>
                 </a:solidFill>
+                <a:latin typeface="Average"/>
+                <a:ea typeface="Average"/>
+                <a:cs typeface="Average"/>
+                <a:sym typeface="Average"/>
               </a:defRPr>
             </a:lvl7pPr>
             <a:lvl8pPr lvl="7" algn="r">
               <a:buNone/>
               <a:defRPr sz="1000">
                 <a:solidFill>
-                  <a:schemeClr val="dk2"/>
+                  <a:schemeClr val="accent3"/>
                 </a:solidFill>
+                <a:latin typeface="Average"/>
+                <a:ea typeface="Average"/>
+                <a:cs typeface="Average"/>
+                <a:sym typeface="Average"/>
               </a:defRPr>
             </a:lvl8pPr>
             <a:lvl9pPr lvl="8" algn="r">
               <a:buNone/>
               <a:defRPr sz="1000">
                 <a:solidFill>
-                  <a:schemeClr val="dk2"/>
+                  <a:schemeClr val="accent3"/>
                 </a:solidFill>
+                <a:latin typeface="Average"/>
+                <a:ea typeface="Average"/>
+                <a:cs typeface="Average"/>
+                <a:sym typeface="Average"/>
               </a:defRPr>
             </a:lvl9pPr>
           </a:lstStyle>
@@ -5439,7 +7326,7 @@
   <p:cSld>
     <p:spTree>
       <p:nvGrpSpPr>
-        <p:cNvPr id="53" name="Shape 53"/>
+        <p:cNvPr id="58" name="Shape 58"/>
         <p:cNvGrpSpPr/>
         <p:nvPr/>
       </p:nvGrpSpPr>
@@ -5453,7 +7340,7 @@
       </p:grpSpPr>
       <p:sp>
         <p:nvSpPr>
-          <p:cNvPr id="54" name="Google Shape;54;p13"/>
+          <p:cNvPr id="59" name="Google Shape;59;p13"/>
           <p:cNvSpPr txBox="1"/>
           <p:nvPr>
             <p:ph type="ctrTitle"/>
@@ -5461,8 +7348,8 @@
         </p:nvSpPr>
         <p:spPr>
           <a:xfrm>
-            <a:off x="311708" y="744575"/>
-            <a:ext cx="8520600" cy="2052600"/>
+            <a:off x="671258" y="990800"/>
+            <a:ext cx="7801500" cy="1730100"/>
           </a:xfrm>
           <a:prstGeom prst="rect">
             <a:avLst/>
@@ -5470,7 +7357,7 @@
         </p:spPr>
         <p:txBody>
           <a:bodyPr anchorCtr="0" anchor="b" bIns="91425" lIns="91425" spcFirstLastPara="1" rIns="91425" wrap="square" tIns="91425">
-            <a:normAutofit/>
+            <a:noAutofit/>
           </a:bodyPr>
           <a:lstStyle/>
           <a:p>
@@ -5481,18 +7368,36 @@
               <a:spcAft>
                 <a:spcPts val="0"/>
               </a:spcAft>
+              <a:buSzPts val="990"/>
               <a:buNone/>
             </a:pPr>
             <a:r>
-              <a:t/>
-            </a:r>
-            <a:endParaRPr/>
+              <a:rPr b="1" lang="en" sz="3920"/>
+              <a:t>Topic Identification and FinBERT </a:t>
+            </a:r>
+            <a:r>
+              <a:rPr lang="en" sz="2720"/>
+              <a:t>Developing Sentiment-Based Predictors from the Beige Books to Supplement US 10-Year Treasury Yield Prediction</a:t>
+            </a:r>
+            <a:r>
+              <a:rPr b="1" lang="en" sz="680">
+                <a:solidFill>
+                  <a:srgbClr val="000000"/>
+                </a:solidFill>
+                <a:latin typeface="Arial"/>
+                <a:ea typeface="Arial"/>
+                <a:cs typeface="Arial"/>
+                <a:sym typeface="Arial"/>
+              </a:rPr>
+              <a:t> </a:t>
+            </a:r>
+            <a:endParaRPr sz="3920"/>
           </a:p>
         </p:txBody>
       </p:sp>
       <p:sp>
         <p:nvSpPr>
-          <p:cNvPr id="55" name="Google Shape;55;p13"/>
+          <p:cNvPr id="60" name="Google Shape;60;p13"/>
           <p:cNvSpPr txBox="1"/>
           <p:nvPr>
             <p:ph idx="1" type="subTitle"/>
@@ -5500,8 +7405,1081 @@
         </p:nvSpPr>
         <p:spPr>
           <a:xfrm>
-            <a:off x="311700" y="2834125"/>
-            <a:ext cx="8520600" cy="792600"/>
+            <a:off x="671250" y="3174876"/>
+            <a:ext cx="7801500" cy="792600"/>
+          </a:xfrm>
+          <a:prstGeom prst="rect">
+            <a:avLst/>
+          </a:prstGeom>
+        </p:spPr>
+        <p:txBody>
+          <a:bodyPr anchorCtr="0" anchor="t" bIns="91425" lIns="91425" spcFirstLastPara="1" rIns="91425" wrap="square" tIns="91425">
+            <a:normAutofit fontScale="77500" lnSpcReduction="20000"/>
+          </a:bodyPr>
+          <a:lstStyle/>
+          <a:p>
+            <a:pPr indent="0" lvl="0" marL="0" rtl="0" algn="ctr">
+              <a:spcBef>
+                <a:spcPts val="0"/>
+              </a:spcBef>
+              <a:spcAft>
+                <a:spcPts val="0"/>
+              </a:spcAft>
+              <a:buNone/>
+            </a:pPr>
+            <a:r>
+              <a:rPr lang="en"/>
+              <a:t>Kathryn Painter</a:t>
+            </a:r>
+            <a:endParaRPr/>
+          </a:p>
+          <a:p>
+            <a:pPr indent="0" lvl="0" marL="0" rtl="0" algn="ctr">
+              <a:spcBef>
+                <a:spcPts val="0"/>
+              </a:spcBef>
+              <a:spcAft>
+                <a:spcPts val="0"/>
+              </a:spcAft>
+              <a:buNone/>
+            </a:pPr>
+            <a:r>
+              <a:rPr lang="en"/>
+              <a:t>UC Berkeley MIDS</a:t>
+            </a:r>
+            <a:r>
+              <a:rPr lang="en"/>
+              <a:t> </a:t>
+            </a:r>
+            <a:endParaRPr/>
+          </a:p>
+          <a:p>
+            <a:pPr indent="0" lvl="0" marL="0" rtl="0" algn="ctr">
+              <a:spcBef>
+                <a:spcPts val="0"/>
+              </a:spcBef>
+              <a:spcAft>
+                <a:spcPts val="0"/>
+              </a:spcAft>
+              <a:buNone/>
+            </a:pPr>
+            <a:r>
+              <a:rPr lang="en"/>
+              <a:t>December 2024 </a:t>
+            </a:r>
+            <a:endParaRPr/>
+          </a:p>
+        </p:txBody>
+      </p:sp>
+    </p:spTree>
+  </p:cSld>
+  <p:clrMapOvr>
+    <a:masterClrMapping/>
+  </p:clrMapOvr>
+</p:sld>
+</file>
+
+<file path=ppt/slides/slide10.xml><?xml version="1.0" encoding="utf-8"?>
+<p:sld xmlns:a="http://schemas.openxmlformats.org/drawingml/2006/main" xmlns:r="http://schemas.openxmlformats.org/officeDocument/2006/relationships" xmlns:mc="http://schemas.openxmlformats.org/markup-compatibility/2006" xmlns:mv="urn:schemas-microsoft-com:mac:vml" xmlns:p="http://schemas.openxmlformats.org/presentationml/2006/main" xmlns:c="http://schemas.openxmlformats.org/drawingml/2006/chart" xmlns:dgm="http://schemas.openxmlformats.org/drawingml/2006/diagram" xmlns:o="urn:schemas-microsoft-com:office:office" xmlns:v="urn:schemas-microsoft-com:vml" xmlns:pvml="urn:schemas-microsoft-com:office:powerpoint" xmlns:com="http://schemas.openxmlformats.org/drawingml/2006/compatibility" xmlns:p14="http://schemas.microsoft.com/office/powerpoint/2010/main" xmlns:p15="http://schemas.microsoft.com/office/powerpoint/2012/main" xmlns:ahyp="http://schemas.microsoft.com/office/drawing/2018/hyperlinkcolor">
+  <p:cSld>
+    <p:spTree>
+      <p:nvGrpSpPr>
+        <p:cNvPr id="117" name="Shape 117"/>
+        <p:cNvGrpSpPr/>
+        <p:nvPr/>
+      </p:nvGrpSpPr>
+      <p:grpSpPr>
+        <a:xfrm>
+          <a:off x="0" y="0"/>
+          <a:ext cx="0" cy="0"/>
+          <a:chOff x="0" y="0"/>
+          <a:chExt cx="0" cy="0"/>
+        </a:xfrm>
+      </p:grpSpPr>
+      <p:sp>
+        <p:nvSpPr>
+          <p:cNvPr id="118" name="Google Shape;118;p22"/>
+          <p:cNvSpPr txBox="1"/>
+          <p:nvPr>
+            <p:ph type="title"/>
+          </p:nvPr>
+        </p:nvSpPr>
+        <p:spPr>
+          <a:xfrm>
+            <a:off x="311700" y="216425"/>
+            <a:ext cx="8520600" cy="572700"/>
+          </a:xfrm>
+          <a:prstGeom prst="rect">
+            <a:avLst/>
+          </a:prstGeom>
+        </p:spPr>
+        <p:txBody>
+          <a:bodyPr anchorCtr="0" anchor="t" bIns="91425" lIns="91425" spcFirstLastPara="1" rIns="91425" wrap="square" tIns="91425">
+            <a:normAutofit fontScale="90000"/>
+          </a:bodyPr>
+          <a:lstStyle/>
+          <a:p>
+            <a:pPr indent="0" lvl="0" marL="0" rtl="0" algn="l">
+              <a:spcBef>
+                <a:spcPts val="0"/>
+              </a:spcBef>
+              <a:spcAft>
+                <a:spcPts val="0"/>
+              </a:spcAft>
+              <a:buNone/>
+            </a:pPr>
+            <a:r>
+              <a:rPr b="1" lang="en" sz="2777"/>
+              <a:t>Topic Identification</a:t>
+            </a:r>
+            <a:endParaRPr/>
+          </a:p>
+          <a:p>
+            <a:pPr indent="0" lvl="0" marL="0" rtl="0" algn="l">
+              <a:spcBef>
+                <a:spcPts val="0"/>
+              </a:spcBef>
+              <a:spcAft>
+                <a:spcPts val="0"/>
+              </a:spcAft>
+              <a:buNone/>
+            </a:pPr>
+            <a:r>
+              <a:rPr i="1" lang="en" sz="2222"/>
+              <a:t>Results</a:t>
+            </a:r>
+            <a:endParaRPr i="1" sz="2222"/>
+          </a:p>
+        </p:txBody>
+      </p:sp>
+      <p:pic>
+        <p:nvPicPr>
+          <p:cNvPr id="119" name="Google Shape;119;p22"/>
+          <p:cNvPicPr preferRelativeResize="0"/>
+          <p:nvPr/>
+        </p:nvPicPr>
+        <p:blipFill rotWithShape="1">
+          <a:blip r:embed="rId3">
+            <a:alphaModFix/>
+          </a:blip>
+          <a:srcRect b="3873" l="0" r="3053" t="0"/>
+          <a:stretch/>
+        </p:blipFill>
+        <p:spPr>
+          <a:xfrm>
+            <a:off x="311700" y="1074400"/>
+            <a:ext cx="3732399" cy="3636650"/>
+          </a:xfrm>
+          <a:prstGeom prst="rect">
+            <a:avLst/>
+          </a:prstGeom>
+          <a:noFill/>
+          <a:ln>
+            <a:noFill/>
+          </a:ln>
+        </p:spPr>
+      </p:pic>
+      <p:pic>
+        <p:nvPicPr>
+          <p:cNvPr id="120" name="Google Shape;120;p22"/>
+          <p:cNvPicPr preferRelativeResize="0"/>
+          <p:nvPr/>
+        </p:nvPicPr>
+        <p:blipFill>
+          <a:blip r:embed="rId4">
+            <a:alphaModFix/>
+          </a:blip>
+          <a:stretch>
+            <a:fillRect/>
+          </a:stretch>
+        </p:blipFill>
+        <p:spPr>
+          <a:xfrm>
+            <a:off x="4806025" y="167000"/>
+            <a:ext cx="3641797" cy="4544051"/>
+          </a:xfrm>
+          <a:prstGeom prst="rect">
+            <a:avLst/>
+          </a:prstGeom>
+          <a:noFill/>
+          <a:ln>
+            <a:noFill/>
+          </a:ln>
+        </p:spPr>
+      </p:pic>
+      <p:sp>
+        <p:nvSpPr>
+          <p:cNvPr id="121" name="Google Shape;121;p22"/>
+          <p:cNvSpPr txBox="1"/>
+          <p:nvPr/>
+        </p:nvSpPr>
+        <p:spPr>
+          <a:xfrm>
+            <a:off x="-49650" y="4711050"/>
+            <a:ext cx="9243300" cy="415500"/>
+          </a:xfrm>
+          <a:prstGeom prst="rect">
+            <a:avLst/>
+          </a:prstGeom>
+          <a:noFill/>
+          <a:ln>
+            <a:noFill/>
+          </a:ln>
+        </p:spPr>
+        <p:txBody>
+          <a:bodyPr anchorCtr="0" anchor="t" bIns="91425" lIns="91425" spcFirstLastPara="1" rIns="91425" wrap="square" tIns="91425">
+            <a:spAutoFit/>
+          </a:bodyPr>
+          <a:lstStyle/>
+          <a:p>
+            <a:pPr indent="0" lvl="0" marL="0" rtl="0" algn="ctr">
+              <a:lnSpc>
+                <a:spcPct val="115000"/>
+              </a:lnSpc>
+              <a:spcBef>
+                <a:spcPts val="0"/>
+              </a:spcBef>
+              <a:spcAft>
+                <a:spcPts val="0"/>
+              </a:spcAft>
+              <a:buNone/>
+            </a:pPr>
+            <a:r>
+              <a:rPr lang="en" sz="1500">
+                <a:solidFill>
+                  <a:schemeClr val="accent3"/>
+                </a:solidFill>
+                <a:latin typeface="Average"/>
+                <a:ea typeface="Average"/>
+                <a:cs typeface="Average"/>
+                <a:sym typeface="Average"/>
+              </a:rPr>
+              <a:t>Topics: </a:t>
+            </a:r>
+            <a:r>
+              <a:rPr lang="en" sz="1500">
+                <a:solidFill>
+                  <a:schemeClr val="accent3"/>
+                </a:solidFill>
+                <a:latin typeface="Average"/>
+                <a:ea typeface="Average"/>
+                <a:cs typeface="Average"/>
+                <a:sym typeface="Average"/>
+              </a:rPr>
+              <a:t>mortgages, consumer goods, wages, credit, agriculture, capital, </a:t>
+            </a:r>
+            <a:r>
+              <a:rPr b="1" lang="en" sz="1500">
+                <a:solidFill>
+                  <a:schemeClr val="accent3"/>
+                </a:solidFill>
+                <a:latin typeface="Average"/>
+                <a:ea typeface="Average"/>
+                <a:cs typeface="Average"/>
+                <a:sym typeface="Average"/>
+              </a:rPr>
+              <a:t>energy</a:t>
+            </a:r>
+            <a:r>
+              <a:rPr lang="en" sz="1500">
+                <a:solidFill>
+                  <a:schemeClr val="accent3"/>
+                </a:solidFill>
+                <a:latin typeface="Average"/>
+                <a:ea typeface="Average"/>
+                <a:cs typeface="Average"/>
+                <a:sym typeface="Average"/>
+              </a:rPr>
+              <a:t>, travel, services, and percent</a:t>
+            </a:r>
+            <a:endParaRPr sz="1500"/>
+          </a:p>
+        </p:txBody>
+      </p:sp>
+    </p:spTree>
+  </p:cSld>
+  <p:clrMapOvr>
+    <a:masterClrMapping/>
+  </p:clrMapOvr>
+</p:sld>
+</file>
+
+<file path=ppt/slides/slide11.xml><?xml version="1.0" encoding="utf-8"?>
+<p:sld xmlns:a="http://schemas.openxmlformats.org/drawingml/2006/main" xmlns:r="http://schemas.openxmlformats.org/officeDocument/2006/relationships" xmlns:mc="http://schemas.openxmlformats.org/markup-compatibility/2006" xmlns:mv="urn:schemas-microsoft-com:mac:vml" xmlns:p="http://schemas.openxmlformats.org/presentationml/2006/main" xmlns:c="http://schemas.openxmlformats.org/drawingml/2006/chart" xmlns:dgm="http://schemas.openxmlformats.org/drawingml/2006/diagram" xmlns:o="urn:schemas-microsoft-com:office:office" xmlns:v="urn:schemas-microsoft-com:vml" xmlns:pvml="urn:schemas-microsoft-com:office:powerpoint" xmlns:com="http://schemas.openxmlformats.org/drawingml/2006/compatibility" xmlns:p14="http://schemas.microsoft.com/office/powerpoint/2010/main" xmlns:p15="http://schemas.microsoft.com/office/powerpoint/2012/main" xmlns:ahyp="http://schemas.microsoft.com/office/drawing/2018/hyperlinkcolor">
+  <p:cSld>
+    <p:spTree>
+      <p:nvGrpSpPr>
+        <p:cNvPr id="125" name="Shape 125"/>
+        <p:cNvGrpSpPr/>
+        <p:nvPr/>
+      </p:nvGrpSpPr>
+      <p:grpSpPr>
+        <a:xfrm>
+          <a:off x="0" y="0"/>
+          <a:ext cx="0" cy="0"/>
+          <a:chOff x="0" y="0"/>
+          <a:chExt cx="0" cy="0"/>
+        </a:xfrm>
+      </p:grpSpPr>
+      <p:sp>
+        <p:nvSpPr>
+          <p:cNvPr id="126" name="Google Shape;126;p23"/>
+          <p:cNvSpPr txBox="1"/>
+          <p:nvPr>
+            <p:ph type="title"/>
+          </p:nvPr>
+        </p:nvSpPr>
+        <p:spPr>
+          <a:xfrm>
+            <a:off x="311700" y="292625"/>
+            <a:ext cx="8520600" cy="572700"/>
+          </a:xfrm>
+          <a:prstGeom prst="rect">
+            <a:avLst/>
+          </a:prstGeom>
+        </p:spPr>
+        <p:txBody>
+          <a:bodyPr anchorCtr="0" anchor="t" bIns="91425" lIns="91425" spcFirstLastPara="1" rIns="91425" wrap="square" tIns="91425">
+            <a:normAutofit fontScale="90000"/>
+          </a:bodyPr>
+          <a:lstStyle/>
+          <a:p>
+            <a:pPr indent="0" lvl="0" marL="0" rtl="0" algn="l">
+              <a:spcBef>
+                <a:spcPts val="0"/>
+              </a:spcBef>
+              <a:spcAft>
+                <a:spcPts val="0"/>
+              </a:spcAft>
+              <a:buNone/>
+            </a:pPr>
+            <a:r>
+              <a:rPr b="1" lang="en" sz="2777"/>
+              <a:t>Sentiment-Based Predictors</a:t>
+            </a:r>
+            <a:endParaRPr b="1" sz="2777"/>
+          </a:p>
+          <a:p>
+            <a:pPr indent="0" lvl="0" marL="0" rtl="0" algn="l">
+              <a:spcBef>
+                <a:spcPts val="0"/>
+              </a:spcBef>
+              <a:spcAft>
+                <a:spcPts val="0"/>
+              </a:spcAft>
+              <a:buNone/>
+            </a:pPr>
+            <a:r>
+              <a:rPr i="1" lang="en" sz="2222"/>
+              <a:t>FinBERT</a:t>
+            </a:r>
+            <a:endParaRPr i="1" sz="2222"/>
+          </a:p>
+        </p:txBody>
+      </p:sp>
+      <p:sp>
+        <p:nvSpPr>
+          <p:cNvPr id="127" name="Google Shape;127;p23"/>
+          <p:cNvSpPr txBox="1"/>
+          <p:nvPr>
+            <p:ph idx="1" type="body"/>
+          </p:nvPr>
+        </p:nvSpPr>
+        <p:spPr>
+          <a:xfrm>
+            <a:off x="311700" y="1154000"/>
+            <a:ext cx="8520600" cy="3415200"/>
+          </a:xfrm>
+          <a:prstGeom prst="rect">
+            <a:avLst/>
+          </a:prstGeom>
+        </p:spPr>
+        <p:txBody>
+          <a:bodyPr anchorCtr="0" anchor="t" bIns="91425" lIns="91425" spcFirstLastPara="1" rIns="91425" wrap="square" tIns="91425">
+            <a:normAutofit/>
+          </a:bodyPr>
+          <a:lstStyle/>
+          <a:p>
+            <a:pPr indent="-342900" lvl="0" marL="457200" rtl="0" algn="l">
+              <a:spcBef>
+                <a:spcPts val="0"/>
+              </a:spcBef>
+              <a:spcAft>
+                <a:spcPts val="0"/>
+              </a:spcAft>
+              <a:buSzPts val="1800"/>
+              <a:buChar char="➢"/>
+            </a:pPr>
+            <a:r>
+              <a:rPr lang="en"/>
+              <a:t>FinBERT “is</a:t>
+            </a:r>
+            <a:r>
+              <a:rPr lang="en"/>
+              <a:t> a pre-trained NLP model to analyze sentiment of financial text… built by further training the BERT language model in the finance domain, using a large financial corpus and thereby fine-tuning it for financial sentiment classification”</a:t>
+            </a:r>
+            <a:endParaRPr/>
+          </a:p>
+          <a:p>
+            <a:pPr indent="-342900" lvl="0" marL="457200" rtl="0" algn="l">
+              <a:spcBef>
+                <a:spcPts val="0"/>
+              </a:spcBef>
+              <a:spcAft>
+                <a:spcPts val="0"/>
+              </a:spcAft>
+              <a:buSzPts val="1800"/>
+              <a:buChar char="➢"/>
+            </a:pPr>
+            <a:r>
+              <a:rPr lang="en"/>
+              <a:t>Model pulled from HuggingFace, </a:t>
+            </a:r>
+            <a:r>
+              <a:rPr b="1" lang="en"/>
+              <a:t>no further fine-tuning performed  </a:t>
+            </a:r>
+            <a:endParaRPr b="1"/>
+          </a:p>
+          <a:p>
+            <a:pPr indent="-342900" lvl="0" marL="457200" rtl="0" algn="l">
+              <a:spcBef>
+                <a:spcPts val="0"/>
+              </a:spcBef>
+              <a:spcAft>
+                <a:spcPts val="0"/>
+              </a:spcAft>
+              <a:buSzPts val="1800"/>
+              <a:buChar char="➢"/>
+            </a:pPr>
+            <a:r>
+              <a:rPr b="1" lang="en"/>
+              <a:t>Each sentence was labeled and scored</a:t>
+            </a:r>
+            <a:r>
+              <a:rPr lang="en"/>
+              <a:t> using FinBERT </a:t>
+            </a:r>
+            <a:endParaRPr/>
+          </a:p>
+          <a:p>
+            <a:pPr indent="-342900" lvl="0" marL="457200" rtl="0" algn="l">
+              <a:spcBef>
+                <a:spcPts val="0"/>
+              </a:spcBef>
+              <a:spcAft>
+                <a:spcPts val="0"/>
+              </a:spcAft>
+              <a:buSzPts val="1800"/>
+              <a:buChar char="➢"/>
+            </a:pPr>
+            <a:r>
+              <a:rPr lang="en"/>
+              <a:t>Example</a:t>
+            </a:r>
+            <a:endParaRPr/>
+          </a:p>
+          <a:p>
+            <a:pPr indent="-317500" lvl="1" marL="914400" rtl="0" algn="l">
+              <a:spcBef>
+                <a:spcPts val="0"/>
+              </a:spcBef>
+              <a:spcAft>
+                <a:spcPts val="0"/>
+              </a:spcAft>
+              <a:buSzPts val="1400"/>
+              <a:buChar char="○"/>
+            </a:pPr>
+            <a:r>
+              <a:rPr lang="en"/>
+              <a:t>May 1970 San </a:t>
+            </a:r>
+            <a:r>
+              <a:rPr lang="en"/>
+              <a:t>Francisco</a:t>
+            </a:r>
+            <a:r>
+              <a:rPr lang="en"/>
+              <a:t> </a:t>
+            </a:r>
+            <a:endParaRPr/>
+          </a:p>
+          <a:p>
+            <a:pPr indent="-317500" lvl="1" marL="914400" rtl="0" algn="l">
+              <a:spcBef>
+                <a:spcPts val="0"/>
+              </a:spcBef>
+              <a:spcAft>
+                <a:spcPts val="0"/>
+              </a:spcAft>
+              <a:buSzPts val="1400"/>
+              <a:buChar char="○"/>
+            </a:pPr>
+            <a:r>
+              <a:rPr lang="en"/>
+              <a:t>Sentence: “Severe gasoline price wars are evident in many locations, aggravated by the introduction of new types of gasoline.”</a:t>
+            </a:r>
+            <a:endParaRPr/>
+          </a:p>
+          <a:p>
+            <a:pPr indent="-317500" lvl="1" marL="914400" rtl="0" algn="l">
+              <a:spcBef>
+                <a:spcPts val="0"/>
+              </a:spcBef>
+              <a:spcAft>
+                <a:spcPts val="0"/>
+              </a:spcAft>
+              <a:buSzPts val="1400"/>
+              <a:buChar char="○"/>
+            </a:pPr>
+            <a:r>
+              <a:rPr lang="en"/>
+              <a:t>Topic: Energy </a:t>
+            </a:r>
+            <a:endParaRPr/>
+          </a:p>
+          <a:p>
+            <a:pPr indent="-317500" lvl="1" marL="914400" rtl="0" algn="l">
+              <a:spcBef>
+                <a:spcPts val="0"/>
+              </a:spcBef>
+              <a:spcAft>
+                <a:spcPts val="0"/>
+              </a:spcAft>
+              <a:buSzPts val="1400"/>
+              <a:buChar char="○"/>
+            </a:pPr>
+            <a:r>
+              <a:rPr lang="en"/>
+              <a:t>Sentiment: Negative, 0.95</a:t>
+            </a:r>
+            <a:endParaRPr/>
+          </a:p>
+        </p:txBody>
+      </p:sp>
+    </p:spTree>
+  </p:cSld>
+  <p:clrMapOvr>
+    <a:masterClrMapping/>
+  </p:clrMapOvr>
+</p:sld>
+</file>
+
+<file path=ppt/slides/slide12.xml><?xml version="1.0" encoding="utf-8"?>
+<p:sld xmlns:a="http://schemas.openxmlformats.org/drawingml/2006/main" xmlns:r="http://schemas.openxmlformats.org/officeDocument/2006/relationships" xmlns:mc="http://schemas.openxmlformats.org/markup-compatibility/2006" xmlns:mv="urn:schemas-microsoft-com:mac:vml" xmlns:p="http://schemas.openxmlformats.org/presentationml/2006/main" xmlns:c="http://schemas.openxmlformats.org/drawingml/2006/chart" xmlns:dgm="http://schemas.openxmlformats.org/drawingml/2006/diagram" xmlns:o="urn:schemas-microsoft-com:office:office" xmlns:v="urn:schemas-microsoft-com:vml" xmlns:pvml="urn:schemas-microsoft-com:office:powerpoint" xmlns:com="http://schemas.openxmlformats.org/drawingml/2006/compatibility" xmlns:p14="http://schemas.microsoft.com/office/powerpoint/2010/main" xmlns:p15="http://schemas.microsoft.com/office/powerpoint/2012/main" xmlns:ahyp="http://schemas.microsoft.com/office/drawing/2018/hyperlinkcolor">
+  <p:cSld>
+    <p:spTree>
+      <p:nvGrpSpPr>
+        <p:cNvPr id="131" name="Shape 131"/>
+        <p:cNvGrpSpPr/>
+        <p:nvPr/>
+      </p:nvGrpSpPr>
+      <p:grpSpPr>
+        <a:xfrm>
+          <a:off x="0" y="0"/>
+          <a:ext cx="0" cy="0"/>
+          <a:chOff x="0" y="0"/>
+          <a:chExt cx="0" cy="0"/>
+        </a:xfrm>
+      </p:grpSpPr>
+      <p:sp>
+        <p:nvSpPr>
+          <p:cNvPr id="132" name="Google Shape;132;p24"/>
+          <p:cNvSpPr txBox="1"/>
+          <p:nvPr>
+            <p:ph type="title"/>
+          </p:nvPr>
+        </p:nvSpPr>
+        <p:spPr>
+          <a:xfrm>
+            <a:off x="311700" y="292625"/>
+            <a:ext cx="8520600" cy="572700"/>
+          </a:xfrm>
+          <a:prstGeom prst="rect">
+            <a:avLst/>
+          </a:prstGeom>
+        </p:spPr>
+        <p:txBody>
+          <a:bodyPr anchorCtr="0" anchor="t" bIns="91425" lIns="91425" spcFirstLastPara="1" rIns="91425" wrap="square" tIns="91425">
+            <a:normAutofit fontScale="90000"/>
+          </a:bodyPr>
+          <a:lstStyle/>
+          <a:p>
+            <a:pPr indent="0" lvl="0" marL="0" rtl="0" algn="l">
+              <a:spcBef>
+                <a:spcPts val="0"/>
+              </a:spcBef>
+              <a:spcAft>
+                <a:spcPts val="0"/>
+              </a:spcAft>
+              <a:buNone/>
+            </a:pPr>
+            <a:r>
+              <a:rPr b="1" lang="en" sz="2777"/>
+              <a:t>Sentiment-Based Predictors</a:t>
+            </a:r>
+            <a:endParaRPr b="1" sz="2777"/>
+          </a:p>
+          <a:p>
+            <a:pPr indent="0" lvl="0" marL="0" rtl="0" algn="l">
+              <a:spcBef>
+                <a:spcPts val="0"/>
+              </a:spcBef>
+              <a:spcAft>
+                <a:spcPts val="0"/>
+              </a:spcAft>
+              <a:buNone/>
+            </a:pPr>
+            <a:r>
+              <a:rPr i="1" lang="en" sz="2222"/>
+              <a:t>Results</a:t>
+            </a:r>
+            <a:endParaRPr i="1" sz="2222"/>
+          </a:p>
+        </p:txBody>
+      </p:sp>
+      <p:pic>
+        <p:nvPicPr>
+          <p:cNvPr id="133" name="Google Shape;133;p24"/>
+          <p:cNvPicPr preferRelativeResize="0"/>
+          <p:nvPr/>
+        </p:nvPicPr>
+        <p:blipFill>
+          <a:blip r:embed="rId3">
+            <a:alphaModFix/>
+          </a:blip>
+          <a:stretch>
+            <a:fillRect/>
+          </a:stretch>
+        </p:blipFill>
+        <p:spPr>
+          <a:xfrm>
+            <a:off x="797875" y="1149475"/>
+            <a:ext cx="7548250" cy="3814200"/>
+          </a:xfrm>
+          <a:prstGeom prst="rect">
+            <a:avLst/>
+          </a:prstGeom>
+          <a:noFill/>
+          <a:ln>
+            <a:noFill/>
+          </a:ln>
+        </p:spPr>
+      </p:pic>
+    </p:spTree>
+  </p:cSld>
+  <p:clrMapOvr>
+    <a:masterClrMapping/>
+  </p:clrMapOvr>
+</p:sld>
+</file>
+
+<file path=ppt/slides/slide13.xml><?xml version="1.0" encoding="utf-8"?>
+<p:sld xmlns:a="http://schemas.openxmlformats.org/drawingml/2006/main" xmlns:r="http://schemas.openxmlformats.org/officeDocument/2006/relationships" xmlns:mc="http://schemas.openxmlformats.org/markup-compatibility/2006" xmlns:mv="urn:schemas-microsoft-com:mac:vml" xmlns:p="http://schemas.openxmlformats.org/presentationml/2006/main" xmlns:c="http://schemas.openxmlformats.org/drawingml/2006/chart" xmlns:dgm="http://schemas.openxmlformats.org/drawingml/2006/diagram" xmlns:o="urn:schemas-microsoft-com:office:office" xmlns:v="urn:schemas-microsoft-com:vml" xmlns:pvml="urn:schemas-microsoft-com:office:powerpoint" xmlns:com="http://schemas.openxmlformats.org/drawingml/2006/compatibility" xmlns:p14="http://schemas.microsoft.com/office/powerpoint/2010/main" xmlns:p15="http://schemas.microsoft.com/office/powerpoint/2012/main" xmlns:ahyp="http://schemas.microsoft.com/office/drawing/2018/hyperlinkcolor">
+  <p:cSld>
+    <p:spTree>
+      <p:nvGrpSpPr>
+        <p:cNvPr id="137" name="Shape 137"/>
+        <p:cNvGrpSpPr/>
+        <p:nvPr/>
+      </p:nvGrpSpPr>
+      <p:grpSpPr>
+        <a:xfrm>
+          <a:off x="0" y="0"/>
+          <a:ext cx="0" cy="0"/>
+          <a:chOff x="0" y="0"/>
+          <a:chExt cx="0" cy="0"/>
+        </a:xfrm>
+      </p:grpSpPr>
+      <p:sp>
+        <p:nvSpPr>
+          <p:cNvPr id="138" name="Google Shape;138;p25"/>
+          <p:cNvSpPr txBox="1"/>
+          <p:nvPr>
+            <p:ph type="title"/>
+          </p:nvPr>
+        </p:nvSpPr>
+        <p:spPr>
+          <a:xfrm>
+            <a:off x="311700" y="292625"/>
+            <a:ext cx="8520600" cy="572700"/>
+          </a:xfrm>
+          <a:prstGeom prst="rect">
+            <a:avLst/>
+          </a:prstGeom>
+        </p:spPr>
+        <p:txBody>
+          <a:bodyPr anchorCtr="0" anchor="t" bIns="91425" lIns="91425" spcFirstLastPara="1" rIns="91425" wrap="square" tIns="91425">
+            <a:normAutofit fontScale="90000"/>
+          </a:bodyPr>
+          <a:lstStyle/>
+          <a:p>
+            <a:pPr indent="0" lvl="0" marL="0" rtl="0" algn="l">
+              <a:spcBef>
+                <a:spcPts val="0"/>
+              </a:spcBef>
+              <a:spcAft>
+                <a:spcPts val="0"/>
+              </a:spcAft>
+              <a:buNone/>
+            </a:pPr>
+            <a:r>
+              <a:rPr b="1" lang="en" sz="2777"/>
+              <a:t>Results</a:t>
+            </a:r>
+            <a:endParaRPr b="1" sz="2777"/>
+          </a:p>
+          <a:p>
+            <a:pPr indent="0" lvl="0" marL="0" rtl="0" algn="l">
+              <a:spcBef>
+                <a:spcPts val="0"/>
+              </a:spcBef>
+              <a:spcAft>
+                <a:spcPts val="0"/>
+              </a:spcAft>
+              <a:buNone/>
+            </a:pPr>
+            <a:r>
+              <a:rPr i="1" lang="en" sz="2222"/>
+              <a:t>XGBoost + Macroeconomic Indicators + Sentiments</a:t>
+            </a:r>
+            <a:endParaRPr i="1" sz="2222"/>
+          </a:p>
+        </p:txBody>
+      </p:sp>
+      <p:pic>
+        <p:nvPicPr>
+          <p:cNvPr id="139" name="Google Shape;139;p25"/>
+          <p:cNvPicPr preferRelativeResize="0"/>
+          <p:nvPr/>
+        </p:nvPicPr>
+        <p:blipFill>
+          <a:blip r:embed="rId3">
+            <a:alphaModFix/>
+          </a:blip>
+          <a:stretch>
+            <a:fillRect/>
+          </a:stretch>
+        </p:blipFill>
+        <p:spPr>
+          <a:xfrm>
+            <a:off x="5252900" y="102325"/>
+            <a:ext cx="3794175" cy="1198625"/>
+          </a:xfrm>
+          <a:prstGeom prst="rect">
+            <a:avLst/>
+          </a:prstGeom>
+          <a:noFill/>
+          <a:ln cap="flat" cmpd="sng" w="12700">
+            <a:solidFill>
+              <a:srgbClr val="000000"/>
+            </a:solidFill>
+            <a:prstDash val="solid"/>
+            <a:miter lim="8000"/>
+            <a:headEnd len="sm" w="sm" type="none"/>
+            <a:tailEnd len="sm" w="sm" type="none"/>
+          </a:ln>
+          <a:effectLst>
+            <a:outerShdw blurRad="57150" rotWithShape="0" algn="bl" dir="5400000" dist="19050">
+              <a:srgbClr val="000000">
+                <a:alpha val="50000"/>
+              </a:srgbClr>
+            </a:outerShdw>
+          </a:effectLst>
+        </p:spPr>
+      </p:pic>
+      <p:pic>
+        <p:nvPicPr>
+          <p:cNvPr id="140" name="Google Shape;140;p25"/>
+          <p:cNvPicPr preferRelativeResize="0"/>
+          <p:nvPr/>
+        </p:nvPicPr>
+        <p:blipFill>
+          <a:blip r:embed="rId4">
+            <a:alphaModFix/>
+          </a:blip>
+          <a:stretch>
+            <a:fillRect/>
+          </a:stretch>
+        </p:blipFill>
+        <p:spPr>
+          <a:xfrm>
+            <a:off x="1134225" y="1386550"/>
+            <a:ext cx="6875539" cy="3537750"/>
+          </a:xfrm>
+          <a:prstGeom prst="rect">
+            <a:avLst/>
+          </a:prstGeom>
+          <a:noFill/>
+          <a:ln>
+            <a:noFill/>
+          </a:ln>
+        </p:spPr>
+      </p:pic>
+    </p:spTree>
+  </p:cSld>
+  <p:clrMapOvr>
+    <a:masterClrMapping/>
+  </p:clrMapOvr>
+</p:sld>
+</file>
+
+<file path=ppt/slides/slide14.xml><?xml version="1.0" encoding="utf-8"?>
+<p:sld xmlns:a="http://schemas.openxmlformats.org/drawingml/2006/main" xmlns:r="http://schemas.openxmlformats.org/officeDocument/2006/relationships" xmlns:mc="http://schemas.openxmlformats.org/markup-compatibility/2006" xmlns:mv="urn:schemas-microsoft-com:mac:vml" xmlns:p="http://schemas.openxmlformats.org/presentationml/2006/main" xmlns:c="http://schemas.openxmlformats.org/drawingml/2006/chart" xmlns:dgm="http://schemas.openxmlformats.org/drawingml/2006/diagram" xmlns:o="urn:schemas-microsoft-com:office:office" xmlns:v="urn:schemas-microsoft-com:vml" xmlns:pvml="urn:schemas-microsoft-com:office:powerpoint" xmlns:com="http://schemas.openxmlformats.org/drawingml/2006/compatibility" xmlns:p14="http://schemas.microsoft.com/office/powerpoint/2010/main" xmlns:p15="http://schemas.microsoft.com/office/powerpoint/2012/main" xmlns:ahyp="http://schemas.microsoft.com/office/drawing/2018/hyperlinkcolor">
+  <p:cSld>
+    <p:spTree>
+      <p:nvGrpSpPr>
+        <p:cNvPr id="144" name="Shape 144"/>
+        <p:cNvGrpSpPr/>
+        <p:nvPr/>
+      </p:nvGrpSpPr>
+      <p:grpSpPr>
+        <a:xfrm>
+          <a:off x="0" y="0"/>
+          <a:ext cx="0" cy="0"/>
+          <a:chOff x="0" y="0"/>
+          <a:chExt cx="0" cy="0"/>
+        </a:xfrm>
+      </p:grpSpPr>
+      <p:sp>
+        <p:nvSpPr>
+          <p:cNvPr id="145" name="Google Shape;145;p26"/>
+          <p:cNvSpPr txBox="1"/>
+          <p:nvPr>
+            <p:ph type="title"/>
+          </p:nvPr>
+        </p:nvSpPr>
+        <p:spPr>
+          <a:xfrm>
+            <a:off x="311700" y="292625"/>
+            <a:ext cx="8520600" cy="572700"/>
+          </a:xfrm>
+          <a:prstGeom prst="rect">
+            <a:avLst/>
+          </a:prstGeom>
+        </p:spPr>
+        <p:txBody>
+          <a:bodyPr anchorCtr="0" anchor="t" bIns="91425" lIns="91425" spcFirstLastPara="1" rIns="91425" wrap="square" tIns="91425">
+            <a:normAutofit fontScale="90000"/>
+          </a:bodyPr>
+          <a:lstStyle/>
+          <a:p>
+            <a:pPr indent="0" lvl="0" marL="0" rtl="0" algn="l">
+              <a:spcBef>
+                <a:spcPts val="0"/>
+              </a:spcBef>
+              <a:spcAft>
+                <a:spcPts val="0"/>
+              </a:spcAft>
+              <a:buNone/>
+            </a:pPr>
+            <a:r>
+              <a:rPr b="1" lang="en" sz="2777"/>
+              <a:t>Conclusions &amp; Limitations</a:t>
+            </a:r>
+            <a:endParaRPr i="1" sz="2222"/>
+          </a:p>
+        </p:txBody>
+      </p:sp>
+      <p:sp>
+        <p:nvSpPr>
+          <p:cNvPr id="146" name="Google Shape;146;p26"/>
+          <p:cNvSpPr txBox="1"/>
+          <p:nvPr>
+            <p:ph idx="1" type="body"/>
+          </p:nvPr>
+        </p:nvSpPr>
+        <p:spPr>
+          <a:xfrm>
+            <a:off x="311700" y="1152475"/>
+            <a:ext cx="8520600" cy="3416400"/>
+          </a:xfrm>
+          <a:prstGeom prst="rect">
+            <a:avLst/>
+          </a:prstGeom>
+        </p:spPr>
+        <p:txBody>
+          <a:bodyPr anchorCtr="0" anchor="t" bIns="91425" lIns="91425" spcFirstLastPara="1" rIns="91425" wrap="square" tIns="91425">
+            <a:normAutofit/>
+          </a:bodyPr>
+          <a:lstStyle/>
+          <a:p>
+            <a:pPr indent="-342900" lvl="0" marL="457200" rtl="0" algn="l">
+              <a:spcBef>
+                <a:spcPts val="0"/>
+              </a:spcBef>
+              <a:spcAft>
+                <a:spcPts val="0"/>
+              </a:spcAft>
+              <a:buSzPts val="1800"/>
+              <a:buChar char="➢"/>
+            </a:pPr>
+            <a:r>
+              <a:rPr lang="en"/>
+              <a:t>No improvement over baseline, reinforces use and continued relevance of traditional econometric models </a:t>
+            </a:r>
+            <a:endParaRPr/>
+          </a:p>
+          <a:p>
+            <a:pPr indent="-342900" lvl="0" marL="457200" rtl="0" algn="l">
+              <a:spcBef>
+                <a:spcPts val="0"/>
+              </a:spcBef>
+              <a:spcAft>
+                <a:spcPts val="0"/>
+              </a:spcAft>
+              <a:buSzPts val="1800"/>
+              <a:buChar char="➢"/>
+            </a:pPr>
+            <a:r>
+              <a:rPr lang="en"/>
+              <a:t>Limitations to consider </a:t>
+            </a:r>
+            <a:endParaRPr/>
+          </a:p>
+          <a:p>
+            <a:pPr indent="-317500" lvl="1" marL="914400" rtl="0" algn="l">
+              <a:spcBef>
+                <a:spcPts val="0"/>
+              </a:spcBef>
+              <a:spcAft>
+                <a:spcPts val="0"/>
+              </a:spcAft>
+              <a:buSzPts val="1400"/>
+              <a:buChar char="○"/>
+            </a:pPr>
+            <a:r>
+              <a:rPr lang="en"/>
+              <a:t>FinBERT fine-tuned on Financial PhraseBank data set to interact with trading data not economic data </a:t>
+            </a:r>
+            <a:endParaRPr/>
+          </a:p>
+          <a:p>
+            <a:pPr indent="-317500" lvl="1" marL="914400" rtl="0" algn="l">
+              <a:spcBef>
+                <a:spcPts val="0"/>
+              </a:spcBef>
+              <a:spcAft>
+                <a:spcPts val="0"/>
+              </a:spcAft>
+              <a:buSzPts val="1400"/>
+              <a:buChar char="○"/>
+            </a:pPr>
+            <a:r>
+              <a:rPr lang="en"/>
+              <a:t>More thorough </a:t>
+            </a:r>
+            <a:r>
+              <a:rPr lang="en"/>
+              <a:t>review </a:t>
+            </a:r>
+            <a:r>
+              <a:rPr lang="en"/>
+              <a:t>of </a:t>
+            </a:r>
+            <a:r>
+              <a:rPr lang="en"/>
+              <a:t>errors present when assigning topics to sentences using LDA </a:t>
+            </a:r>
+            <a:endParaRPr/>
+          </a:p>
+          <a:p>
+            <a:pPr indent="-317500" lvl="1" marL="914400" rtl="0" algn="l">
+              <a:spcBef>
+                <a:spcPts val="0"/>
+              </a:spcBef>
+              <a:spcAft>
+                <a:spcPts val="0"/>
+              </a:spcAft>
+              <a:buSzPts val="1400"/>
+              <a:buChar char="○"/>
+            </a:pPr>
+            <a:r>
+              <a:rPr lang="en"/>
+              <a:t>Feature selection to assess which sentiment-based predictors are most relevant in predicting 10-year yields </a:t>
+            </a:r>
+            <a:endParaRPr/>
+          </a:p>
+        </p:txBody>
+      </p:sp>
+    </p:spTree>
+  </p:cSld>
+  <p:clrMapOvr>
+    <a:masterClrMapping/>
+  </p:clrMapOvr>
+</p:sld>
+</file>
+
+<file path=ppt/slides/slide2.xml><?xml version="1.0" encoding="utf-8"?>
+<p:sld xmlns:a="http://schemas.openxmlformats.org/drawingml/2006/main" xmlns:r="http://schemas.openxmlformats.org/officeDocument/2006/relationships" xmlns:mc="http://schemas.openxmlformats.org/markup-compatibility/2006" xmlns:mv="urn:schemas-microsoft-com:mac:vml" xmlns:p="http://schemas.openxmlformats.org/presentationml/2006/main" xmlns:c="http://schemas.openxmlformats.org/drawingml/2006/chart" xmlns:dgm="http://schemas.openxmlformats.org/drawingml/2006/diagram" xmlns:o="urn:schemas-microsoft-com:office:office" xmlns:v="urn:schemas-microsoft-com:vml" xmlns:pvml="urn:schemas-microsoft-com:office:powerpoint" xmlns:com="http://schemas.openxmlformats.org/drawingml/2006/compatibility" xmlns:p14="http://schemas.microsoft.com/office/powerpoint/2010/main" xmlns:p15="http://schemas.microsoft.com/office/powerpoint/2012/main" xmlns:ahyp="http://schemas.microsoft.com/office/drawing/2018/hyperlinkcolor">
+  <p:cSld>
+    <p:spTree>
+      <p:nvGrpSpPr>
+        <p:cNvPr id="64" name="Shape 64"/>
+        <p:cNvGrpSpPr/>
+        <p:nvPr/>
+      </p:nvGrpSpPr>
+      <p:grpSpPr>
+        <a:xfrm>
+          <a:off x="0" y="0"/>
+          <a:ext cx="0" cy="0"/>
+          <a:chOff x="0" y="0"/>
+          <a:chExt cx="0" cy="0"/>
+        </a:xfrm>
+      </p:grpSpPr>
+      <p:sp>
+        <p:nvSpPr>
+          <p:cNvPr id="65" name="Google Shape;65;p14"/>
+          <p:cNvSpPr txBox="1"/>
+          <p:nvPr>
+            <p:ph type="title"/>
+          </p:nvPr>
+        </p:nvSpPr>
+        <p:spPr>
+          <a:xfrm>
+            <a:off x="311700" y="292625"/>
+            <a:ext cx="8520600" cy="572700"/>
+          </a:xfrm>
+          <a:prstGeom prst="rect">
+            <a:avLst/>
+          </a:prstGeom>
+        </p:spPr>
+        <p:txBody>
+          <a:bodyPr anchorCtr="0" anchor="t" bIns="91425" lIns="91425" spcFirstLastPara="1" rIns="91425" wrap="square" tIns="91425">
+            <a:noAutofit/>
+          </a:bodyPr>
+          <a:lstStyle/>
+          <a:p>
+            <a:pPr indent="0" lvl="0" marL="0" rtl="0" algn="l">
+              <a:spcBef>
+                <a:spcPts val="0"/>
+              </a:spcBef>
+              <a:spcAft>
+                <a:spcPts val="0"/>
+              </a:spcAft>
+              <a:buSzPts val="990"/>
+              <a:buNone/>
+            </a:pPr>
+            <a:r>
+              <a:rPr b="1" lang="en" sz="2500"/>
+              <a:t>Motivation</a:t>
+            </a:r>
+            <a:endParaRPr b="1" sz="2500"/>
+          </a:p>
+        </p:txBody>
+      </p:sp>
+      <p:sp>
+        <p:nvSpPr>
+          <p:cNvPr id="66" name="Google Shape;66;p14"/>
+          <p:cNvSpPr txBox="1"/>
+          <p:nvPr>
+            <p:ph idx="1" type="body"/>
+          </p:nvPr>
+        </p:nvSpPr>
+        <p:spPr>
+          <a:xfrm>
+            <a:off x="311700" y="1152475"/>
+            <a:ext cx="8520600" cy="3416400"/>
           </a:xfrm>
           <a:prstGeom prst="rect">
             <a:avLst/>
@@ -5523,7 +8501,116 @@
               <a:buNone/>
             </a:pPr>
             <a:r>
+              <a:rPr lang="en" sz="1600"/>
+              <a:t>“</a:t>
+            </a:r>
+            <a:r>
+              <a:rPr lang="en" sz="1600"/>
+              <a:t>The US 10-Year Treasury yield serves as an important benchmark for interest rates and economic performance. Given the dynamic nature of capital markets, financial institutions rely on benchmark projections, such as 10-year Treasury yields, to inform their financial strategy.”</a:t>
+            </a:r>
+            <a:endParaRPr sz="1600"/>
+          </a:p>
+          <a:p>
+            <a:pPr indent="0" lvl="0" marL="0" rtl="0" algn="ctr">
+              <a:spcBef>
+                <a:spcPts val="0"/>
+              </a:spcBef>
+              <a:spcAft>
+                <a:spcPts val="0"/>
+              </a:spcAft>
+              <a:buNone/>
+            </a:pPr>
+            <a:r>
               <a:t/>
+            </a:r>
+            <a:endParaRPr sz="1000"/>
+          </a:p>
+          <a:p>
+            <a:pPr indent="-342900" lvl="0" marL="457200" rtl="0" algn="l">
+              <a:spcBef>
+                <a:spcPts val="0"/>
+              </a:spcBef>
+              <a:spcAft>
+                <a:spcPts val="0"/>
+              </a:spcAft>
+              <a:buSzPts val="1800"/>
+              <a:buChar char="➢"/>
+            </a:pPr>
+            <a:r>
+              <a:rPr b="1" lang="en"/>
+              <a:t>Goal</a:t>
+            </a:r>
+            <a:r>
+              <a:rPr lang="en"/>
+              <a:t> </a:t>
+            </a:r>
+            <a:endParaRPr/>
+          </a:p>
+          <a:p>
+            <a:pPr indent="-317500" lvl="1" marL="914400" rtl="0" algn="l">
+              <a:spcBef>
+                <a:spcPts val="0"/>
+              </a:spcBef>
+              <a:spcAft>
+                <a:spcPts val="0"/>
+              </a:spcAft>
+              <a:buSzPts val="1400"/>
+              <a:buChar char="○"/>
+            </a:pPr>
+            <a:r>
+              <a:rPr lang="en"/>
+              <a:t>Improve accuracy in 10-year Treasury yield predictions using qualitative information from the Beige Book</a:t>
+            </a:r>
+            <a:endParaRPr/>
+          </a:p>
+          <a:p>
+            <a:pPr indent="-342900" lvl="0" marL="457200" rtl="0" algn="l">
+              <a:spcBef>
+                <a:spcPts val="0"/>
+              </a:spcBef>
+              <a:spcAft>
+                <a:spcPts val="0"/>
+              </a:spcAft>
+              <a:buSzPts val="1800"/>
+              <a:buChar char="➢"/>
+            </a:pPr>
+            <a:r>
+              <a:rPr b="1" lang="en"/>
+              <a:t>Why the Beige Book? </a:t>
+            </a:r>
+            <a:endParaRPr b="1"/>
+          </a:p>
+          <a:p>
+            <a:pPr indent="-317500" lvl="1" marL="914400" rtl="0" algn="l">
+              <a:spcBef>
+                <a:spcPts val="0"/>
+              </a:spcBef>
+              <a:spcAft>
+                <a:spcPts val="0"/>
+              </a:spcAft>
+              <a:buSzPts val="1400"/>
+              <a:buChar char="○"/>
+            </a:pPr>
+            <a:r>
+              <a:rPr lang="en"/>
+              <a:t>The Beige Book provides an overview of the current economic conditions in each of the twelve federal reserve regions, as well as a national summary</a:t>
+            </a:r>
+            <a:endParaRPr/>
+          </a:p>
+          <a:p>
+            <a:pPr indent="-317500" lvl="1" marL="914400" rtl="0" algn="l">
+              <a:spcBef>
+                <a:spcPts val="0"/>
+              </a:spcBef>
+              <a:spcAft>
+                <a:spcPts val="0"/>
+              </a:spcAft>
+              <a:buSzPts val="1400"/>
+              <a:buChar char="○"/>
+            </a:pPr>
+            <a:r>
+              <a:rPr lang="en"/>
+              <a:t>The Federal Open Market Committee (FOMC) meets 8 times per year to adjust monetary policy based on current economic conditions across the US </a:t>
             </a:r>
             <a:endParaRPr/>
           </a:p>
@@ -5537,45 +8624,1175 @@
 </p:sld>
 </file>
 
+<file path=ppt/slides/slide3.xml><?xml version="1.0" encoding="utf-8"?>
+<p:sld xmlns:a="http://schemas.openxmlformats.org/drawingml/2006/main" xmlns:r="http://schemas.openxmlformats.org/officeDocument/2006/relationships" xmlns:mc="http://schemas.openxmlformats.org/markup-compatibility/2006" xmlns:mv="urn:schemas-microsoft-com:mac:vml" xmlns:p="http://schemas.openxmlformats.org/presentationml/2006/main" xmlns:c="http://schemas.openxmlformats.org/drawingml/2006/chart" xmlns:dgm="http://schemas.openxmlformats.org/drawingml/2006/diagram" xmlns:o="urn:schemas-microsoft-com:office:office" xmlns:v="urn:schemas-microsoft-com:vml" xmlns:pvml="urn:schemas-microsoft-com:office:powerpoint" xmlns:com="http://schemas.openxmlformats.org/drawingml/2006/compatibility" xmlns:p14="http://schemas.microsoft.com/office/powerpoint/2010/main" xmlns:p15="http://schemas.microsoft.com/office/powerpoint/2012/main" xmlns:ahyp="http://schemas.microsoft.com/office/drawing/2018/hyperlinkcolor">
+  <p:cSld>
+    <p:spTree>
+      <p:nvGrpSpPr>
+        <p:cNvPr id="70" name="Shape 70"/>
+        <p:cNvGrpSpPr/>
+        <p:nvPr/>
+      </p:nvGrpSpPr>
+      <p:grpSpPr>
+        <a:xfrm>
+          <a:off x="0" y="0"/>
+          <a:ext cx="0" cy="0"/>
+          <a:chOff x="0" y="0"/>
+          <a:chExt cx="0" cy="0"/>
+        </a:xfrm>
+      </p:grpSpPr>
+      <p:sp>
+        <p:nvSpPr>
+          <p:cNvPr id="71" name="Google Shape;71;p15"/>
+          <p:cNvSpPr txBox="1"/>
+          <p:nvPr>
+            <p:ph type="title"/>
+          </p:nvPr>
+        </p:nvSpPr>
+        <p:spPr>
+          <a:xfrm>
+            <a:off x="311700" y="292625"/>
+            <a:ext cx="8520600" cy="572700"/>
+          </a:xfrm>
+          <a:prstGeom prst="rect">
+            <a:avLst/>
+          </a:prstGeom>
+        </p:spPr>
+        <p:txBody>
+          <a:bodyPr anchorCtr="0" anchor="t" bIns="91425" lIns="91425" spcFirstLastPara="1" rIns="91425" wrap="square" tIns="91425">
+            <a:noAutofit/>
+          </a:bodyPr>
+          <a:lstStyle/>
+          <a:p>
+            <a:pPr indent="0" lvl="0" marL="0" rtl="0" algn="l">
+              <a:spcBef>
+                <a:spcPts val="0"/>
+              </a:spcBef>
+              <a:spcAft>
+                <a:spcPts val="0"/>
+              </a:spcAft>
+              <a:buSzPts val="990"/>
+              <a:buNone/>
+            </a:pPr>
+            <a:r>
+              <a:rPr b="1" lang="en" sz="2500"/>
+              <a:t>Background</a:t>
+            </a:r>
+            <a:endParaRPr b="1" sz="2500"/>
+          </a:p>
+        </p:txBody>
+      </p:sp>
+      <p:sp>
+        <p:nvSpPr>
+          <p:cNvPr id="72" name="Google Shape;72;p15"/>
+          <p:cNvSpPr txBox="1"/>
+          <p:nvPr>
+            <p:ph idx="1" type="body"/>
+          </p:nvPr>
+        </p:nvSpPr>
+        <p:spPr>
+          <a:xfrm>
+            <a:off x="311700" y="1152475"/>
+            <a:ext cx="8520600" cy="3416400"/>
+          </a:xfrm>
+          <a:prstGeom prst="rect">
+            <a:avLst/>
+          </a:prstGeom>
+        </p:spPr>
+        <p:txBody>
+          <a:bodyPr anchorCtr="0" anchor="t" bIns="91425" lIns="91425" spcFirstLastPara="1" rIns="91425" wrap="square" tIns="91425">
+            <a:normAutofit lnSpcReduction="10000"/>
+          </a:bodyPr>
+          <a:lstStyle/>
+          <a:p>
+            <a:pPr indent="-342900" lvl="0" marL="457200" rtl="0" algn="l">
+              <a:spcBef>
+                <a:spcPts val="0"/>
+              </a:spcBef>
+              <a:spcAft>
+                <a:spcPts val="0"/>
+              </a:spcAft>
+              <a:buSzPts val="1800"/>
+              <a:buChar char="➢"/>
+            </a:pPr>
+            <a:r>
+              <a:rPr lang="en"/>
+              <a:t>Highly complex task, historically addressed using </a:t>
+            </a:r>
+            <a:r>
+              <a:rPr b="1" lang="en"/>
+              <a:t>ordinary econometric models</a:t>
+            </a:r>
+            <a:r>
+              <a:rPr lang="en"/>
+              <a:t> </a:t>
+            </a:r>
+            <a:endParaRPr/>
+          </a:p>
+          <a:p>
+            <a:pPr indent="-342900" lvl="0" marL="457200" rtl="0" algn="l">
+              <a:spcBef>
+                <a:spcPts val="0"/>
+              </a:spcBef>
+              <a:spcAft>
+                <a:spcPts val="0"/>
+              </a:spcAft>
+              <a:buSzPts val="1800"/>
+              <a:buChar char="➢"/>
+            </a:pPr>
+            <a:r>
+              <a:rPr lang="en"/>
+              <a:t>Researchers have attempted to improve prediction accuracy using </a:t>
+            </a:r>
+            <a:r>
+              <a:rPr b="1" lang="en"/>
+              <a:t>Machine Learning models</a:t>
+            </a:r>
+            <a:r>
+              <a:rPr lang="en"/>
+              <a:t> such as Random Forests, Gradient Boosted Regressions (XGBoost), and even Long Short-Term Memory networks (a type of RNN)</a:t>
+            </a:r>
+            <a:endParaRPr/>
+          </a:p>
+          <a:p>
+            <a:pPr indent="-317500" lvl="1" marL="914400" rtl="0" algn="l">
+              <a:spcBef>
+                <a:spcPts val="0"/>
+              </a:spcBef>
+              <a:spcAft>
+                <a:spcPts val="0"/>
+              </a:spcAft>
+              <a:buSzPts val="1400"/>
+              <a:buChar char="○"/>
+            </a:pPr>
+            <a:r>
+              <a:rPr lang="en"/>
+              <a:t>Varying levels of success, Oosterlaken (2020) concluded ML models did not </a:t>
+            </a:r>
+            <a:r>
+              <a:rPr lang="en"/>
+              <a:t>significantly</a:t>
+            </a:r>
+            <a:r>
+              <a:rPr lang="en"/>
+              <a:t> outperform econometric models such as autoregressive or vector-autoregressive models </a:t>
+            </a:r>
+            <a:endParaRPr/>
+          </a:p>
+          <a:p>
+            <a:pPr indent="-342900" lvl="0" marL="457200" rtl="0" algn="l">
+              <a:spcBef>
+                <a:spcPts val="0"/>
+              </a:spcBef>
+              <a:spcAft>
+                <a:spcPts val="0"/>
+              </a:spcAft>
+              <a:buSzPts val="1800"/>
+              <a:buChar char="➢"/>
+            </a:pPr>
+            <a:r>
+              <a:rPr lang="en"/>
+              <a:t>Some have attempted to use data from the Beige Books to predict economic phenomena such as US recessions or </a:t>
+            </a:r>
+            <a:r>
+              <a:rPr lang="en"/>
+              <a:t>Treasury</a:t>
+            </a:r>
+            <a:r>
+              <a:rPr lang="en"/>
+              <a:t> yield spread </a:t>
+            </a:r>
+            <a:endParaRPr/>
+          </a:p>
+          <a:p>
+            <a:pPr indent="-317500" lvl="1" marL="914400" rtl="0" algn="l">
+              <a:spcBef>
+                <a:spcPts val="0"/>
+              </a:spcBef>
+              <a:spcAft>
+                <a:spcPts val="0"/>
+              </a:spcAft>
+              <a:buSzPts val="1400"/>
+              <a:buChar char="○"/>
+            </a:pPr>
+            <a:r>
+              <a:rPr lang="en"/>
+              <a:t>Filippou</a:t>
+            </a:r>
+            <a:r>
+              <a:rPr lang="en"/>
+              <a:t> et al. (2023) showed regional sentiments </a:t>
+            </a:r>
+            <a:r>
+              <a:rPr b="1" lang="en"/>
+              <a:t>improved predictive power</a:t>
+            </a:r>
+            <a:r>
+              <a:rPr lang="en"/>
+              <a:t> in forecasting US </a:t>
+            </a:r>
+            <a:r>
+              <a:rPr lang="en"/>
+              <a:t>recessions</a:t>
+            </a:r>
+            <a:r>
+              <a:rPr lang="en"/>
+              <a:t> </a:t>
+            </a:r>
+            <a:endParaRPr/>
+          </a:p>
+          <a:p>
+            <a:pPr indent="-317500" lvl="1" marL="914400" rtl="0" algn="l">
+              <a:spcBef>
+                <a:spcPts val="0"/>
+              </a:spcBef>
+              <a:spcAft>
+                <a:spcPts val="0"/>
+              </a:spcAft>
+              <a:buSzPts val="1400"/>
+              <a:buChar char="○"/>
+            </a:pPr>
+            <a:r>
+              <a:rPr lang="en"/>
+              <a:t>Fujiwara et al. (2023) showed inflation and labor related sentiments </a:t>
+            </a:r>
+            <a:r>
+              <a:rPr b="1" lang="en"/>
+              <a:t>improved predictive power</a:t>
+            </a:r>
+            <a:r>
+              <a:rPr lang="en"/>
+              <a:t> of XGBoost in predicting yield spreads </a:t>
+            </a:r>
+            <a:endParaRPr/>
+          </a:p>
+        </p:txBody>
+      </p:sp>
+    </p:spTree>
+  </p:cSld>
+  <p:clrMapOvr>
+    <a:masterClrMapping/>
+  </p:clrMapOvr>
+</p:sld>
+</file>
+
+<file path=ppt/slides/slide4.xml><?xml version="1.0" encoding="utf-8"?>
+<p:sld xmlns:a="http://schemas.openxmlformats.org/drawingml/2006/main" xmlns:r="http://schemas.openxmlformats.org/officeDocument/2006/relationships" xmlns:mc="http://schemas.openxmlformats.org/markup-compatibility/2006" xmlns:mv="urn:schemas-microsoft-com:mac:vml" xmlns:p="http://schemas.openxmlformats.org/presentationml/2006/main" xmlns:c="http://schemas.openxmlformats.org/drawingml/2006/chart" xmlns:dgm="http://schemas.openxmlformats.org/drawingml/2006/diagram" xmlns:o="urn:schemas-microsoft-com:office:office" xmlns:v="urn:schemas-microsoft-com:vml" xmlns:pvml="urn:schemas-microsoft-com:office:powerpoint" xmlns:com="http://schemas.openxmlformats.org/drawingml/2006/compatibility" xmlns:p14="http://schemas.microsoft.com/office/powerpoint/2010/main" xmlns:p15="http://schemas.microsoft.com/office/powerpoint/2012/main" xmlns:ahyp="http://schemas.microsoft.com/office/drawing/2018/hyperlinkcolor">
+  <p:cSld>
+    <p:spTree>
+      <p:nvGrpSpPr>
+        <p:cNvPr id="76" name="Shape 76"/>
+        <p:cNvGrpSpPr/>
+        <p:nvPr/>
+      </p:nvGrpSpPr>
+      <p:grpSpPr>
+        <a:xfrm>
+          <a:off x="0" y="0"/>
+          <a:ext cx="0" cy="0"/>
+          <a:chOff x="0" y="0"/>
+          <a:chExt cx="0" cy="0"/>
+        </a:xfrm>
+      </p:grpSpPr>
+      <p:sp>
+        <p:nvSpPr>
+          <p:cNvPr id="77" name="Google Shape;77;p16"/>
+          <p:cNvSpPr txBox="1"/>
+          <p:nvPr>
+            <p:ph type="title"/>
+          </p:nvPr>
+        </p:nvSpPr>
+        <p:spPr>
+          <a:xfrm>
+            <a:off x="311700" y="292625"/>
+            <a:ext cx="8520600" cy="572700"/>
+          </a:xfrm>
+          <a:prstGeom prst="rect">
+            <a:avLst/>
+          </a:prstGeom>
+        </p:spPr>
+        <p:txBody>
+          <a:bodyPr anchorCtr="0" anchor="t" bIns="91425" lIns="91425" spcFirstLastPara="1" rIns="91425" wrap="square" tIns="91425">
+            <a:noAutofit/>
+          </a:bodyPr>
+          <a:lstStyle/>
+          <a:p>
+            <a:pPr indent="0" lvl="0" marL="0" rtl="0" algn="l">
+              <a:spcBef>
+                <a:spcPts val="0"/>
+              </a:spcBef>
+              <a:spcAft>
+                <a:spcPts val="0"/>
+              </a:spcAft>
+              <a:buSzPts val="990"/>
+              <a:buNone/>
+            </a:pPr>
+            <a:r>
+              <a:rPr b="1" lang="en" sz="2500"/>
+              <a:t>FRED API </a:t>
+            </a:r>
+            <a:endParaRPr b="1" sz="2500"/>
+          </a:p>
+          <a:p>
+            <a:pPr indent="0" lvl="0" marL="0" rtl="0" algn="l">
+              <a:spcBef>
+                <a:spcPts val="0"/>
+              </a:spcBef>
+              <a:spcAft>
+                <a:spcPts val="0"/>
+              </a:spcAft>
+              <a:buSzPts val="990"/>
+              <a:buNone/>
+            </a:pPr>
+            <a:r>
+              <a:rPr i="1" lang="en" sz="2000"/>
+              <a:t>Target &amp; Macroeconomic Indicators </a:t>
+            </a:r>
+            <a:endParaRPr i="1" sz="2000"/>
+          </a:p>
+        </p:txBody>
+      </p:sp>
+      <p:pic>
+        <p:nvPicPr>
+          <p:cNvPr id="78" name="Google Shape;78;p16"/>
+          <p:cNvPicPr preferRelativeResize="0"/>
+          <p:nvPr/>
+        </p:nvPicPr>
+        <p:blipFill>
+          <a:blip r:embed="rId3">
+            <a:alphaModFix/>
+          </a:blip>
+          <a:stretch>
+            <a:fillRect/>
+          </a:stretch>
+        </p:blipFill>
+        <p:spPr>
+          <a:xfrm>
+            <a:off x="176000" y="1288175"/>
+            <a:ext cx="8792001" cy="3425026"/>
+          </a:xfrm>
+          <a:prstGeom prst="rect">
+            <a:avLst/>
+          </a:prstGeom>
+          <a:noFill/>
+          <a:ln>
+            <a:noFill/>
+          </a:ln>
+        </p:spPr>
+      </p:pic>
+      <p:sp>
+        <p:nvSpPr>
+          <p:cNvPr id="79" name="Google Shape;79;p16"/>
+          <p:cNvSpPr txBox="1"/>
+          <p:nvPr>
+            <p:ph idx="1" type="body"/>
+          </p:nvPr>
+        </p:nvSpPr>
+        <p:spPr>
+          <a:xfrm>
+            <a:off x="99800" y="4713200"/>
+            <a:ext cx="3922500" cy="327300"/>
+          </a:xfrm>
+          <a:prstGeom prst="rect">
+            <a:avLst/>
+          </a:prstGeom>
+        </p:spPr>
+        <p:txBody>
+          <a:bodyPr anchorCtr="0" anchor="t" bIns="91425" lIns="91425" spcFirstLastPara="1" rIns="91425" wrap="square" tIns="91425">
+            <a:normAutofit fontScale="85000" lnSpcReduction="20000"/>
+          </a:bodyPr>
+          <a:lstStyle/>
+          <a:p>
+            <a:pPr indent="0" lvl="0" marL="0" rtl="0" algn="l">
+              <a:lnSpc>
+                <a:spcPct val="95000"/>
+              </a:lnSpc>
+              <a:spcBef>
+                <a:spcPts val="0"/>
+              </a:spcBef>
+              <a:spcAft>
+                <a:spcPts val="1200"/>
+              </a:spcAft>
+              <a:buSzPct val="72678"/>
+              <a:buNone/>
+            </a:pPr>
+            <a:r>
+              <a:rPr lang="en" sz="1400"/>
+              <a:t>https://fred.stlouisfed.org/series/DGS10#0</a:t>
+            </a:r>
+            <a:endParaRPr sz="1400"/>
+          </a:p>
+        </p:txBody>
+      </p:sp>
+    </p:spTree>
+  </p:cSld>
+  <p:clrMapOvr>
+    <a:masterClrMapping/>
+  </p:clrMapOvr>
+</p:sld>
+</file>
+
+<file path=ppt/slides/slide5.xml><?xml version="1.0" encoding="utf-8"?>
+<p:sld xmlns:a="http://schemas.openxmlformats.org/drawingml/2006/main" xmlns:r="http://schemas.openxmlformats.org/officeDocument/2006/relationships" xmlns:mc="http://schemas.openxmlformats.org/markup-compatibility/2006" xmlns:mv="urn:schemas-microsoft-com:mac:vml" xmlns:p="http://schemas.openxmlformats.org/presentationml/2006/main" xmlns:c="http://schemas.openxmlformats.org/drawingml/2006/chart" xmlns:dgm="http://schemas.openxmlformats.org/drawingml/2006/diagram" xmlns:o="urn:schemas-microsoft-com:office:office" xmlns:v="urn:schemas-microsoft-com:vml" xmlns:pvml="urn:schemas-microsoft-com:office:powerpoint" xmlns:com="http://schemas.openxmlformats.org/drawingml/2006/compatibility" xmlns:p14="http://schemas.microsoft.com/office/powerpoint/2010/main" xmlns:p15="http://schemas.microsoft.com/office/powerpoint/2012/main" xmlns:ahyp="http://schemas.microsoft.com/office/drawing/2018/hyperlinkcolor">
+  <p:cSld>
+    <p:spTree>
+      <p:nvGrpSpPr>
+        <p:cNvPr id="83" name="Shape 83"/>
+        <p:cNvGrpSpPr/>
+        <p:nvPr/>
+      </p:nvGrpSpPr>
+      <p:grpSpPr>
+        <a:xfrm>
+          <a:off x="0" y="0"/>
+          <a:ext cx="0" cy="0"/>
+          <a:chOff x="0" y="0"/>
+          <a:chExt cx="0" cy="0"/>
+        </a:xfrm>
+      </p:grpSpPr>
+      <p:sp>
+        <p:nvSpPr>
+          <p:cNvPr id="84" name="Google Shape;84;p17"/>
+          <p:cNvSpPr txBox="1"/>
+          <p:nvPr>
+            <p:ph type="title"/>
+          </p:nvPr>
+        </p:nvSpPr>
+        <p:spPr>
+          <a:xfrm>
+            <a:off x="311700" y="292625"/>
+            <a:ext cx="8520600" cy="572700"/>
+          </a:xfrm>
+          <a:prstGeom prst="rect">
+            <a:avLst/>
+          </a:prstGeom>
+        </p:spPr>
+        <p:txBody>
+          <a:bodyPr anchorCtr="0" anchor="t" bIns="91425" lIns="91425" spcFirstLastPara="1" rIns="91425" wrap="square" tIns="91425">
+            <a:noAutofit/>
+          </a:bodyPr>
+          <a:lstStyle/>
+          <a:p>
+            <a:pPr indent="0" lvl="0" marL="0" rtl="0" algn="l">
+              <a:spcBef>
+                <a:spcPts val="0"/>
+              </a:spcBef>
+              <a:spcAft>
+                <a:spcPts val="0"/>
+              </a:spcAft>
+              <a:buSzPts val="990"/>
+              <a:buNone/>
+            </a:pPr>
+            <a:r>
+              <a:rPr b="1" lang="en" sz="2500"/>
+              <a:t>Federal Reserve Bank of Minneapolis</a:t>
+            </a:r>
+            <a:r>
+              <a:rPr b="1" lang="en" sz="2500"/>
+              <a:t> </a:t>
+            </a:r>
+            <a:endParaRPr b="1" sz="2500"/>
+          </a:p>
+          <a:p>
+            <a:pPr indent="0" lvl="0" marL="0" rtl="0" algn="l">
+              <a:spcBef>
+                <a:spcPts val="0"/>
+              </a:spcBef>
+              <a:spcAft>
+                <a:spcPts val="0"/>
+              </a:spcAft>
+              <a:buSzPts val="990"/>
+              <a:buNone/>
+            </a:pPr>
+            <a:r>
+              <a:rPr i="1" lang="en" sz="2000"/>
+              <a:t>Beige Books</a:t>
+            </a:r>
+            <a:endParaRPr i="1" sz="2000"/>
+          </a:p>
+        </p:txBody>
+      </p:sp>
+      <p:pic>
+        <p:nvPicPr>
+          <p:cNvPr id="85" name="Google Shape;85;p17"/>
+          <p:cNvPicPr preferRelativeResize="0"/>
+          <p:nvPr/>
+        </p:nvPicPr>
+        <p:blipFill rotWithShape="1">
+          <a:blip r:embed="rId3">
+            <a:alphaModFix/>
+          </a:blip>
+          <a:srcRect b="0" l="33061" r="0" t="38905"/>
+          <a:stretch/>
+        </p:blipFill>
+        <p:spPr>
+          <a:xfrm>
+            <a:off x="311700" y="1329350"/>
+            <a:ext cx="3877249" cy="1966725"/>
+          </a:xfrm>
+          <a:prstGeom prst="rect">
+            <a:avLst/>
+          </a:prstGeom>
+          <a:noFill/>
+          <a:ln>
+            <a:noFill/>
+          </a:ln>
+        </p:spPr>
+      </p:pic>
+      <p:pic>
+        <p:nvPicPr>
+          <p:cNvPr id="86" name="Google Shape;86;p17"/>
+          <p:cNvPicPr preferRelativeResize="0"/>
+          <p:nvPr/>
+        </p:nvPicPr>
+        <p:blipFill>
+          <a:blip r:embed="rId4">
+            <a:alphaModFix/>
+          </a:blip>
+          <a:stretch>
+            <a:fillRect/>
+          </a:stretch>
+        </p:blipFill>
+        <p:spPr>
+          <a:xfrm>
+            <a:off x="4314425" y="970300"/>
+            <a:ext cx="4590549" cy="3926875"/>
+          </a:xfrm>
+          <a:prstGeom prst="rect">
+            <a:avLst/>
+          </a:prstGeom>
+          <a:noFill/>
+          <a:ln>
+            <a:noFill/>
+          </a:ln>
+        </p:spPr>
+      </p:pic>
+      <p:sp>
+        <p:nvSpPr>
+          <p:cNvPr id="87" name="Google Shape;87;p17"/>
+          <p:cNvSpPr txBox="1"/>
+          <p:nvPr>
+            <p:ph idx="1" type="body"/>
+          </p:nvPr>
+        </p:nvSpPr>
+        <p:spPr>
+          <a:xfrm>
+            <a:off x="311700" y="3435675"/>
+            <a:ext cx="3877200" cy="807900"/>
+          </a:xfrm>
+          <a:prstGeom prst="rect">
+            <a:avLst/>
+          </a:prstGeom>
+        </p:spPr>
+        <p:txBody>
+          <a:bodyPr anchorCtr="0" anchor="t" bIns="91425" lIns="91425" spcFirstLastPara="1" rIns="91425" wrap="square" tIns="91425">
+            <a:normAutofit/>
+          </a:bodyPr>
+          <a:lstStyle/>
+          <a:p>
+            <a:pPr indent="0" lvl="0" marL="0" rtl="0" algn="l">
+              <a:lnSpc>
+                <a:spcPct val="95000"/>
+              </a:lnSpc>
+              <a:spcBef>
+                <a:spcPts val="0"/>
+              </a:spcBef>
+              <a:spcAft>
+                <a:spcPts val="1200"/>
+              </a:spcAft>
+              <a:buSzPts val="1018"/>
+              <a:buNone/>
+            </a:pPr>
+            <a:r>
+              <a:rPr lang="en" sz="1400"/>
+              <a:t>https://www.minneapolisfed.org/region-and-community/regional-economic-indicators/beige-book-archive</a:t>
+            </a:r>
+            <a:endParaRPr sz="1400"/>
+          </a:p>
+        </p:txBody>
+      </p:sp>
+    </p:spTree>
+  </p:cSld>
+  <p:clrMapOvr>
+    <a:masterClrMapping/>
+  </p:clrMapOvr>
+</p:sld>
+</file>
+
+<file path=ppt/slides/slide6.xml><?xml version="1.0" encoding="utf-8"?>
+<p:sld xmlns:a="http://schemas.openxmlformats.org/drawingml/2006/main" xmlns:r="http://schemas.openxmlformats.org/officeDocument/2006/relationships" xmlns:mc="http://schemas.openxmlformats.org/markup-compatibility/2006" xmlns:mv="urn:schemas-microsoft-com:mac:vml" xmlns:p="http://schemas.openxmlformats.org/presentationml/2006/main" xmlns:c="http://schemas.openxmlformats.org/drawingml/2006/chart" xmlns:dgm="http://schemas.openxmlformats.org/drawingml/2006/diagram" xmlns:o="urn:schemas-microsoft-com:office:office" xmlns:v="urn:schemas-microsoft-com:vml" xmlns:pvml="urn:schemas-microsoft-com:office:powerpoint" xmlns:com="http://schemas.openxmlformats.org/drawingml/2006/compatibility" xmlns:p14="http://schemas.microsoft.com/office/powerpoint/2010/main" xmlns:p15="http://schemas.microsoft.com/office/powerpoint/2012/main" xmlns:ahyp="http://schemas.microsoft.com/office/drawing/2018/hyperlinkcolor">
+  <p:cSld>
+    <p:spTree>
+      <p:nvGrpSpPr>
+        <p:cNvPr id="91" name="Shape 91"/>
+        <p:cNvGrpSpPr/>
+        <p:nvPr/>
+      </p:nvGrpSpPr>
+      <p:grpSpPr>
+        <a:xfrm>
+          <a:off x="0" y="0"/>
+          <a:ext cx="0" cy="0"/>
+          <a:chOff x="0" y="0"/>
+          <a:chExt cx="0" cy="0"/>
+        </a:xfrm>
+      </p:grpSpPr>
+      <p:sp>
+        <p:nvSpPr>
+          <p:cNvPr id="92" name="Google Shape;92;p18"/>
+          <p:cNvSpPr txBox="1"/>
+          <p:nvPr>
+            <p:ph type="title"/>
+          </p:nvPr>
+        </p:nvSpPr>
+        <p:spPr>
+          <a:xfrm>
+            <a:off x="311700" y="292625"/>
+            <a:ext cx="8520600" cy="572700"/>
+          </a:xfrm>
+          <a:prstGeom prst="rect">
+            <a:avLst/>
+          </a:prstGeom>
+        </p:spPr>
+        <p:txBody>
+          <a:bodyPr anchorCtr="0" anchor="t" bIns="91425" lIns="91425" spcFirstLastPara="1" rIns="91425" wrap="square" tIns="91425">
+            <a:noAutofit/>
+          </a:bodyPr>
+          <a:lstStyle/>
+          <a:p>
+            <a:pPr indent="0" lvl="0" marL="0" rtl="0" algn="l">
+              <a:spcBef>
+                <a:spcPts val="0"/>
+              </a:spcBef>
+              <a:spcAft>
+                <a:spcPts val="0"/>
+              </a:spcAft>
+              <a:buSzPts val="990"/>
+              <a:buNone/>
+            </a:pPr>
+            <a:r>
+              <a:rPr b="1" lang="en" sz="2500"/>
+              <a:t>Baseline #1 </a:t>
+            </a:r>
+            <a:endParaRPr b="1" sz="2500"/>
+          </a:p>
+          <a:p>
+            <a:pPr indent="0" lvl="0" marL="0" rtl="0" algn="l">
+              <a:spcBef>
+                <a:spcPts val="0"/>
+              </a:spcBef>
+              <a:spcAft>
+                <a:spcPts val="0"/>
+              </a:spcAft>
+              <a:buSzPts val="990"/>
+              <a:buNone/>
+            </a:pPr>
+            <a:r>
+              <a:rPr i="1" lang="en" sz="2000"/>
+              <a:t>AR(1) Process</a:t>
+            </a:r>
+            <a:r>
+              <a:rPr b="1" lang="en" sz="2500"/>
+              <a:t> </a:t>
+            </a:r>
+            <a:endParaRPr b="1" sz="2500"/>
+          </a:p>
+        </p:txBody>
+      </p:sp>
+      <p:pic>
+        <p:nvPicPr>
+          <p:cNvPr id="93" name="Google Shape;93;p18"/>
+          <p:cNvPicPr preferRelativeResize="0"/>
+          <p:nvPr/>
+        </p:nvPicPr>
+        <p:blipFill rotWithShape="1">
+          <a:blip r:embed="rId3">
+            <a:alphaModFix/>
+          </a:blip>
+          <a:srcRect b="7535" l="3487" r="2003" t="0"/>
+          <a:stretch/>
+        </p:blipFill>
+        <p:spPr>
+          <a:xfrm>
+            <a:off x="1090112" y="1196475"/>
+            <a:ext cx="6963775" cy="3666975"/>
+          </a:xfrm>
+          <a:prstGeom prst="rect">
+            <a:avLst/>
+          </a:prstGeom>
+          <a:noFill/>
+          <a:ln>
+            <a:noFill/>
+          </a:ln>
+        </p:spPr>
+      </p:pic>
+    </p:spTree>
+  </p:cSld>
+  <p:clrMapOvr>
+    <a:masterClrMapping/>
+  </p:clrMapOvr>
+</p:sld>
+</file>
+
+<file path=ppt/slides/slide7.xml><?xml version="1.0" encoding="utf-8"?>
+<p:sld xmlns:a="http://schemas.openxmlformats.org/drawingml/2006/main" xmlns:r="http://schemas.openxmlformats.org/officeDocument/2006/relationships" xmlns:mc="http://schemas.openxmlformats.org/markup-compatibility/2006" xmlns:mv="urn:schemas-microsoft-com:mac:vml" xmlns:p="http://schemas.openxmlformats.org/presentationml/2006/main" xmlns:c="http://schemas.openxmlformats.org/drawingml/2006/chart" xmlns:dgm="http://schemas.openxmlformats.org/drawingml/2006/diagram" xmlns:o="urn:schemas-microsoft-com:office:office" xmlns:v="urn:schemas-microsoft-com:vml" xmlns:pvml="urn:schemas-microsoft-com:office:powerpoint" xmlns:com="http://schemas.openxmlformats.org/drawingml/2006/compatibility" xmlns:p14="http://schemas.microsoft.com/office/powerpoint/2010/main" xmlns:p15="http://schemas.microsoft.com/office/powerpoint/2012/main" xmlns:ahyp="http://schemas.microsoft.com/office/drawing/2018/hyperlinkcolor">
+  <p:cSld>
+    <p:spTree>
+      <p:nvGrpSpPr>
+        <p:cNvPr id="97" name="Shape 97"/>
+        <p:cNvGrpSpPr/>
+        <p:nvPr/>
+      </p:nvGrpSpPr>
+      <p:grpSpPr>
+        <a:xfrm>
+          <a:off x="0" y="0"/>
+          <a:ext cx="0" cy="0"/>
+          <a:chOff x="0" y="0"/>
+          <a:chExt cx="0" cy="0"/>
+        </a:xfrm>
+      </p:grpSpPr>
+      <p:sp>
+        <p:nvSpPr>
+          <p:cNvPr id="98" name="Google Shape;98;p19"/>
+          <p:cNvSpPr txBox="1"/>
+          <p:nvPr>
+            <p:ph type="title"/>
+          </p:nvPr>
+        </p:nvSpPr>
+        <p:spPr>
+          <a:xfrm>
+            <a:off x="311700" y="292625"/>
+            <a:ext cx="8520600" cy="572700"/>
+          </a:xfrm>
+          <a:prstGeom prst="rect">
+            <a:avLst/>
+          </a:prstGeom>
+        </p:spPr>
+        <p:txBody>
+          <a:bodyPr anchorCtr="0" anchor="t" bIns="91425" lIns="91425" spcFirstLastPara="1" rIns="91425" wrap="square" tIns="91425">
+            <a:noAutofit/>
+          </a:bodyPr>
+          <a:lstStyle/>
+          <a:p>
+            <a:pPr indent="0" lvl="0" marL="0" rtl="0" algn="l">
+              <a:spcBef>
+                <a:spcPts val="0"/>
+              </a:spcBef>
+              <a:spcAft>
+                <a:spcPts val="0"/>
+              </a:spcAft>
+              <a:buSzPts val="990"/>
+              <a:buNone/>
+            </a:pPr>
+            <a:r>
+              <a:rPr b="1" lang="en" sz="2500"/>
+              <a:t>Baseline #2 </a:t>
+            </a:r>
+            <a:endParaRPr b="1" sz="2500"/>
+          </a:p>
+          <a:p>
+            <a:pPr indent="0" lvl="0" marL="0" rtl="0" algn="l">
+              <a:spcBef>
+                <a:spcPts val="0"/>
+              </a:spcBef>
+              <a:spcAft>
+                <a:spcPts val="0"/>
+              </a:spcAft>
+              <a:buSzPts val="990"/>
+              <a:buNone/>
+            </a:pPr>
+            <a:r>
+              <a:rPr i="1" lang="en" sz="2000"/>
+              <a:t>XGBoost with Macroeconomic Indicators</a:t>
+            </a:r>
+            <a:endParaRPr b="1" sz="2500"/>
+          </a:p>
+        </p:txBody>
+      </p:sp>
+      <p:pic>
+        <p:nvPicPr>
+          <p:cNvPr id="99" name="Google Shape;99;p19"/>
+          <p:cNvPicPr preferRelativeResize="0"/>
+          <p:nvPr/>
+        </p:nvPicPr>
+        <p:blipFill rotWithShape="1">
+          <a:blip r:embed="rId3">
+            <a:alphaModFix/>
+          </a:blip>
+          <a:srcRect b="0" l="2818" r="0" t="0"/>
+          <a:stretch/>
+        </p:blipFill>
+        <p:spPr>
+          <a:xfrm>
+            <a:off x="1142013" y="1188450"/>
+            <a:ext cx="6859975" cy="3521650"/>
+          </a:xfrm>
+          <a:prstGeom prst="rect">
+            <a:avLst/>
+          </a:prstGeom>
+          <a:noFill/>
+          <a:ln>
+            <a:noFill/>
+          </a:ln>
+        </p:spPr>
+      </p:pic>
+      <p:sp>
+        <p:nvSpPr>
+          <p:cNvPr id="100" name="Google Shape;100;p19"/>
+          <p:cNvSpPr txBox="1"/>
+          <p:nvPr>
+            <p:ph idx="1" type="body"/>
+          </p:nvPr>
+        </p:nvSpPr>
+        <p:spPr>
+          <a:xfrm>
+            <a:off x="189313" y="4694650"/>
+            <a:ext cx="8765400" cy="367200"/>
+          </a:xfrm>
+          <a:prstGeom prst="rect">
+            <a:avLst/>
+          </a:prstGeom>
+        </p:spPr>
+        <p:txBody>
+          <a:bodyPr anchorCtr="0" anchor="t" bIns="91425" lIns="91425" spcFirstLastPara="1" rIns="91425" wrap="square" tIns="91425">
+            <a:normAutofit lnSpcReduction="10000"/>
+          </a:bodyPr>
+          <a:lstStyle/>
+          <a:p>
+            <a:pPr indent="0" lvl="0" marL="0" rtl="0" algn="ctr">
+              <a:lnSpc>
+                <a:spcPct val="95000"/>
+              </a:lnSpc>
+              <a:spcBef>
+                <a:spcPts val="0"/>
+              </a:spcBef>
+              <a:spcAft>
+                <a:spcPts val="1200"/>
+              </a:spcAft>
+              <a:buSzPts val="1018"/>
+              <a:buNone/>
+            </a:pPr>
+            <a:r>
+              <a:rPr lang="en" sz="1400"/>
+              <a:t>10-YT, Consumer Price Index, Unemployment, Producer Price Index, Personal Savings Rate</a:t>
+            </a:r>
+            <a:endParaRPr sz="1400"/>
+          </a:p>
+        </p:txBody>
+      </p:sp>
+    </p:spTree>
+  </p:cSld>
+  <p:clrMapOvr>
+    <a:masterClrMapping/>
+  </p:clrMapOvr>
+</p:sld>
+</file>
+
+<file path=ppt/slides/slide8.xml><?xml version="1.0" encoding="utf-8"?>
+<p:sld xmlns:a="http://schemas.openxmlformats.org/drawingml/2006/main" xmlns:r="http://schemas.openxmlformats.org/officeDocument/2006/relationships" xmlns:mc="http://schemas.openxmlformats.org/markup-compatibility/2006" xmlns:mv="urn:schemas-microsoft-com:mac:vml" xmlns:p="http://schemas.openxmlformats.org/presentationml/2006/main" xmlns:c="http://schemas.openxmlformats.org/drawingml/2006/chart" xmlns:dgm="http://schemas.openxmlformats.org/drawingml/2006/diagram" xmlns:o="urn:schemas-microsoft-com:office:office" xmlns:v="urn:schemas-microsoft-com:vml" xmlns:pvml="urn:schemas-microsoft-com:office:powerpoint" xmlns:com="http://schemas.openxmlformats.org/drawingml/2006/compatibility" xmlns:p14="http://schemas.microsoft.com/office/powerpoint/2010/main" xmlns:p15="http://schemas.microsoft.com/office/powerpoint/2012/main" xmlns:ahyp="http://schemas.microsoft.com/office/drawing/2018/hyperlinkcolor">
+  <p:cSld>
+    <p:spTree>
+      <p:nvGrpSpPr>
+        <p:cNvPr id="104" name="Shape 104"/>
+        <p:cNvGrpSpPr/>
+        <p:nvPr/>
+      </p:nvGrpSpPr>
+      <p:grpSpPr>
+        <a:xfrm>
+          <a:off x="0" y="0"/>
+          <a:ext cx="0" cy="0"/>
+          <a:chOff x="0" y="0"/>
+          <a:chExt cx="0" cy="0"/>
+        </a:xfrm>
+      </p:grpSpPr>
+      <p:sp>
+        <p:nvSpPr>
+          <p:cNvPr id="105" name="Google Shape;105;p20"/>
+          <p:cNvSpPr txBox="1"/>
+          <p:nvPr>
+            <p:ph type="title"/>
+          </p:nvPr>
+        </p:nvSpPr>
+        <p:spPr>
+          <a:xfrm>
+            <a:off x="311700" y="292625"/>
+            <a:ext cx="8520600" cy="572700"/>
+          </a:xfrm>
+          <a:prstGeom prst="rect">
+            <a:avLst/>
+          </a:prstGeom>
+        </p:spPr>
+        <p:txBody>
+          <a:bodyPr anchorCtr="0" anchor="t" bIns="91425" lIns="91425" spcFirstLastPara="1" rIns="91425" wrap="square" tIns="91425">
+            <a:normAutofit fontScale="90000"/>
+          </a:bodyPr>
+          <a:lstStyle/>
+          <a:p>
+            <a:pPr indent="0" lvl="0" marL="0" rtl="0" algn="l">
+              <a:spcBef>
+                <a:spcPts val="0"/>
+              </a:spcBef>
+              <a:spcAft>
+                <a:spcPts val="0"/>
+              </a:spcAft>
+              <a:buNone/>
+            </a:pPr>
+            <a:r>
+              <a:rPr b="1" lang="en" sz="2777"/>
+              <a:t>Topic Identification</a:t>
+            </a:r>
+            <a:endParaRPr/>
+          </a:p>
+          <a:p>
+            <a:pPr indent="0" lvl="0" marL="0" rtl="0" algn="l">
+              <a:spcBef>
+                <a:spcPts val="0"/>
+              </a:spcBef>
+              <a:spcAft>
+                <a:spcPts val="0"/>
+              </a:spcAft>
+              <a:buNone/>
+            </a:pPr>
+            <a:r>
+              <a:rPr i="1" lang="en" sz="2222"/>
+              <a:t>Latent </a:t>
+            </a:r>
+            <a:r>
+              <a:rPr i="1" lang="en" sz="2222"/>
+              <a:t>Dirichlet</a:t>
+            </a:r>
+            <a:r>
+              <a:rPr i="1" lang="en" sz="2222"/>
+              <a:t> Allocation (LDA) </a:t>
+            </a:r>
+            <a:endParaRPr i="1" sz="2222"/>
+          </a:p>
+        </p:txBody>
+      </p:sp>
+      <p:pic>
+        <p:nvPicPr>
+          <p:cNvPr id="106" name="Google Shape;106;p20"/>
+          <p:cNvPicPr preferRelativeResize="0"/>
+          <p:nvPr/>
+        </p:nvPicPr>
+        <p:blipFill rotWithShape="1">
+          <a:blip r:embed="rId3">
+            <a:alphaModFix/>
+          </a:blip>
+          <a:srcRect b="5035" l="3447" r="2602" t="7841"/>
+          <a:stretch/>
+        </p:blipFill>
+        <p:spPr>
+          <a:xfrm>
+            <a:off x="1019150" y="1220800"/>
+            <a:ext cx="7105701" cy="3426625"/>
+          </a:xfrm>
+          <a:prstGeom prst="rect">
+            <a:avLst/>
+          </a:prstGeom>
+          <a:noFill/>
+          <a:ln>
+            <a:noFill/>
+          </a:ln>
+        </p:spPr>
+      </p:pic>
+      <p:sp>
+        <p:nvSpPr>
+          <p:cNvPr id="107" name="Google Shape;107;p20"/>
+          <p:cNvSpPr txBox="1"/>
+          <p:nvPr>
+            <p:ph idx="1" type="body"/>
+          </p:nvPr>
+        </p:nvSpPr>
+        <p:spPr>
+          <a:xfrm>
+            <a:off x="189313" y="4694650"/>
+            <a:ext cx="8765400" cy="367200"/>
+          </a:xfrm>
+          <a:prstGeom prst="rect">
+            <a:avLst/>
+          </a:prstGeom>
+        </p:spPr>
+        <p:txBody>
+          <a:bodyPr anchorCtr="0" anchor="t" bIns="91425" lIns="91425" spcFirstLastPara="1" rIns="91425" wrap="square" tIns="91425">
+            <a:normAutofit lnSpcReduction="10000"/>
+          </a:bodyPr>
+          <a:lstStyle/>
+          <a:p>
+            <a:pPr indent="0" lvl="0" marL="0" rtl="0" algn="ctr">
+              <a:lnSpc>
+                <a:spcPct val="95000"/>
+              </a:lnSpc>
+              <a:spcBef>
+                <a:spcPts val="0"/>
+              </a:spcBef>
+              <a:spcAft>
+                <a:spcPts val="1200"/>
+              </a:spcAft>
+              <a:buSzPts val="1018"/>
+              <a:buNone/>
+            </a:pPr>
+            <a:r>
+              <a:rPr lang="en" sz="1400"/>
+              <a:t>Source: https://medium.com/@robinsonjason761/nlp-for-topic-modeling-with-a-lda-technique-1fe4bec4e40</a:t>
+            </a:r>
+            <a:endParaRPr sz="1400"/>
+          </a:p>
+        </p:txBody>
+      </p:sp>
+    </p:spTree>
+  </p:cSld>
+  <p:clrMapOvr>
+    <a:masterClrMapping/>
+  </p:clrMapOvr>
+</p:sld>
+</file>
+
+<file path=ppt/slides/slide9.xml><?xml version="1.0" encoding="utf-8"?>
+<p:sld xmlns:a="http://schemas.openxmlformats.org/drawingml/2006/main" xmlns:r="http://schemas.openxmlformats.org/officeDocument/2006/relationships" xmlns:mc="http://schemas.openxmlformats.org/markup-compatibility/2006" xmlns:mv="urn:schemas-microsoft-com:mac:vml" xmlns:p="http://schemas.openxmlformats.org/presentationml/2006/main" xmlns:c="http://schemas.openxmlformats.org/drawingml/2006/chart" xmlns:dgm="http://schemas.openxmlformats.org/drawingml/2006/diagram" xmlns:o="urn:schemas-microsoft-com:office:office" xmlns:v="urn:schemas-microsoft-com:vml" xmlns:pvml="urn:schemas-microsoft-com:office:powerpoint" xmlns:com="http://schemas.openxmlformats.org/drawingml/2006/compatibility" xmlns:p14="http://schemas.microsoft.com/office/powerpoint/2010/main" xmlns:p15="http://schemas.microsoft.com/office/powerpoint/2012/main" xmlns:ahyp="http://schemas.microsoft.com/office/drawing/2018/hyperlinkcolor">
+  <p:cSld>
+    <p:spTree>
+      <p:nvGrpSpPr>
+        <p:cNvPr id="111" name="Shape 111"/>
+        <p:cNvGrpSpPr/>
+        <p:nvPr/>
+      </p:nvGrpSpPr>
+      <p:grpSpPr>
+        <a:xfrm>
+          <a:off x="0" y="0"/>
+          <a:ext cx="0" cy="0"/>
+          <a:chOff x="0" y="0"/>
+          <a:chExt cx="0" cy="0"/>
+        </a:xfrm>
+      </p:grpSpPr>
+      <p:sp>
+        <p:nvSpPr>
+          <p:cNvPr id="112" name="Google Shape;112;p21"/>
+          <p:cNvSpPr txBox="1"/>
+          <p:nvPr>
+            <p:ph type="title"/>
+          </p:nvPr>
+        </p:nvSpPr>
+        <p:spPr>
+          <a:xfrm>
+            <a:off x="311700" y="292625"/>
+            <a:ext cx="8520600" cy="572700"/>
+          </a:xfrm>
+          <a:prstGeom prst="rect">
+            <a:avLst/>
+          </a:prstGeom>
+        </p:spPr>
+        <p:txBody>
+          <a:bodyPr anchorCtr="0" anchor="t" bIns="91425" lIns="91425" spcFirstLastPara="1" rIns="91425" wrap="square" tIns="91425">
+            <a:normAutofit fontScale="90000"/>
+          </a:bodyPr>
+          <a:lstStyle/>
+          <a:p>
+            <a:pPr indent="0" lvl="0" marL="0" rtl="0" algn="l">
+              <a:spcBef>
+                <a:spcPts val="0"/>
+              </a:spcBef>
+              <a:spcAft>
+                <a:spcPts val="0"/>
+              </a:spcAft>
+              <a:buNone/>
+            </a:pPr>
+            <a:r>
+              <a:rPr b="1" lang="en" sz="2777"/>
+              <a:t>Topic Identification</a:t>
+            </a:r>
+            <a:endParaRPr/>
+          </a:p>
+          <a:p>
+            <a:pPr indent="0" lvl="0" marL="0" rtl="0" algn="l">
+              <a:spcBef>
+                <a:spcPts val="0"/>
+              </a:spcBef>
+              <a:spcAft>
+                <a:spcPts val="0"/>
+              </a:spcAft>
+              <a:buNone/>
+            </a:pPr>
+            <a:r>
+              <a:rPr i="1" lang="en" sz="2222"/>
+              <a:t>Hyperparameter Tuning</a:t>
+            </a:r>
+            <a:endParaRPr i="1" sz="2222"/>
+          </a:p>
+        </p:txBody>
+      </p:sp>
+      <p:pic>
+        <p:nvPicPr>
+          <p:cNvPr id="113" name="Google Shape;113;p21"/>
+          <p:cNvPicPr preferRelativeResize="0"/>
+          <p:nvPr/>
+        </p:nvPicPr>
+        <p:blipFill>
+          <a:blip r:embed="rId3">
+            <a:alphaModFix/>
+          </a:blip>
+          <a:stretch>
+            <a:fillRect/>
+          </a:stretch>
+        </p:blipFill>
+        <p:spPr>
+          <a:xfrm>
+            <a:off x="1145000" y="1179475"/>
+            <a:ext cx="6853975" cy="3828325"/>
+          </a:xfrm>
+          <a:prstGeom prst="rect">
+            <a:avLst/>
+          </a:prstGeom>
+          <a:noFill/>
+          <a:ln>
+            <a:noFill/>
+          </a:ln>
+        </p:spPr>
+      </p:pic>
+    </p:spTree>
+  </p:cSld>
+  <p:clrMapOvr>
+    <a:masterClrMapping/>
+  </p:clrMapOvr>
+</p:sld>
+</file>
+
 <file path=ppt/theme/theme1.xml><?xml version="1.0" encoding="utf-8"?>
-<a:theme xmlns:a="http://schemas.openxmlformats.org/drawingml/2006/main" xmlns:r="http://schemas.openxmlformats.org/officeDocument/2006/relationships" name="Simple Light">
+<a:theme xmlns:a="http://schemas.openxmlformats.org/drawingml/2006/main" xmlns:r="http://schemas.openxmlformats.org/officeDocument/2006/relationships" name="Slate">
   <a:themeElements>
-    <a:clrScheme name="Simple Light">
+    <a:clrScheme name="Slate">
       <a:dk1>
-        <a:srgbClr val="000000"/>
+        <a:srgbClr val="FFFFFF"/>
       </a:dk1>
       <a:lt1>
-        <a:srgbClr val="FFFFFF"/>
+        <a:srgbClr val="37474F"/>
       </a:lt1>
       <a:dk2>
-        <a:srgbClr val="595959"/>
+        <a:srgbClr val="9E9E9E"/>
       </a:dk2>
       <a:lt2>
-        <a:srgbClr val="EEEEEE"/>
+        <a:srgbClr val="E0E0E0"/>
       </a:lt2>
       <a:accent1>
-        <a:srgbClr val="4285F4"/>
+        <a:srgbClr val="616161"/>
       </a:accent1>
       <a:accent2>
-        <a:srgbClr val="212121"/>
+        <a:srgbClr val="78909C"/>
       </a:accent2>
       <a:accent3>
-        <a:srgbClr val="78909C"/>
+        <a:srgbClr val="CACACA"/>
       </a:accent3>
       <a:accent4>
-        <a:srgbClr val="FFAB40"/>
+        <a:srgbClr val="64FFDA"/>
       </a:accent4>
       <a:accent5>
-        <a:srgbClr val="0097A7"/>
+        <a:srgbClr val="FFD966"/>
       </a:accent5>
       <a:accent6>
-        <a:srgbClr val="EEFF41"/>
+        <a:srgbClr val="F5F5F5"/>
       </a:accent6>
       <a:hlink>
-        <a:srgbClr val="0097A7"/>
+        <a:srgbClr val="FFD966"/>
       </a:hlink>
       <a:folHlink>
-        <a:srgbClr val="0097A7"/>
+        <a:srgbClr val="FFD966"/>
       </a:folHlink>
     </a:clrScheme>
     <a:fontScheme name="Office">
